--- a/Rendu final/PrésentationTPI2015_TopRecette.pptx
+++ b/Rendu final/PrésentationTPI2015_TopRecette.pptx
@@ -5,28 +5,27 @@
     <p:sldMasterId id="2147483756" r:id="rId1"/>
   </p:sldMasterIdLst>
   <p:notesMasterIdLst>
-    <p:notesMasterId r:id="rId21"/>
+    <p:notesMasterId r:id="rId20"/>
   </p:notesMasterIdLst>
   <p:sldIdLst>
     <p:sldId id="256" r:id="rId2"/>
     <p:sldId id="264" r:id="rId3"/>
     <p:sldId id="257" r:id="rId4"/>
-    <p:sldId id="265" r:id="rId5"/>
-    <p:sldId id="258" r:id="rId6"/>
-    <p:sldId id="259" r:id="rId7"/>
-    <p:sldId id="266" r:id="rId8"/>
-    <p:sldId id="270" r:id="rId9"/>
-    <p:sldId id="271" r:id="rId10"/>
-    <p:sldId id="272" r:id="rId11"/>
-    <p:sldId id="273" r:id="rId12"/>
-    <p:sldId id="260" r:id="rId13"/>
-    <p:sldId id="267" r:id="rId14"/>
-    <p:sldId id="261" r:id="rId15"/>
-    <p:sldId id="262" r:id="rId16"/>
-    <p:sldId id="268" r:id="rId17"/>
-    <p:sldId id="274" r:id="rId18"/>
-    <p:sldId id="269" r:id="rId19"/>
-    <p:sldId id="263" r:id="rId20"/>
+    <p:sldId id="258" r:id="rId5"/>
+    <p:sldId id="259" r:id="rId6"/>
+    <p:sldId id="266" r:id="rId7"/>
+    <p:sldId id="270" r:id="rId8"/>
+    <p:sldId id="271" r:id="rId9"/>
+    <p:sldId id="272" r:id="rId10"/>
+    <p:sldId id="273" r:id="rId11"/>
+    <p:sldId id="260" r:id="rId12"/>
+    <p:sldId id="267" r:id="rId13"/>
+    <p:sldId id="261" r:id="rId14"/>
+    <p:sldId id="262" r:id="rId15"/>
+    <p:sldId id="268" r:id="rId16"/>
+    <p:sldId id="274" r:id="rId17"/>
+    <p:sldId id="269" r:id="rId18"/>
+    <p:sldId id="263" r:id="rId19"/>
   </p:sldIdLst>
   <p:sldSz cx="9144000" cy="6858000" type="screen4x3"/>
   <p:notesSz cx="6858000" cy="9144000"/>
@@ -752,7 +751,7 @@
           <a:bodyPr/>
           <a:lstStyle/>
           <a:p>
-            <a:fld id="{77D87453-D9AE-497C-A3DC-048DEE47EF0C}" type="datetime1">
+            <a:fld id="{AFF0AA51-D641-4F32-808C-7A0A7074D3B9}" type="datetime1">
               <a:rPr lang="fr-FR" smtClean="0"/>
               <a:t>21/05/2015</a:t>
             </a:fld>
@@ -798,6 +797,10 @@
           <a:bodyPr/>
           <a:lstStyle/>
           <a:p>
+            <a:r>
+              <a:rPr lang="fr-BE" smtClean="0"/>
+              <a:t>Cedric Dos Reis - TopRecettes</a:t>
+            </a:r>
             <a:endParaRPr lang="fr-BE"/>
           </a:p>
         </p:txBody>
@@ -917,7 +920,7 @@
           <a:bodyPr/>
           <a:lstStyle/>
           <a:p>
-            <a:fld id="{57F5A8E4-5951-43F9-A12E-AD6D3AB1F031}" type="datetime1">
+            <a:fld id="{AFC3ABFC-0302-4417-9FD2-87825C1344C2}" type="datetime1">
               <a:rPr lang="fr-FR" smtClean="0"/>
               <a:t>21/05/2015</a:t>
             </a:fld>
@@ -940,6 +943,10 @@
           <a:bodyPr/>
           <a:lstStyle/>
           <a:p>
+            <a:r>
+              <a:rPr lang="fr-BE" smtClean="0"/>
+              <a:t>Cedric Dos Reis - TopRecettes</a:t>
+            </a:r>
             <a:endParaRPr lang="fr-BE"/>
           </a:p>
         </p:txBody>
@@ -1092,7 +1099,7 @@
           <a:bodyPr/>
           <a:lstStyle/>
           <a:p>
-            <a:fld id="{0CCF7571-5255-434B-A49F-F93014038909}" type="datetime1">
+            <a:fld id="{AD081C7E-3A94-4059-A27F-D314FE61EE88}" type="datetime1">
               <a:rPr lang="fr-FR" smtClean="0"/>
               <a:t>21/05/2015</a:t>
             </a:fld>
@@ -1115,6 +1122,10 @@
           <a:bodyPr/>
           <a:lstStyle/>
           <a:p>
+            <a:r>
+              <a:rPr lang="fr-BE" smtClean="0"/>
+              <a:t>Cedric Dos Reis - TopRecettes</a:t>
+            </a:r>
             <a:endParaRPr lang="fr-BE"/>
           </a:p>
         </p:txBody>
@@ -1275,7 +1286,7 @@
           <a:bodyPr/>
           <a:lstStyle/>
           <a:p>
-            <a:fld id="{D6888F64-F2AA-48CF-BAA4-2B82A48451C8}" type="datetime1">
+            <a:fld id="{55E7AD39-9493-4054-89E8-AFB8FFBF66A0}" type="datetime1">
               <a:rPr lang="fr-FR" smtClean="0"/>
               <a:t>21/05/2015</a:t>
             </a:fld>
@@ -1298,6 +1309,10 @@
           <a:bodyPr/>
           <a:lstStyle/>
           <a:p>
+            <a:r>
+              <a:rPr lang="fr-BE" smtClean="0"/>
+              <a:t>Cedric Dos Reis - TopRecettes</a:t>
+            </a:r>
             <a:endParaRPr lang="fr-BE"/>
           </a:p>
         </p:txBody>
@@ -1537,7 +1552,7 @@
           <a:bodyPr/>
           <a:lstStyle/>
           <a:p>
-            <a:fld id="{E7370779-BAFA-4D70-AA01-BD169A4C54A5}" type="datetime1">
+            <a:fld id="{663506B8-2F32-4AA1-9048-BA5FDADCBAB6}" type="datetime1">
               <a:rPr lang="fr-FR" smtClean="0"/>
               <a:t>21/05/2015</a:t>
             </a:fld>
@@ -1560,6 +1575,10 @@
           <a:bodyPr/>
           <a:lstStyle/>
           <a:p>
+            <a:r>
+              <a:rPr lang="fr-BE" smtClean="0"/>
+              <a:t>Cedric Dos Reis - TopRecettes</a:t>
+            </a:r>
             <a:endParaRPr lang="fr-BE"/>
           </a:p>
         </p:txBody>
@@ -1885,7 +1904,7 @@
           <a:bodyPr/>
           <a:lstStyle/>
           <a:p>
-            <a:fld id="{085B5236-98E3-4D9D-8869-BEB37DA0A32A}" type="datetime1">
+            <a:fld id="{99866C27-4B01-4EB6-8B4F-F7E2C1D5C926}" type="datetime1">
               <a:rPr lang="fr-FR" smtClean="0"/>
               <a:t>21/05/2015</a:t>
             </a:fld>
@@ -1908,6 +1927,10 @@
           <a:bodyPr/>
           <a:lstStyle/>
           <a:p>
+            <a:r>
+              <a:rPr lang="fr-BE" smtClean="0"/>
+              <a:t>Cedric Dos Reis - TopRecettes</a:t>
+            </a:r>
             <a:endParaRPr lang="fr-BE"/>
           </a:p>
         </p:txBody>
@@ -2193,7 +2216,7 @@
           <a:bodyPr/>
           <a:lstStyle/>
           <a:p>
-            <a:fld id="{B17EC84E-0534-4333-A59C-89D407D9EE92}" type="datetime1">
+            <a:fld id="{7D20E62D-E6EE-4BD4-AF3F-18C75E8ECA92}" type="datetime1">
               <a:rPr lang="fr-FR" smtClean="0"/>
               <a:t>21/05/2015</a:t>
             </a:fld>
@@ -2216,6 +2239,10 @@
           <a:bodyPr/>
           <a:lstStyle/>
           <a:p>
+            <a:r>
+              <a:rPr lang="fr-BE" smtClean="0"/>
+              <a:t>Cedric Dos Reis - TopRecettes</a:t>
+            </a:r>
             <a:endParaRPr lang="fr-BE"/>
           </a:p>
         </p:txBody>
@@ -2420,7 +2447,7 @@
           <a:bodyPr/>
           <a:lstStyle/>
           <a:p>
-            <a:fld id="{11F320B6-38C7-40E1-9803-7DDF9BF5E8E7}" type="datetime1">
+            <a:fld id="{C19B4676-7778-439F-9EBE-7810804EE59A}" type="datetime1">
               <a:rPr lang="fr-FR" smtClean="0"/>
               <a:t>21/05/2015</a:t>
             </a:fld>
@@ -2443,6 +2470,10 @@
           <a:bodyPr/>
           <a:lstStyle/>
           <a:p>
+            <a:r>
+              <a:rPr lang="fr-BE" smtClean="0"/>
+              <a:t>Cedric Dos Reis - TopRecettes</a:t>
+            </a:r>
             <a:endParaRPr lang="fr-BE"/>
           </a:p>
         </p:txBody>
@@ -2510,7 +2541,7 @@
           <a:bodyPr/>
           <a:lstStyle/>
           <a:p>
-            <a:fld id="{E6593F5E-B0FC-4C4A-A693-789DDA153634}" type="datetime1">
+            <a:fld id="{0D13451E-0A73-4869-970E-FC17F6A65AB2}" type="datetime1">
               <a:rPr lang="fr-FR" smtClean="0"/>
               <a:t>21/05/2015</a:t>
             </a:fld>
@@ -2533,6 +2564,10 @@
           <a:bodyPr/>
           <a:lstStyle/>
           <a:p>
+            <a:r>
+              <a:rPr lang="fr-BE" smtClean="0"/>
+              <a:t>Cedric Dos Reis - TopRecettes</a:t>
+            </a:r>
             <a:endParaRPr lang="fr-BE"/>
           </a:p>
         </p:txBody>
@@ -2798,7 +2833,7 @@
           <a:bodyPr/>
           <a:lstStyle/>
           <a:p>
-            <a:fld id="{8D4F4077-4818-47E4-B3EE-A4AEC11AA044}" type="datetime1">
+            <a:fld id="{47476F51-12A6-4829-8BF3-9925253E7548}" type="datetime1">
               <a:rPr lang="fr-FR" smtClean="0"/>
               <a:t>21/05/2015</a:t>
             </a:fld>
@@ -2821,6 +2856,10 @@
           <a:bodyPr/>
           <a:lstStyle/>
           <a:p>
+            <a:r>
+              <a:rPr lang="fr-BE" smtClean="0"/>
+              <a:t>Cedric Dos Reis - TopRecettes</a:t>
+            </a:r>
             <a:endParaRPr lang="fr-BE"/>
           </a:p>
         </p:txBody>
@@ -3067,7 +3106,7 @@
           <a:bodyPr/>
           <a:lstStyle/>
           <a:p>
-            <a:fld id="{D00053CF-FC8A-4525-A12B-4FD9DB1819A1}" type="datetime1">
+            <a:fld id="{2EE727AD-7395-4D93-BC0E-945E8EDFCDE3}" type="datetime1">
               <a:rPr lang="fr-FR" smtClean="0"/>
               <a:t>21/05/2015</a:t>
             </a:fld>
@@ -3090,6 +3129,10 @@
           <a:bodyPr/>
           <a:lstStyle/>
           <a:p>
+            <a:r>
+              <a:rPr lang="fr-BE" smtClean="0"/>
+              <a:t>Cedric Dos Reis - TopRecettes</a:t>
+            </a:r>
             <a:endParaRPr lang="fr-BE"/>
           </a:p>
         </p:txBody>
@@ -3277,7 +3320,7 @@
             </a:lvl1pPr>
           </a:lstStyle>
           <a:p>
-            <a:fld id="{3CF53870-AFFB-4F25-9739-2BEDBC7D7B27}" type="datetime1">
+            <a:fld id="{C79B0D29-AE0D-42E2-8495-21D9747BA860}" type="datetime1">
               <a:rPr lang="fr-FR" smtClean="0"/>
               <a:t>21/05/2015</a:t>
             </a:fld>
@@ -3320,6 +3363,10 @@
             </a:lvl1pPr>
           </a:lstStyle>
           <a:p>
+            <a:r>
+              <a:rPr lang="fr-BE" smtClean="0"/>
+              <a:t>Cedric Dos Reis - TopRecettes</a:t>
+            </a:r>
             <a:endParaRPr lang="fr-BE"/>
           </a:p>
         </p:txBody>
@@ -3490,7 +3537,7 @@
     <p:sldLayoutId id="2147483766" r:id="rId10"/>
     <p:sldLayoutId id="2147483767" r:id="rId11"/>
   </p:sldLayoutIdLst>
-  <p:hf hdr="0" ftr="0" dt="0"/>
+  <p:hf hdr="0" dt="0"/>
   <p:txStyles>
     <p:titleStyle>
       <a:lvl1pPr algn="ctr" defTabSz="914400" rtl="0" eaLnBrk="1" latinLnBrk="0" hangingPunct="1">
@@ -3870,14 +3917,6 @@
               </a:rPr>
               <a:t> Dos Reis</a:t>
             </a:r>
-            <a:endParaRPr lang="fr-CH" dirty="0" smtClean="0">
-              <a:solidFill>
-                <a:schemeClr val="tx2">
-                  <a:lumMod val="90000"/>
-                  <a:lumOff val="10000"/>
-                </a:schemeClr>
-              </a:solidFill>
-            </a:endParaRPr>
           </a:p>
           <a:p>
             <a:r>
@@ -3969,7 +4008,7 @@
           <a:p>
             <a:r>
               <a:rPr lang="fr-CH" dirty="0"/>
-              <a:t>La carte des spots</a:t>
+              <a:t>Administration </a:t>
             </a:r>
           </a:p>
         </p:txBody>
@@ -4018,69 +4057,6 @@
         <p:txBody>
           <a:bodyPr/>
           <a:lstStyle/>
-          <a:p>
-            <a:pPr marL="0" indent="0">
-              <a:buNone/>
-            </a:pPr>
-            <a:r>
-              <a:rPr lang="fr-CH" dirty="0" smtClean="0">
-                <a:solidFill>
-                  <a:schemeClr val="tx1">
-                    <a:lumMod val="75000"/>
-                    <a:lumOff val="25000"/>
-                  </a:schemeClr>
-                </a:solidFill>
-                <a:latin typeface="Arial" panose="020B0604020202020204" pitchFamily="34" charset="0"/>
-                <a:ea typeface="Adobe Heiti Std R" pitchFamily="34" charset="-128"/>
-                <a:cs typeface="Arial" panose="020B0604020202020204" pitchFamily="34" charset="0"/>
-              </a:rPr>
-              <a:t>Input type </a:t>
-            </a:r>
-            <a:r>
-              <a:rPr lang="fr-CH" dirty="0" err="1" smtClean="0">
-                <a:solidFill>
-                  <a:schemeClr val="tx1">
-                    <a:lumMod val="75000"/>
-                    <a:lumOff val="25000"/>
-                  </a:schemeClr>
-                </a:solidFill>
-                <a:latin typeface="Arial" panose="020B0604020202020204" pitchFamily="34" charset="0"/>
-                <a:ea typeface="Adobe Heiti Std R" pitchFamily="34" charset="-128"/>
-                <a:cs typeface="Arial" panose="020B0604020202020204" pitchFamily="34" charset="0"/>
-              </a:rPr>
-              <a:t>hidden</a:t>
-            </a:r>
-            <a:endParaRPr lang="fr-CH" dirty="0" smtClean="0">
-              <a:solidFill>
-                <a:schemeClr val="tx1">
-                  <a:lumMod val="75000"/>
-                  <a:lumOff val="25000"/>
-                </a:schemeClr>
-              </a:solidFill>
-              <a:latin typeface="Arial" panose="020B0604020202020204" pitchFamily="34" charset="0"/>
-              <a:ea typeface="Adobe Heiti Std R" pitchFamily="34" charset="-128"/>
-              <a:cs typeface="Arial" panose="020B0604020202020204" pitchFamily="34" charset="0"/>
-            </a:endParaRPr>
-          </a:p>
-          <a:p>
-            <a:pPr marL="0" indent="0">
-              <a:buNone/>
-            </a:pPr>
-            <a:r>
-              <a:rPr lang="fr-CH" dirty="0" smtClean="0">
-                <a:solidFill>
-                  <a:schemeClr val="tx1">
-                    <a:lumMod val="75000"/>
-                    <a:lumOff val="25000"/>
-                  </a:schemeClr>
-                </a:solidFill>
-                <a:latin typeface="Arial" panose="020B0604020202020204" pitchFamily="34" charset="0"/>
-                <a:ea typeface="Adobe Heiti Std R" pitchFamily="34" charset="-128"/>
-                <a:cs typeface="Arial" panose="020B0604020202020204" pitchFamily="34" charset="0"/>
-              </a:rPr>
-              <a:t>Création des marqueurs</a:t>
-            </a:r>
-          </a:p>
           <a:p>
             <a:pPr marL="457200" lvl="1" indent="0">
               <a:buNone/>
@@ -4113,10 +4089,33 @@
           </a:p>
         </p:txBody>
       </p:sp>
+      <p:sp>
+        <p:nvSpPr>
+          <p:cNvPr id="5" name="Espace réservé du pied de page 4"/>
+          <p:cNvSpPr>
+            <a:spLocks noGrp="1"/>
+          </p:cNvSpPr>
+          <p:nvPr>
+            <p:ph type="ftr" sz="quarter" idx="11"/>
+          </p:nvPr>
+        </p:nvSpPr>
+        <p:spPr/>
+        <p:txBody>
+          <a:bodyPr/>
+          <a:lstStyle/>
+          <a:p>
+            <a:r>
+              <a:rPr lang="fr-BE" smtClean="0"/>
+              <a:t>Cedric Dos Reis - TopRecettes</a:t>
+            </a:r>
+            <a:endParaRPr lang="fr-BE"/>
+          </a:p>
+        </p:txBody>
+      </p:sp>
     </p:spTree>
     <p:extLst>
       <p:ext uri="{BB962C8B-B14F-4D97-AF65-F5344CB8AC3E}">
-        <p14:creationId xmlns:p14="http://schemas.microsoft.com/office/powerpoint/2010/main" val="395183128"/>
+        <p14:creationId xmlns:p14="http://schemas.microsoft.com/office/powerpoint/2010/main" val="4115347940"/>
       </p:ext>
     </p:extLst>
   </p:cSld>
@@ -4166,39 +4165,10 @@
           <a:lstStyle/>
           <a:p>
             <a:r>
-              <a:rPr lang="fr-CH" dirty="0"/>
-              <a:t>Administration </a:t>
-            </a:r>
-          </a:p>
-        </p:txBody>
-      </p:sp>
-      <p:sp>
-        <p:nvSpPr>
-          <p:cNvPr id="4" name="Espace réservé du numéro de diapositive 3"/>
-          <p:cNvSpPr>
-            <a:spLocks noGrp="1"/>
-          </p:cNvSpPr>
-          <p:nvPr>
-            <p:ph type="sldNum" sz="quarter" idx="12"/>
-          </p:nvPr>
-        </p:nvSpPr>
-        <p:spPr>
-          <a:xfrm>
-            <a:off x="0" y="6356350"/>
-            <a:ext cx="9105253" cy="365125"/>
-          </a:xfrm>
-        </p:spPr>
-        <p:txBody>
-          <a:bodyPr/>
-          <a:lstStyle/>
-          <a:p>
-            <a:pPr algn="ctr"/>
-            <a:fld id="{CF4668DC-857F-487D-BFFA-8C0CA5037977}" type="slidenum">
-              <a:rPr lang="fr-BE" smtClean="0"/>
-              <a:pPr algn="ctr"/>
-              <a:t>11</a:t>
-            </a:fld>
-            <a:endParaRPr lang="fr-BE" dirty="0"/>
+              <a:rPr lang="fr-CH" dirty="0" smtClean="0"/>
+              <a:t>Réalisation</a:t>
+            </a:r>
+            <a:endParaRPr lang="fr-CH" dirty="0"/>
           </a:p>
         </p:txBody>
       </p:sp>
@@ -4214,26 +4184,69 @@
         </p:nvSpPr>
         <p:spPr/>
         <p:txBody>
-          <a:bodyPr/>
-          <a:lstStyle/>
-          <a:p>
-            <a:pPr marL="457200" lvl="1" indent="0">
-              <a:buNone/>
-            </a:pPr>
-            <a:endParaRPr lang="fr-CH" dirty="0" smtClean="0">
-              <a:solidFill>
-                <a:schemeClr val="tx1">
-                  <a:lumMod val="75000"/>
-                  <a:lumOff val="25000"/>
-                </a:schemeClr>
-              </a:solidFill>
-              <a:latin typeface="Arial" panose="020B0604020202020204" pitchFamily="34" charset="0"/>
-              <a:ea typeface="Adobe Heiti Std R" pitchFamily="34" charset="-128"/>
-              <a:cs typeface="Arial" panose="020B0604020202020204" pitchFamily="34" charset="0"/>
-            </a:endParaRPr>
-          </a:p>
-          <a:p>
-            <a:pPr lvl="1"/>
+          <a:bodyPr>
+            <a:normAutofit/>
+          </a:bodyPr>
+          <a:lstStyle/>
+          <a:p>
+            <a:r>
+              <a:rPr lang="fr-CH" dirty="0" smtClean="0">
+                <a:solidFill>
+                  <a:schemeClr val="tx1">
+                    <a:lumMod val="75000"/>
+                    <a:lumOff val="25000"/>
+                  </a:schemeClr>
+                </a:solidFill>
+                <a:latin typeface="Arial" panose="020B0604020202020204" pitchFamily="34" charset="0"/>
+                <a:ea typeface="Adobe Heiti Std R" pitchFamily="34" charset="-128"/>
+                <a:cs typeface="Arial" panose="020B0604020202020204" pitchFamily="34" charset="0"/>
+              </a:rPr>
+              <a:t>HTML 5</a:t>
+            </a:r>
+          </a:p>
+          <a:p>
+            <a:r>
+              <a:rPr lang="fr-CH" dirty="0" smtClean="0">
+                <a:solidFill>
+                  <a:schemeClr val="tx1">
+                    <a:lumMod val="75000"/>
+                    <a:lumOff val="25000"/>
+                  </a:schemeClr>
+                </a:solidFill>
+                <a:latin typeface="Arial" panose="020B0604020202020204" pitchFamily="34" charset="0"/>
+                <a:ea typeface="Adobe Heiti Std R" pitchFamily="34" charset="-128"/>
+                <a:cs typeface="Arial" panose="020B0604020202020204" pitchFamily="34" charset="0"/>
+              </a:rPr>
+              <a:t>CSS </a:t>
+            </a:r>
+            <a:r>
+              <a:rPr lang="fr-CH" dirty="0">
+                <a:solidFill>
+                  <a:schemeClr val="tx1">
+                    <a:lumMod val="75000"/>
+                    <a:lumOff val="25000"/>
+                  </a:schemeClr>
+                </a:solidFill>
+                <a:latin typeface="Arial" panose="020B0604020202020204" pitchFamily="34" charset="0"/>
+                <a:ea typeface="Adobe Heiti Std R" pitchFamily="34" charset="-128"/>
+                <a:cs typeface="Arial" panose="020B0604020202020204" pitchFamily="34" charset="0"/>
+              </a:rPr>
+              <a:t>3 + </a:t>
+            </a:r>
+            <a:r>
+              <a:rPr lang="fr-CH" dirty="0" err="1" smtClean="0">
+                <a:solidFill>
+                  <a:schemeClr val="tx1">
+                    <a:lumMod val="75000"/>
+                    <a:lumOff val="25000"/>
+                  </a:schemeClr>
+                </a:solidFill>
+                <a:latin typeface="Arial" panose="020B0604020202020204" pitchFamily="34" charset="0"/>
+                <a:ea typeface="Adobe Heiti Std R" pitchFamily="34" charset="-128"/>
+                <a:cs typeface="Arial" panose="020B0604020202020204" pitchFamily="34" charset="0"/>
+              </a:rPr>
+              <a:t>Bootstrap</a:t>
+            </a:r>
             <a:endParaRPr lang="fr-CH" dirty="0">
               <a:solidFill>
                 <a:schemeClr val="tx1">
@@ -4246,12 +4259,175 @@
               <a:cs typeface="Arial" panose="020B0604020202020204" pitchFamily="34" charset="0"/>
             </a:endParaRPr>
           </a:p>
+          <a:p>
+            <a:r>
+              <a:rPr lang="fr-CH" dirty="0" smtClean="0">
+                <a:solidFill>
+                  <a:schemeClr val="tx1">
+                    <a:lumMod val="75000"/>
+                    <a:lumOff val="25000"/>
+                  </a:schemeClr>
+                </a:solidFill>
+                <a:latin typeface="Arial" panose="020B0604020202020204" pitchFamily="34" charset="0"/>
+                <a:ea typeface="Adobe Heiti Std R" pitchFamily="34" charset="-128"/>
+                <a:cs typeface="Arial" panose="020B0604020202020204" pitchFamily="34" charset="0"/>
+              </a:rPr>
+              <a:t>PHP</a:t>
+            </a:r>
+          </a:p>
+          <a:p>
+            <a:r>
+              <a:rPr lang="fr-CH" dirty="0" smtClean="0">
+                <a:solidFill>
+                  <a:schemeClr val="tx1">
+                    <a:lumMod val="75000"/>
+                    <a:lumOff val="25000"/>
+                  </a:schemeClr>
+                </a:solidFill>
+                <a:latin typeface="Arial" panose="020B0604020202020204" pitchFamily="34" charset="0"/>
+                <a:ea typeface="Adobe Heiti Std R" pitchFamily="34" charset="-128"/>
+                <a:cs typeface="Arial" panose="020B0604020202020204" pitchFamily="34" charset="0"/>
+              </a:rPr>
+              <a:t>JavaScript/JQuery</a:t>
+            </a:r>
+          </a:p>
+          <a:p>
+            <a:r>
+              <a:rPr lang="fr-CH" dirty="0" smtClean="0">
+                <a:solidFill>
+                  <a:schemeClr val="tx1">
+                    <a:lumMod val="75000"/>
+                    <a:lumOff val="25000"/>
+                  </a:schemeClr>
+                </a:solidFill>
+                <a:latin typeface="Arial" panose="020B0604020202020204" pitchFamily="34" charset="0"/>
+                <a:ea typeface="Adobe Heiti Std R" pitchFamily="34" charset="-128"/>
+                <a:cs typeface="Arial" panose="020B0604020202020204" pitchFamily="34" charset="0"/>
+              </a:rPr>
+              <a:t>API </a:t>
+            </a:r>
+            <a:r>
+              <a:rPr lang="fr-CH" dirty="0">
+                <a:solidFill>
+                  <a:schemeClr val="tx1">
+                    <a:lumMod val="75000"/>
+                    <a:lumOff val="25000"/>
+                  </a:schemeClr>
+                </a:solidFill>
+                <a:latin typeface="Arial" panose="020B0604020202020204" pitchFamily="34" charset="0"/>
+                <a:ea typeface="Adobe Heiti Std R" pitchFamily="34" charset="-128"/>
+                <a:cs typeface="Arial" panose="020B0604020202020204" pitchFamily="34" charset="0"/>
+              </a:rPr>
+              <a:t>Google </a:t>
+            </a:r>
+            <a:r>
+              <a:rPr lang="fr-CH" dirty="0" smtClean="0">
+                <a:solidFill>
+                  <a:schemeClr val="tx1">
+                    <a:lumMod val="75000"/>
+                    <a:lumOff val="25000"/>
+                  </a:schemeClr>
+                </a:solidFill>
+                <a:latin typeface="Arial" panose="020B0604020202020204" pitchFamily="34" charset="0"/>
+                <a:ea typeface="Adobe Heiti Std R" pitchFamily="34" charset="-128"/>
+                <a:cs typeface="Arial" panose="020B0604020202020204" pitchFamily="34" charset="0"/>
+              </a:rPr>
+              <a:t>Maps</a:t>
+            </a:r>
+          </a:p>
+          <a:p>
+            <a:r>
+              <a:rPr lang="fr-CH" dirty="0" smtClean="0">
+                <a:solidFill>
+                  <a:schemeClr val="tx1">
+                    <a:lumMod val="75000"/>
+                    <a:lumOff val="25000"/>
+                  </a:schemeClr>
+                </a:solidFill>
+                <a:latin typeface="Arial" panose="020B0604020202020204" pitchFamily="34" charset="0"/>
+                <a:ea typeface="Adobe Heiti Std R" pitchFamily="34" charset="-128"/>
+                <a:cs typeface="Arial" panose="020B0604020202020204" pitchFamily="34" charset="0"/>
+              </a:rPr>
+              <a:t>MySQL</a:t>
+            </a:r>
+          </a:p>
+          <a:p>
+            <a:pPr lvl="1"/>
+            <a:r>
+              <a:rPr lang="fr-CH" dirty="0" err="1" smtClean="0">
+                <a:solidFill>
+                  <a:schemeClr val="tx1">
+                    <a:lumMod val="75000"/>
+                    <a:lumOff val="25000"/>
+                  </a:schemeClr>
+                </a:solidFill>
+                <a:latin typeface="Arial" panose="020B0604020202020204" pitchFamily="34" charset="0"/>
+                <a:ea typeface="Adobe Heiti Std R" pitchFamily="34" charset="-128"/>
+                <a:cs typeface="Arial" panose="020B0604020202020204" pitchFamily="34" charset="0"/>
+              </a:rPr>
+              <a:t>PHPMyAdmin</a:t>
+            </a:r>
+            <a:endParaRPr lang="fr-CH" dirty="0"/>
+          </a:p>
+        </p:txBody>
+      </p:sp>
+      <p:sp>
+        <p:nvSpPr>
+          <p:cNvPr id="4" name="Espace réservé du numéro de diapositive 3"/>
+          <p:cNvSpPr>
+            <a:spLocks noGrp="1"/>
+          </p:cNvSpPr>
+          <p:nvPr>
+            <p:ph type="sldNum" sz="quarter" idx="12"/>
+          </p:nvPr>
+        </p:nvSpPr>
+        <p:spPr>
+          <a:xfrm>
+            <a:off x="0" y="6356350"/>
+            <a:ext cx="9105253" cy="365125"/>
+          </a:xfrm>
+        </p:spPr>
+        <p:txBody>
+          <a:bodyPr/>
+          <a:lstStyle/>
+          <a:p>
+            <a:pPr algn="ctr"/>
+            <a:fld id="{CF4668DC-857F-487D-BFFA-8C0CA5037977}" type="slidenum">
+              <a:rPr lang="fr-BE" smtClean="0"/>
+              <a:pPr algn="ctr"/>
+              <a:t>11</a:t>
+            </a:fld>
+            <a:endParaRPr lang="fr-BE" dirty="0"/>
+          </a:p>
+        </p:txBody>
+      </p:sp>
+      <p:sp>
+        <p:nvSpPr>
+          <p:cNvPr id="5" name="Espace réservé du pied de page 4"/>
+          <p:cNvSpPr>
+            <a:spLocks noGrp="1"/>
+          </p:cNvSpPr>
+          <p:nvPr>
+            <p:ph type="ftr" sz="quarter" idx="11"/>
+          </p:nvPr>
+        </p:nvSpPr>
+        <p:spPr/>
+        <p:txBody>
+          <a:bodyPr/>
+          <a:lstStyle/>
+          <a:p>
+            <a:r>
+              <a:rPr lang="fr-BE" smtClean="0"/>
+              <a:t>Cedric Dos Reis - TopRecettes</a:t>
+            </a:r>
+            <a:endParaRPr lang="fr-BE"/>
+          </a:p>
         </p:txBody>
       </p:sp>
     </p:spTree>
     <p:extLst>
       <p:ext uri="{BB962C8B-B14F-4D97-AF65-F5344CB8AC3E}">
-        <p14:creationId xmlns:p14="http://schemas.microsoft.com/office/powerpoint/2010/main" val="4115347940"/>
+        <p14:creationId xmlns:p14="http://schemas.microsoft.com/office/powerpoint/2010/main" val="4029993186"/>
       </p:ext>
     </p:extLst>
   </p:cSld>
@@ -4295,215 +4471,21 @@
             <p:ph type="title"/>
           </p:nvPr>
         </p:nvSpPr>
-        <p:spPr/>
-        <p:txBody>
-          <a:bodyPr/>
-          <a:lstStyle/>
-          <a:p>
-            <a:r>
-              <a:rPr lang="fr-CH" dirty="0" smtClean="0"/>
-              <a:t>Réalisation</a:t>
-            </a:r>
-            <a:endParaRPr lang="fr-CH" dirty="0"/>
-          </a:p>
-        </p:txBody>
-      </p:sp>
-      <p:sp>
-        <p:nvSpPr>
-          <p:cNvPr id="3" name="Espace réservé du contenu 2"/>
-          <p:cNvSpPr>
-            <a:spLocks noGrp="1"/>
-          </p:cNvSpPr>
-          <p:nvPr>
-            <p:ph idx="1"/>
-          </p:nvPr>
-        </p:nvSpPr>
-        <p:spPr/>
-        <p:txBody>
-          <a:bodyPr>
-            <a:normAutofit/>
-          </a:bodyPr>
-          <a:lstStyle/>
-          <a:p>
-            <a:r>
-              <a:rPr lang="fr-CH" dirty="0" smtClean="0">
-                <a:solidFill>
-                  <a:schemeClr val="tx1">
-                    <a:lumMod val="75000"/>
-                    <a:lumOff val="25000"/>
-                  </a:schemeClr>
-                </a:solidFill>
-                <a:latin typeface="Arial" panose="020B0604020202020204" pitchFamily="34" charset="0"/>
-                <a:ea typeface="Adobe Heiti Std R" pitchFamily="34" charset="-128"/>
-                <a:cs typeface="Arial" panose="020B0604020202020204" pitchFamily="34" charset="0"/>
-              </a:rPr>
-              <a:t>HTML 5</a:t>
-            </a:r>
-          </a:p>
-          <a:p>
-            <a:r>
-              <a:rPr lang="fr-CH" dirty="0" smtClean="0">
-                <a:solidFill>
-                  <a:schemeClr val="tx1">
-                    <a:lumMod val="75000"/>
-                    <a:lumOff val="25000"/>
-                  </a:schemeClr>
-                </a:solidFill>
-                <a:latin typeface="Arial" panose="020B0604020202020204" pitchFamily="34" charset="0"/>
-                <a:ea typeface="Adobe Heiti Std R" pitchFamily="34" charset="-128"/>
-                <a:cs typeface="Arial" panose="020B0604020202020204" pitchFamily="34" charset="0"/>
-              </a:rPr>
-              <a:t>CSS </a:t>
-            </a:r>
-            <a:r>
-              <a:rPr lang="fr-CH" dirty="0">
-                <a:solidFill>
-                  <a:schemeClr val="tx1">
-                    <a:lumMod val="75000"/>
-                    <a:lumOff val="25000"/>
-                  </a:schemeClr>
-                </a:solidFill>
-                <a:latin typeface="Arial" panose="020B0604020202020204" pitchFamily="34" charset="0"/>
-                <a:ea typeface="Adobe Heiti Std R" pitchFamily="34" charset="-128"/>
-                <a:cs typeface="Arial" panose="020B0604020202020204" pitchFamily="34" charset="0"/>
-              </a:rPr>
-              <a:t>3 + </a:t>
-            </a:r>
-            <a:r>
-              <a:rPr lang="fr-CH" dirty="0" err="1" smtClean="0">
-                <a:solidFill>
-                  <a:schemeClr val="tx1">
-                    <a:lumMod val="75000"/>
-                    <a:lumOff val="25000"/>
-                  </a:schemeClr>
-                </a:solidFill>
-                <a:latin typeface="Arial" panose="020B0604020202020204" pitchFamily="34" charset="0"/>
-                <a:ea typeface="Adobe Heiti Std R" pitchFamily="34" charset="-128"/>
-                <a:cs typeface="Arial" panose="020B0604020202020204" pitchFamily="34" charset="0"/>
-              </a:rPr>
-              <a:t>Bootstrap</a:t>
-            </a:r>
-            <a:endParaRPr lang="fr-CH" dirty="0">
-              <a:solidFill>
-                <a:schemeClr val="tx1">
-                  <a:lumMod val="75000"/>
-                  <a:lumOff val="25000"/>
-                </a:schemeClr>
-              </a:solidFill>
-              <a:latin typeface="Arial" panose="020B0604020202020204" pitchFamily="34" charset="0"/>
-              <a:ea typeface="Adobe Heiti Std R" pitchFamily="34" charset="-128"/>
-              <a:cs typeface="Arial" panose="020B0604020202020204" pitchFamily="34" charset="0"/>
-            </a:endParaRPr>
-          </a:p>
-          <a:p>
-            <a:r>
-              <a:rPr lang="fr-CH" dirty="0" smtClean="0">
-                <a:solidFill>
-                  <a:schemeClr val="tx1">
-                    <a:lumMod val="75000"/>
-                    <a:lumOff val="25000"/>
-                  </a:schemeClr>
-                </a:solidFill>
-                <a:latin typeface="Arial" panose="020B0604020202020204" pitchFamily="34" charset="0"/>
-                <a:ea typeface="Adobe Heiti Std R" pitchFamily="34" charset="-128"/>
-                <a:cs typeface="Arial" panose="020B0604020202020204" pitchFamily="34" charset="0"/>
-              </a:rPr>
-              <a:t>PHP</a:t>
-            </a:r>
-          </a:p>
-          <a:p>
-            <a:r>
-              <a:rPr lang="fr-CH" dirty="0" smtClean="0">
-                <a:solidFill>
-                  <a:schemeClr val="tx1">
-                    <a:lumMod val="75000"/>
-                    <a:lumOff val="25000"/>
-                  </a:schemeClr>
-                </a:solidFill>
-                <a:latin typeface="Arial" panose="020B0604020202020204" pitchFamily="34" charset="0"/>
-                <a:ea typeface="Adobe Heiti Std R" pitchFamily="34" charset="-128"/>
-                <a:cs typeface="Arial" panose="020B0604020202020204" pitchFamily="34" charset="0"/>
-              </a:rPr>
-              <a:t>JavaScript/JQuery</a:t>
-            </a:r>
-          </a:p>
-          <a:p>
-            <a:r>
-              <a:rPr lang="fr-CH" dirty="0" smtClean="0">
-                <a:solidFill>
-                  <a:schemeClr val="tx1">
-                    <a:lumMod val="75000"/>
-                    <a:lumOff val="25000"/>
-                  </a:schemeClr>
-                </a:solidFill>
-                <a:latin typeface="Arial" panose="020B0604020202020204" pitchFamily="34" charset="0"/>
-                <a:ea typeface="Adobe Heiti Std R" pitchFamily="34" charset="-128"/>
-                <a:cs typeface="Arial" panose="020B0604020202020204" pitchFamily="34" charset="0"/>
-              </a:rPr>
-              <a:t>API </a:t>
-            </a:r>
-            <a:r>
-              <a:rPr lang="fr-CH" dirty="0">
-                <a:solidFill>
-                  <a:schemeClr val="tx1">
-                    <a:lumMod val="75000"/>
-                    <a:lumOff val="25000"/>
-                  </a:schemeClr>
-                </a:solidFill>
-                <a:latin typeface="Arial" panose="020B0604020202020204" pitchFamily="34" charset="0"/>
-                <a:ea typeface="Adobe Heiti Std R" pitchFamily="34" charset="-128"/>
-                <a:cs typeface="Arial" panose="020B0604020202020204" pitchFamily="34" charset="0"/>
-              </a:rPr>
-              <a:t>Google </a:t>
-            </a:r>
-            <a:r>
-              <a:rPr lang="fr-CH" dirty="0" smtClean="0">
-                <a:solidFill>
-                  <a:schemeClr val="tx1">
-                    <a:lumMod val="75000"/>
-                    <a:lumOff val="25000"/>
-                  </a:schemeClr>
-                </a:solidFill>
-                <a:latin typeface="Arial" panose="020B0604020202020204" pitchFamily="34" charset="0"/>
-                <a:ea typeface="Adobe Heiti Std R" pitchFamily="34" charset="-128"/>
-                <a:cs typeface="Arial" panose="020B0604020202020204" pitchFamily="34" charset="0"/>
-              </a:rPr>
-              <a:t>Maps</a:t>
-            </a:r>
-          </a:p>
-          <a:p>
-            <a:r>
-              <a:rPr lang="fr-CH" dirty="0" smtClean="0">
-                <a:solidFill>
-                  <a:schemeClr val="tx1">
-                    <a:lumMod val="75000"/>
-                    <a:lumOff val="25000"/>
-                  </a:schemeClr>
-                </a:solidFill>
-                <a:latin typeface="Arial" panose="020B0604020202020204" pitchFamily="34" charset="0"/>
-                <a:ea typeface="Adobe Heiti Std R" pitchFamily="34" charset="-128"/>
-                <a:cs typeface="Arial" panose="020B0604020202020204" pitchFamily="34" charset="0"/>
-              </a:rPr>
-              <a:t>MySQL</a:t>
-            </a:r>
-          </a:p>
-          <a:p>
-            <a:pPr lvl="1"/>
-            <a:r>
-              <a:rPr lang="fr-CH" dirty="0" err="1" smtClean="0">
-                <a:solidFill>
-                  <a:schemeClr val="tx1">
-                    <a:lumMod val="75000"/>
-                    <a:lumOff val="25000"/>
-                  </a:schemeClr>
-                </a:solidFill>
-                <a:latin typeface="Arial" panose="020B0604020202020204" pitchFamily="34" charset="0"/>
-                <a:ea typeface="Adobe Heiti Std R" pitchFamily="34" charset="-128"/>
-                <a:cs typeface="Arial" panose="020B0604020202020204" pitchFamily="34" charset="0"/>
-              </a:rPr>
-              <a:t>PHPMyAdmin</a:t>
-            </a:r>
-            <a:endParaRPr lang="fr-CH" dirty="0"/>
+        <p:spPr>
+          <a:xfrm>
+            <a:off x="457200" y="0"/>
+            <a:ext cx="8229600" cy="1600200"/>
+          </a:xfrm>
+        </p:spPr>
+        <p:txBody>
+          <a:bodyPr/>
+          <a:lstStyle/>
+          <a:p>
+            <a:r>
+              <a:rPr lang="fr-CH" sz="4400" dirty="0" smtClean="0"/>
+              <a:t>Modèle relationnel de données</a:t>
+            </a:r>
+            <a:endParaRPr lang="fr-CH" sz="4400" dirty="0"/>
           </a:p>
         </p:txBody>
       </p:sp>
@@ -4537,10 +4519,55 @@
           </a:p>
         </p:txBody>
       </p:sp>
+      <p:pic>
+        <p:nvPicPr>
+          <p:cNvPr id="6" name="Image 5"/>
+          <p:cNvPicPr/>
+          <p:nvPr/>
+        </p:nvPicPr>
+        <p:blipFill>
+          <a:blip r:embed="rId2"/>
+          <a:stretch>
+            <a:fillRect/>
+          </a:stretch>
+        </p:blipFill>
+        <p:spPr>
+          <a:xfrm>
+            <a:off x="2167643" y="1772816"/>
+            <a:ext cx="4716780" cy="4362450"/>
+          </a:xfrm>
+          <a:prstGeom prst="rect">
+            <a:avLst/>
+          </a:prstGeom>
+        </p:spPr>
+      </p:pic>
+      <p:sp>
+        <p:nvSpPr>
+          <p:cNvPr id="3" name="Espace réservé du pied de page 2"/>
+          <p:cNvSpPr>
+            <a:spLocks noGrp="1"/>
+          </p:cNvSpPr>
+          <p:nvPr>
+            <p:ph type="ftr" sz="quarter" idx="11"/>
+          </p:nvPr>
+        </p:nvSpPr>
+        <p:spPr/>
+        <p:txBody>
+          <a:bodyPr/>
+          <a:lstStyle/>
+          <a:p>
+            <a:r>
+              <a:rPr lang="fr-BE" smtClean="0"/>
+              <a:t>Cedric Dos Reis - TopRecettes</a:t>
+            </a:r>
+            <a:endParaRPr lang="fr-BE"/>
+          </a:p>
+        </p:txBody>
+      </p:sp>
     </p:spTree>
     <p:extLst>
       <p:ext uri="{BB962C8B-B14F-4D97-AF65-F5344CB8AC3E}">
-        <p14:creationId xmlns:p14="http://schemas.microsoft.com/office/powerpoint/2010/main" val="4029993186"/>
+        <p14:creationId xmlns:p14="http://schemas.microsoft.com/office/powerpoint/2010/main" val="3328342497"/>
       </p:ext>
     </p:extLst>
   </p:cSld>
@@ -4584,21 +4611,16 @@
             <p:ph type="title"/>
           </p:nvPr>
         </p:nvSpPr>
-        <p:spPr>
-          <a:xfrm>
-            <a:off x="457200" y="0"/>
-            <a:ext cx="8229600" cy="1600200"/>
-          </a:xfrm>
-        </p:spPr>
-        <p:txBody>
-          <a:bodyPr/>
-          <a:lstStyle/>
-          <a:p>
-            <a:r>
-              <a:rPr lang="fr-CH" sz="4400" dirty="0" smtClean="0"/>
-              <a:t>Modèle relationnel de données</a:t>
-            </a:r>
-            <a:endParaRPr lang="fr-CH" sz="4400" dirty="0"/>
+        <p:spPr/>
+        <p:txBody>
+          <a:bodyPr/>
+          <a:lstStyle/>
+          <a:p>
+            <a:r>
+              <a:rPr lang="fr-CH" dirty="0" smtClean="0"/>
+              <a:t>Démonstration</a:t>
+            </a:r>
+            <a:endParaRPr lang="fr-CH" dirty="0"/>
           </a:p>
         </p:txBody>
       </p:sp>
@@ -4634,30 +4656,79 @@
       </p:sp>
       <p:pic>
         <p:nvPicPr>
-          <p:cNvPr id="6" name="Image 5"/>
-          <p:cNvPicPr/>
+          <p:cNvPr id="4098" name="Picture 2" descr="C:\Users\PLOJOUXR_INFO\Downloads\iconmonstr-computer-4-icon-256.png"/>
+          <p:cNvPicPr>
+            <a:picLocks noChangeAspect="1" noChangeArrowheads="1"/>
+          </p:cNvPicPr>
           <p:nvPr/>
         </p:nvPicPr>
         <p:blipFill>
-          <a:blip r:embed="rId2"/>
+          <a:blip r:embed="rId2">
+            <a:duotone>
+              <a:schemeClr val="accent2">
+                <a:shade val="45000"/>
+                <a:satMod val="135000"/>
+              </a:schemeClr>
+              <a:prstClr val="white"/>
+            </a:duotone>
+            <a:extLst>
+              <a:ext uri="{28A0092B-C50C-407E-A947-70E740481C1C}">
+                <a14:useLocalDpi xmlns:a14="http://schemas.microsoft.com/office/drawing/2010/main" val="0"/>
+              </a:ext>
+            </a:extLst>
+          </a:blip>
+          <a:srcRect/>
           <a:stretch>
             <a:fillRect/>
           </a:stretch>
         </p:blipFill>
-        <p:spPr>
+        <p:spPr bwMode="auto">
           <a:xfrm>
-            <a:off x="2167643" y="1772816"/>
-            <a:ext cx="4716780" cy="4362450"/>
+            <a:off x="3352800" y="2492896"/>
+            <a:ext cx="2438400" cy="2438400"/>
           </a:xfrm>
           <a:prstGeom prst="rect">
             <a:avLst/>
           </a:prstGeom>
+          <a:noFill/>
+          <a:extLst>
+            <a:ext uri="{909E8E84-426E-40DD-AFC4-6F175D3DCCD1}">
+              <a14:hiddenFill xmlns:a14="http://schemas.microsoft.com/office/drawing/2010/main">
+                <a:solidFill>
+                  <a:srgbClr val="FFFFFF"/>
+                </a:solidFill>
+              </a14:hiddenFill>
+            </a:ext>
+          </a:extLst>
         </p:spPr>
       </p:pic>
+      <p:sp>
+        <p:nvSpPr>
+          <p:cNvPr id="3" name="Espace réservé du pied de page 2"/>
+          <p:cNvSpPr>
+            <a:spLocks noGrp="1"/>
+          </p:cNvSpPr>
+          <p:nvPr>
+            <p:ph type="ftr" sz="quarter" idx="11"/>
+          </p:nvPr>
+        </p:nvSpPr>
+        <p:spPr/>
+        <p:txBody>
+          <a:bodyPr/>
+          <a:lstStyle/>
+          <a:p>
+            <a:r>
+              <a:rPr lang="fr-BE" smtClean="0"/>
+              <a:t>Cedric Dos Reis - TopRecettes</a:t>
+            </a:r>
+            <a:endParaRPr lang="fr-BE"/>
+          </a:p>
+        </p:txBody>
+      </p:sp>
     </p:spTree>
     <p:extLst>
       <p:ext uri="{BB962C8B-B14F-4D97-AF65-F5344CB8AC3E}">
-        <p14:creationId xmlns:p14="http://schemas.microsoft.com/office/powerpoint/2010/main" val="3328342497"/>
+        <p14:creationId xmlns:p14="http://schemas.microsoft.com/office/powerpoint/2010/main" val="3930606329"/>
       </p:ext>
     </p:extLst>
   </p:cSld>
@@ -4708,8 +4779,139 @@
           <a:p>
             <a:r>
               <a:rPr lang="fr-CH" dirty="0" smtClean="0"/>
-              <a:t>Démonstration</a:t>
-            </a:r>
+              <a:t>Conclusion</a:t>
+            </a:r>
+            <a:endParaRPr lang="fr-CH" dirty="0"/>
+          </a:p>
+        </p:txBody>
+      </p:sp>
+      <p:sp>
+        <p:nvSpPr>
+          <p:cNvPr id="3" name="Espace réservé du contenu 2"/>
+          <p:cNvSpPr>
+            <a:spLocks noGrp="1"/>
+          </p:cNvSpPr>
+          <p:nvPr>
+            <p:ph idx="1"/>
+          </p:nvPr>
+        </p:nvSpPr>
+        <p:spPr/>
+        <p:txBody>
+          <a:bodyPr/>
+          <a:lstStyle/>
+          <a:p>
+            <a:r>
+              <a:rPr lang="fr-CH" dirty="0" smtClean="0">
+                <a:solidFill>
+                  <a:schemeClr val="tx1">
+                    <a:lumMod val="75000"/>
+                    <a:lumOff val="25000"/>
+                  </a:schemeClr>
+                </a:solidFill>
+                <a:latin typeface="Arial" panose="020B0604020202020204" pitchFamily="34" charset="0"/>
+                <a:ea typeface="Adobe Heiti Std R" pitchFamily="34" charset="-128"/>
+                <a:cs typeface="Arial" panose="020B0604020202020204" pitchFamily="34" charset="0"/>
+              </a:rPr>
+              <a:t>L’élaboration de mon TPI m’a permis de :</a:t>
+            </a:r>
+          </a:p>
+          <a:p>
+            <a:pPr lvl="1"/>
+            <a:endParaRPr lang="fr-CH" dirty="0" smtClean="0">
+              <a:solidFill>
+                <a:schemeClr val="tx1">
+                  <a:lumMod val="75000"/>
+                  <a:lumOff val="25000"/>
+                </a:schemeClr>
+              </a:solidFill>
+              <a:latin typeface="Arial" panose="020B0604020202020204" pitchFamily="34" charset="0"/>
+              <a:ea typeface="Adobe Heiti Std R" pitchFamily="34" charset="-128"/>
+              <a:cs typeface="Arial" panose="020B0604020202020204" pitchFamily="34" charset="0"/>
+            </a:endParaRPr>
+          </a:p>
+          <a:p>
+            <a:pPr lvl="1"/>
+            <a:r>
+              <a:rPr lang="fr-CH" dirty="0" smtClean="0">
+                <a:solidFill>
+                  <a:schemeClr val="tx1">
+                    <a:lumMod val="75000"/>
+                    <a:lumOff val="25000"/>
+                  </a:schemeClr>
+                </a:solidFill>
+                <a:latin typeface="Arial" panose="020B0604020202020204" pitchFamily="34" charset="0"/>
+                <a:ea typeface="Adobe Heiti Std R" pitchFamily="34" charset="-128"/>
+                <a:cs typeface="Arial" panose="020B0604020202020204" pitchFamily="34" charset="0"/>
+              </a:rPr>
+              <a:t>Mettre en pratique un grande partie des connaissances acquises pendant ma formation en informatique.</a:t>
+            </a:r>
+          </a:p>
+          <a:p>
+            <a:pPr lvl="1"/>
+            <a:endParaRPr lang="fr-CH" dirty="0" smtClean="0">
+              <a:solidFill>
+                <a:schemeClr val="tx1">
+                  <a:lumMod val="75000"/>
+                  <a:lumOff val="25000"/>
+                </a:schemeClr>
+              </a:solidFill>
+              <a:latin typeface="Arial" panose="020B0604020202020204" pitchFamily="34" charset="0"/>
+              <a:ea typeface="Adobe Heiti Std R" pitchFamily="34" charset="-128"/>
+              <a:cs typeface="Arial" panose="020B0604020202020204" pitchFamily="34" charset="0"/>
+            </a:endParaRPr>
+          </a:p>
+          <a:p>
+            <a:pPr lvl="1"/>
+            <a:r>
+              <a:rPr lang="fr-CH" dirty="0" smtClean="0">
+                <a:solidFill>
+                  <a:schemeClr val="tx1">
+                    <a:lumMod val="75000"/>
+                    <a:lumOff val="25000"/>
+                  </a:schemeClr>
+                </a:solidFill>
+                <a:latin typeface="Arial" panose="020B0604020202020204" pitchFamily="34" charset="0"/>
+                <a:ea typeface="Adobe Heiti Std R" pitchFamily="34" charset="-128"/>
+                <a:cs typeface="Arial" panose="020B0604020202020204" pitchFamily="34" charset="0"/>
+              </a:rPr>
+              <a:t>Travailler de manière autonome et de gérer mon temps correctement.</a:t>
+            </a:r>
+          </a:p>
+          <a:p>
+            <a:pPr lvl="1"/>
+            <a:endParaRPr lang="fr-CH" dirty="0" smtClean="0">
+              <a:solidFill>
+                <a:schemeClr val="tx1">
+                  <a:lumMod val="75000"/>
+                  <a:lumOff val="25000"/>
+                </a:schemeClr>
+              </a:solidFill>
+              <a:latin typeface="Arial" panose="020B0604020202020204" pitchFamily="34" charset="0"/>
+              <a:ea typeface="Adobe Heiti Std R" pitchFamily="34" charset="-128"/>
+              <a:cs typeface="Arial" panose="020B0604020202020204" pitchFamily="34" charset="0"/>
+            </a:endParaRPr>
+          </a:p>
+          <a:p>
+            <a:pPr lvl="1"/>
+            <a:r>
+              <a:rPr lang="fr-CH" dirty="0" smtClean="0">
+                <a:solidFill>
+                  <a:schemeClr val="tx1">
+                    <a:lumMod val="75000"/>
+                    <a:lumOff val="25000"/>
+                  </a:schemeClr>
+                </a:solidFill>
+                <a:latin typeface="Arial" panose="020B0604020202020204" pitchFamily="34" charset="0"/>
+                <a:ea typeface="Adobe Heiti Std R" pitchFamily="34" charset="-128"/>
+                <a:cs typeface="Arial" panose="020B0604020202020204" pitchFamily="34" charset="0"/>
+              </a:rPr>
+              <a:t>Gérer mon projet de manière professionnel avec un journal de bord correctement tenu à jours et une planification détaillé du projet.</a:t>
+            </a:r>
+          </a:p>
+          <a:p>
+            <a:pPr marL="0" indent="0">
+              <a:buNone/>
+            </a:pPr>
             <a:endParaRPr lang="fr-CH" dirty="0"/>
           </a:p>
         </p:txBody>
@@ -4740,55 +4942,37 @@
               <a:pPr algn="ctr"/>
               <a:t>14</a:t>
             </a:fld>
-            <a:endParaRPr lang="fr-BE" dirty="0"/>
-          </a:p>
-        </p:txBody>
-      </p:sp>
-      <p:pic>
-        <p:nvPicPr>
-          <p:cNvPr id="4098" name="Picture 2" descr="C:\Users\PLOJOUXR_INFO\Downloads\iconmonstr-computer-4-icon-256.png"/>
-          <p:cNvPicPr>
-            <a:picLocks noChangeAspect="1" noChangeArrowheads="1"/>
-          </p:cNvPicPr>
-          <p:nvPr/>
-        </p:nvPicPr>
-        <p:blipFill>
-          <a:blip r:embed="rId2">
-            <a:extLst>
-              <a:ext uri="{28A0092B-C50C-407E-A947-70E740481C1C}">
-                <a14:useLocalDpi xmlns:a14="http://schemas.microsoft.com/office/drawing/2010/main" val="0"/>
-              </a:ext>
-            </a:extLst>
-          </a:blip>
-          <a:srcRect/>
-          <a:stretch>
-            <a:fillRect/>
-          </a:stretch>
-        </p:blipFill>
-        <p:spPr bwMode="auto">
-          <a:xfrm>
-            <a:off x="3352800" y="2492896"/>
-            <a:ext cx="2438400" cy="2438400"/>
-          </a:xfrm>
-          <a:prstGeom prst="rect">
-            <a:avLst/>
-          </a:prstGeom>
-          <a:noFill/>
-          <a:extLst>
-            <a:ext uri="{909E8E84-426E-40DD-AFC4-6F175D3DCCD1}">
-              <a14:hiddenFill xmlns:a14="http://schemas.microsoft.com/office/drawing/2010/main">
-                <a:solidFill>
-                  <a:srgbClr val="FFFFFF"/>
-                </a:solidFill>
-              </a14:hiddenFill>
-            </a:ext>
-          </a:extLst>
-        </p:spPr>
-      </p:pic>
+            <a:endParaRPr lang="fr-BE"/>
+          </a:p>
+        </p:txBody>
+      </p:sp>
+      <p:sp>
+        <p:nvSpPr>
+          <p:cNvPr id="5" name="Espace réservé du pied de page 4"/>
+          <p:cNvSpPr>
+            <a:spLocks noGrp="1"/>
+          </p:cNvSpPr>
+          <p:nvPr>
+            <p:ph type="ftr" sz="quarter" idx="11"/>
+          </p:nvPr>
+        </p:nvSpPr>
+        <p:spPr/>
+        <p:txBody>
+          <a:bodyPr/>
+          <a:lstStyle/>
+          <a:p>
+            <a:r>
+              <a:rPr lang="fr-BE" smtClean="0"/>
+              <a:t>Cedric Dos Reis - TopRecettes</a:t>
+            </a:r>
+            <a:endParaRPr lang="fr-BE"/>
+          </a:p>
+        </p:txBody>
+      </p:sp>
     </p:spTree>
     <p:extLst>
       <p:ext uri="{BB962C8B-B14F-4D97-AF65-F5344CB8AC3E}">
-        <p14:creationId xmlns:p14="http://schemas.microsoft.com/office/powerpoint/2010/main" val="3930606329"/>
+        <p14:creationId xmlns:p14="http://schemas.microsoft.com/office/powerpoint/2010/main" val="3822726688"/>
       </p:ext>
     </p:extLst>
   </p:cSld>
@@ -4838,10 +5022,10 @@
           <a:lstStyle/>
           <a:p>
             <a:r>
-              <a:rPr lang="fr-CH" dirty="0" smtClean="0"/>
-              <a:t>Conclusion</a:t>
-            </a:r>
-            <a:endParaRPr lang="fr-CH" dirty="0"/>
+              <a:rPr lang="fr-CH" sz="4800" dirty="0" smtClean="0"/>
+              <a:t>Amélioration envisageables</a:t>
+            </a:r>
+            <a:endParaRPr lang="fr-CH" sz="4800" dirty="0"/>
           </a:p>
         </p:txBody>
       </p:sp>
@@ -4855,28 +5039,21 @@
             <p:ph idx="1"/>
           </p:nvPr>
         </p:nvSpPr>
-        <p:spPr/>
-        <p:txBody>
-          <a:bodyPr/>
-          <a:lstStyle/>
-          <a:p>
-            <a:r>
-              <a:rPr lang="fr-CH" dirty="0" smtClean="0">
-                <a:solidFill>
-                  <a:schemeClr val="tx1">
-                    <a:lumMod val="75000"/>
-                    <a:lumOff val="25000"/>
-                  </a:schemeClr>
-                </a:solidFill>
-                <a:latin typeface="Arial" panose="020B0604020202020204" pitchFamily="34" charset="0"/>
-                <a:ea typeface="Adobe Heiti Std R" pitchFamily="34" charset="-128"/>
-                <a:cs typeface="Arial" panose="020B0604020202020204" pitchFamily="34" charset="0"/>
-              </a:rPr>
-              <a:t>L’élaboration de mon TPI m’a permis de :</a:t>
-            </a:r>
-          </a:p>
-          <a:p>
-            <a:pPr lvl="1"/>
+        <p:spPr>
+          <a:xfrm>
+            <a:off x="539552" y="1628800"/>
+            <a:ext cx="7355160" cy="4493096"/>
+          </a:xfrm>
+        </p:spPr>
+        <p:txBody>
+          <a:bodyPr/>
+          <a:lstStyle/>
+          <a:p>
+            <a:pPr>
+              <a:spcAft>
+                <a:spcPts val="600"/>
+              </a:spcAft>
+            </a:pPr>
             <a:endParaRPr lang="fr-CH" dirty="0" smtClean="0">
               <a:solidFill>
                 <a:schemeClr val="tx1">
@@ -4890,7 +5067,11 @@
             </a:endParaRPr>
           </a:p>
           <a:p>
-            <a:pPr lvl="1"/>
+            <a:pPr>
+              <a:spcAft>
+                <a:spcPts val="600"/>
+              </a:spcAft>
+            </a:pPr>
             <a:r>
               <a:rPr lang="fr-CH" dirty="0" smtClean="0">
                 <a:solidFill>
@@ -4903,11 +5084,114 @@
                 <a:ea typeface="Adobe Heiti Std R" pitchFamily="34" charset="-128"/>
                 <a:cs typeface="Arial" panose="020B0604020202020204" pitchFamily="34" charset="0"/>
               </a:rPr>
-              <a:t>Mettre en pratique un grande partie des connaissances acquises pendant ma formation en informatique.</a:t>
-            </a:r>
-          </a:p>
-          <a:p>
-            <a:pPr lvl="1"/>
+              <a:t>Ajouter </a:t>
+            </a:r>
+            <a:r>
+              <a:rPr lang="fr-CH" dirty="0">
+                <a:solidFill>
+                  <a:schemeClr val="tx1">
+                    <a:lumMod val="75000"/>
+                    <a:lumOff val="25000"/>
+                  </a:schemeClr>
+                </a:solidFill>
+                <a:latin typeface="Arial" panose="020B0604020202020204" pitchFamily="34" charset="0"/>
+                <a:ea typeface="Adobe Heiti Std R" pitchFamily="34" charset="-128"/>
+                <a:cs typeface="Arial" panose="020B0604020202020204" pitchFamily="34" charset="0"/>
+              </a:rPr>
+              <a:t>un itinéraire pour affiche </a:t>
+            </a:r>
+            <a:r>
+              <a:rPr lang="fr-CH" dirty="0" smtClean="0">
+                <a:solidFill>
+                  <a:schemeClr val="tx1">
+                    <a:lumMod val="75000"/>
+                    <a:lumOff val="25000"/>
+                  </a:schemeClr>
+                </a:solidFill>
+                <a:latin typeface="Arial" panose="020B0604020202020204" pitchFamily="34" charset="0"/>
+                <a:ea typeface="Adobe Heiti Std R" pitchFamily="34" charset="-128"/>
+                <a:cs typeface="Arial" panose="020B0604020202020204" pitchFamily="34" charset="0"/>
+              </a:rPr>
+              <a:t>une décente</a:t>
+            </a:r>
+          </a:p>
+          <a:p>
+            <a:pPr>
+              <a:spcAft>
+                <a:spcPts val="600"/>
+              </a:spcAft>
+            </a:pPr>
+            <a:r>
+              <a:rPr lang="fr-CH" dirty="0" smtClean="0">
+                <a:solidFill>
+                  <a:schemeClr val="tx1">
+                    <a:lumMod val="75000"/>
+                    <a:lumOff val="25000"/>
+                  </a:schemeClr>
+                </a:solidFill>
+                <a:latin typeface="Arial" panose="020B0604020202020204" pitchFamily="34" charset="0"/>
+                <a:ea typeface="Adobe Heiti Std R" pitchFamily="34" charset="-128"/>
+                <a:cs typeface="Arial" panose="020B0604020202020204" pitchFamily="34" charset="0"/>
+              </a:rPr>
+              <a:t>Afficher sur la page détaillée d’un spot la liste des sessions </a:t>
+            </a:r>
+            <a:r>
+              <a:rPr lang="fr-CH" dirty="0">
+                <a:solidFill>
+                  <a:schemeClr val="tx1">
+                    <a:lumMod val="75000"/>
+                    <a:lumOff val="25000"/>
+                  </a:schemeClr>
+                </a:solidFill>
+                <a:latin typeface="Arial" panose="020B0604020202020204" pitchFamily="34" charset="0"/>
+                <a:ea typeface="Adobe Heiti Std R" pitchFamily="34" charset="-128"/>
+                <a:cs typeface="Arial" panose="020B0604020202020204" pitchFamily="34" charset="0"/>
+              </a:rPr>
+              <a:t>où </a:t>
+            </a:r>
+            <a:r>
+              <a:rPr lang="fr-CH" dirty="0" smtClean="0">
+                <a:solidFill>
+                  <a:schemeClr val="tx1">
+                    <a:lumMod val="75000"/>
+                    <a:lumOff val="25000"/>
+                  </a:schemeClr>
+                </a:solidFill>
+                <a:latin typeface="Arial" panose="020B0604020202020204" pitchFamily="34" charset="0"/>
+                <a:ea typeface="Adobe Heiti Std R" pitchFamily="34" charset="-128"/>
+                <a:cs typeface="Arial" panose="020B0604020202020204" pitchFamily="34" charset="0"/>
+              </a:rPr>
+              <a:t>celui-ci est associé</a:t>
+            </a:r>
+          </a:p>
+          <a:p>
+            <a:pPr>
+              <a:spcAft>
+                <a:spcPts val="600"/>
+              </a:spcAft>
+            </a:pPr>
+            <a:r>
+              <a:rPr lang="fr-CH" dirty="0" smtClean="0">
+                <a:solidFill>
+                  <a:schemeClr val="tx1">
+                    <a:lumMod val="75000"/>
+                    <a:lumOff val="25000"/>
+                  </a:schemeClr>
+                </a:solidFill>
+                <a:latin typeface="Arial" panose="020B0604020202020204" pitchFamily="34" charset="0"/>
+                <a:ea typeface="Adobe Heiti Std R" pitchFamily="34" charset="-128"/>
+                <a:cs typeface="Arial" panose="020B0604020202020204" pitchFamily="34" charset="0"/>
+              </a:rPr>
+              <a:t>Suppression des sessions expiré via un script SQL</a:t>
+            </a:r>
+          </a:p>
+          <a:p>
+            <a:pPr marL="0" indent="0">
+              <a:spcAft>
+                <a:spcPts val="600"/>
+              </a:spcAft>
+              <a:buNone/>
+            </a:pPr>
             <a:endParaRPr lang="fr-CH" dirty="0" smtClean="0">
               <a:solidFill>
                 <a:schemeClr val="tx1">
@@ -4920,60 +5204,6 @@
               <a:cs typeface="Arial" panose="020B0604020202020204" pitchFamily="34" charset="0"/>
             </a:endParaRPr>
           </a:p>
-          <a:p>
-            <a:pPr lvl="1"/>
-            <a:r>
-              <a:rPr lang="fr-CH" dirty="0" smtClean="0">
-                <a:solidFill>
-                  <a:schemeClr val="tx1">
-                    <a:lumMod val="75000"/>
-                    <a:lumOff val="25000"/>
-                  </a:schemeClr>
-                </a:solidFill>
-                <a:latin typeface="Arial" panose="020B0604020202020204" pitchFamily="34" charset="0"/>
-                <a:ea typeface="Adobe Heiti Std R" pitchFamily="34" charset="-128"/>
-                <a:cs typeface="Arial" panose="020B0604020202020204" pitchFamily="34" charset="0"/>
-              </a:rPr>
-              <a:t>Travailler de manière autonome et de gérer mon temps correctement.</a:t>
-            </a:r>
-          </a:p>
-          <a:p>
-            <a:pPr lvl="1"/>
-            <a:endParaRPr lang="fr-CH" dirty="0" smtClean="0">
-              <a:solidFill>
-                <a:schemeClr val="tx1">
-                  <a:lumMod val="75000"/>
-                  <a:lumOff val="25000"/>
-                </a:schemeClr>
-              </a:solidFill>
-              <a:latin typeface="Arial" panose="020B0604020202020204" pitchFamily="34" charset="0"/>
-              <a:ea typeface="Adobe Heiti Std R" pitchFamily="34" charset="-128"/>
-              <a:cs typeface="Arial" panose="020B0604020202020204" pitchFamily="34" charset="0"/>
-            </a:endParaRPr>
-          </a:p>
-          <a:p>
-            <a:pPr lvl="1"/>
-            <a:r>
-              <a:rPr lang="fr-CH" dirty="0" smtClean="0">
-                <a:solidFill>
-                  <a:schemeClr val="tx1">
-                    <a:lumMod val="75000"/>
-                    <a:lumOff val="25000"/>
-                  </a:schemeClr>
-                </a:solidFill>
-                <a:latin typeface="Arial" panose="020B0604020202020204" pitchFamily="34" charset="0"/>
-                <a:ea typeface="Adobe Heiti Std R" pitchFamily="34" charset="-128"/>
-                <a:cs typeface="Arial" panose="020B0604020202020204" pitchFamily="34" charset="0"/>
-              </a:rPr>
-              <a:t>Gérer mon projet de manière professionnel avec un journal de bord correctement tenu à jours et une planification détaillé du projet.</a:t>
-            </a:r>
-          </a:p>
-          <a:p>
-            <a:pPr marL="0" indent="0">
-              <a:buNone/>
-            </a:pPr>
-            <a:endParaRPr lang="fr-CH" dirty="0"/>
-          </a:p>
         </p:txBody>
       </p:sp>
       <p:sp>
@@ -5006,10 +5236,74 @@
           </a:p>
         </p:txBody>
       </p:sp>
+      <p:pic>
+        <p:nvPicPr>
+          <p:cNvPr id="5" name="Picture 2" descr="C:\Users\PLOJOUXR_INFO\Downloads\iconmonstr-check-mark-4-icon-256.png"/>
+          <p:cNvPicPr>
+            <a:picLocks noChangeAspect="1" noChangeArrowheads="1"/>
+          </p:cNvPicPr>
+          <p:nvPr/>
+        </p:nvPicPr>
+        <p:blipFill>
+          <a:blip r:embed="rId2">
+            <a:extLst>
+              <a:ext uri="{28A0092B-C50C-407E-A947-70E740481C1C}">
+                <a14:useLocalDpi xmlns:a14="http://schemas.microsoft.com/office/drawing/2010/main" val="0"/>
+              </a:ext>
+            </a:extLst>
+          </a:blip>
+          <a:srcRect/>
+          <a:stretch>
+            <a:fillRect/>
+          </a:stretch>
+        </p:blipFill>
+        <p:spPr bwMode="auto">
+          <a:xfrm>
+            <a:off x="3707904" y="4365104"/>
+            <a:ext cx="1502296" cy="1502296"/>
+          </a:xfrm>
+          <a:prstGeom prst="rect">
+            <a:avLst/>
+          </a:prstGeom>
+          <a:noFill/>
+          <a:extLst>
+            <a:ext uri="{909E8E84-426E-40DD-AFC4-6F175D3DCCD1}">
+              <a14:hiddenFill xmlns:a14="http://schemas.microsoft.com/office/drawing/2010/main">
+                <a:solidFill>
+                  <a:srgbClr val="FFFFFF"/>
+                </a:solidFill>
+              </a14:hiddenFill>
+            </a:ext>
+          </a:extLst>
+        </p:spPr>
+      </p:pic>
+      <p:sp>
+        <p:nvSpPr>
+          <p:cNvPr id="6" name="Espace réservé du pied de page 5"/>
+          <p:cNvSpPr>
+            <a:spLocks noGrp="1"/>
+          </p:cNvSpPr>
+          <p:nvPr>
+            <p:ph type="ftr" sz="quarter" idx="11"/>
+          </p:nvPr>
+        </p:nvSpPr>
+        <p:spPr/>
+        <p:txBody>
+          <a:bodyPr/>
+          <a:lstStyle/>
+          <a:p>
+            <a:r>
+              <a:rPr lang="fr-BE" smtClean="0"/>
+              <a:t>Cedric Dos Reis - TopRecettes</a:t>
+            </a:r>
+            <a:endParaRPr lang="fr-BE"/>
+          </a:p>
+        </p:txBody>
+      </p:sp>
     </p:spTree>
     <p:extLst>
       <p:ext uri="{BB962C8B-B14F-4D97-AF65-F5344CB8AC3E}">
-        <p14:creationId xmlns:p14="http://schemas.microsoft.com/office/powerpoint/2010/main" val="3822726688"/>
+        <p14:creationId xmlns:p14="http://schemas.microsoft.com/office/powerpoint/2010/main" val="4015389576"/>
       </p:ext>
     </p:extLst>
   </p:cSld>
@@ -5060,7 +5354,7 @@
           <a:p>
             <a:r>
               <a:rPr lang="fr-CH" sz="4800" dirty="0" smtClean="0"/>
-              <a:t>Amélioration envisageables</a:t>
+              <a:t>Comparaison analyse et résolution</a:t>
             </a:r>
             <a:endParaRPr lang="fr-CH" sz="4800" dirty="0"/>
           </a:p>
@@ -5121,125 +5415,8 @@
                 <a:ea typeface="Adobe Heiti Std R" pitchFamily="34" charset="-128"/>
                 <a:cs typeface="Arial" panose="020B0604020202020204" pitchFamily="34" charset="0"/>
               </a:rPr>
-              <a:t>Ajouter </a:t>
-            </a:r>
-            <a:r>
-              <a:rPr lang="fr-CH" dirty="0">
-                <a:solidFill>
-                  <a:schemeClr val="tx1">
-                    <a:lumMod val="75000"/>
-                    <a:lumOff val="25000"/>
-                  </a:schemeClr>
-                </a:solidFill>
-                <a:latin typeface="Arial" panose="020B0604020202020204" pitchFamily="34" charset="0"/>
-                <a:ea typeface="Adobe Heiti Std R" pitchFamily="34" charset="-128"/>
-                <a:cs typeface="Arial" panose="020B0604020202020204" pitchFamily="34" charset="0"/>
-              </a:rPr>
-              <a:t>un itinéraire pour affiche </a:t>
-            </a:r>
-            <a:r>
-              <a:rPr lang="fr-CH" dirty="0" smtClean="0">
-                <a:solidFill>
-                  <a:schemeClr val="tx1">
-                    <a:lumMod val="75000"/>
-                    <a:lumOff val="25000"/>
-                  </a:schemeClr>
-                </a:solidFill>
-                <a:latin typeface="Arial" panose="020B0604020202020204" pitchFamily="34" charset="0"/>
-                <a:ea typeface="Adobe Heiti Std R" pitchFamily="34" charset="-128"/>
-                <a:cs typeface="Arial" panose="020B0604020202020204" pitchFamily="34" charset="0"/>
-              </a:rPr>
-              <a:t>une décente</a:t>
-            </a:r>
-          </a:p>
-          <a:p>
-            <a:pPr>
-              <a:spcAft>
-                <a:spcPts val="600"/>
-              </a:spcAft>
-            </a:pPr>
-            <a:r>
-              <a:rPr lang="fr-CH" dirty="0" smtClean="0">
-                <a:solidFill>
-                  <a:schemeClr val="tx1">
-                    <a:lumMod val="75000"/>
-                    <a:lumOff val="25000"/>
-                  </a:schemeClr>
-                </a:solidFill>
-                <a:latin typeface="Arial" panose="020B0604020202020204" pitchFamily="34" charset="0"/>
-                <a:ea typeface="Adobe Heiti Std R" pitchFamily="34" charset="-128"/>
-                <a:cs typeface="Arial" panose="020B0604020202020204" pitchFamily="34" charset="0"/>
-              </a:rPr>
-              <a:t>Afficher sur la page détaillée d’un spot la liste des sessions </a:t>
-            </a:r>
-            <a:r>
-              <a:rPr lang="fr-CH" dirty="0">
-                <a:solidFill>
-                  <a:schemeClr val="tx1">
-                    <a:lumMod val="75000"/>
-                    <a:lumOff val="25000"/>
-                  </a:schemeClr>
-                </a:solidFill>
-                <a:latin typeface="Arial" panose="020B0604020202020204" pitchFamily="34" charset="0"/>
-                <a:ea typeface="Adobe Heiti Std R" pitchFamily="34" charset="-128"/>
-                <a:cs typeface="Arial" panose="020B0604020202020204" pitchFamily="34" charset="0"/>
-              </a:rPr>
-              <a:t>où </a:t>
-            </a:r>
-            <a:r>
-              <a:rPr lang="fr-CH" dirty="0" smtClean="0">
-                <a:solidFill>
-                  <a:schemeClr val="tx1">
-                    <a:lumMod val="75000"/>
-                    <a:lumOff val="25000"/>
-                  </a:schemeClr>
-                </a:solidFill>
-                <a:latin typeface="Arial" panose="020B0604020202020204" pitchFamily="34" charset="0"/>
-                <a:ea typeface="Adobe Heiti Std R" pitchFamily="34" charset="-128"/>
-                <a:cs typeface="Arial" panose="020B0604020202020204" pitchFamily="34" charset="0"/>
-              </a:rPr>
-              <a:t>celui-ci est associé</a:t>
-            </a:r>
-          </a:p>
-          <a:p>
-            <a:pPr>
-              <a:spcAft>
-                <a:spcPts val="600"/>
-              </a:spcAft>
-            </a:pPr>
-            <a:r>
-              <a:rPr lang="fr-CH" dirty="0" smtClean="0">
-                <a:solidFill>
-                  <a:schemeClr val="tx1">
-                    <a:lumMod val="75000"/>
-                    <a:lumOff val="25000"/>
-                  </a:schemeClr>
-                </a:solidFill>
-                <a:latin typeface="Arial" panose="020B0604020202020204" pitchFamily="34" charset="0"/>
-                <a:ea typeface="Adobe Heiti Std R" pitchFamily="34" charset="-128"/>
-                <a:cs typeface="Arial" panose="020B0604020202020204" pitchFamily="34" charset="0"/>
-              </a:rPr>
-              <a:t>Suppression des sessions expiré via un script SQL</a:t>
-            </a:r>
-          </a:p>
-          <a:p>
-            <a:pPr marL="0" indent="0">
-              <a:spcAft>
-                <a:spcPts val="600"/>
-              </a:spcAft>
-              <a:buNone/>
-            </a:pPr>
-            <a:endParaRPr lang="fr-CH" dirty="0" smtClean="0">
-              <a:solidFill>
-                <a:schemeClr val="tx1">
-                  <a:lumMod val="75000"/>
-                  <a:lumOff val="25000"/>
-                </a:schemeClr>
-              </a:solidFill>
-              <a:latin typeface="Arial" panose="020B0604020202020204" pitchFamily="34" charset="0"/>
-              <a:ea typeface="Adobe Heiti Std R" pitchFamily="34" charset="-128"/>
-              <a:cs typeface="Arial" panose="020B0604020202020204" pitchFamily="34" charset="0"/>
-            </a:endParaRPr>
+              <a:t>Analyse et résolution </a:t>
+            </a:r>
           </a:p>
         </p:txBody>
       </p:sp>
@@ -5273,51 +5450,33 @@
           </a:p>
         </p:txBody>
       </p:sp>
-      <p:pic>
-        <p:nvPicPr>
-          <p:cNvPr id="5" name="Picture 2" descr="C:\Users\PLOJOUXR_INFO\Downloads\iconmonstr-check-mark-4-icon-256.png"/>
-          <p:cNvPicPr>
-            <a:picLocks noChangeAspect="1" noChangeArrowheads="1"/>
-          </p:cNvPicPr>
-          <p:nvPr/>
-        </p:nvPicPr>
-        <p:blipFill>
-          <a:blip r:embed="rId2">
-            <a:extLst>
-              <a:ext uri="{28A0092B-C50C-407E-A947-70E740481C1C}">
-                <a14:useLocalDpi xmlns:a14="http://schemas.microsoft.com/office/drawing/2010/main" val="0"/>
-              </a:ext>
-            </a:extLst>
-          </a:blip>
-          <a:srcRect/>
-          <a:stretch>
-            <a:fillRect/>
-          </a:stretch>
-        </p:blipFill>
-        <p:spPr bwMode="auto">
-          <a:xfrm>
-            <a:off x="3707904" y="4365104"/>
-            <a:ext cx="1502296" cy="1502296"/>
-          </a:xfrm>
-          <a:prstGeom prst="rect">
-            <a:avLst/>
-          </a:prstGeom>
-          <a:noFill/>
-          <a:extLst>
-            <a:ext uri="{909E8E84-426E-40DD-AFC4-6F175D3DCCD1}">
-              <a14:hiddenFill xmlns:a14="http://schemas.microsoft.com/office/drawing/2010/main">
-                <a:solidFill>
-                  <a:srgbClr val="FFFFFF"/>
-                </a:solidFill>
-              </a14:hiddenFill>
-            </a:ext>
-          </a:extLst>
-        </p:spPr>
-      </p:pic>
+      <p:sp>
+        <p:nvSpPr>
+          <p:cNvPr id="5" name="Espace réservé du pied de page 4"/>
+          <p:cNvSpPr>
+            <a:spLocks noGrp="1"/>
+          </p:cNvSpPr>
+          <p:nvPr>
+            <p:ph type="ftr" sz="quarter" idx="11"/>
+          </p:nvPr>
+        </p:nvSpPr>
+        <p:spPr/>
+        <p:txBody>
+          <a:bodyPr/>
+          <a:lstStyle/>
+          <a:p>
+            <a:r>
+              <a:rPr lang="fr-BE" smtClean="0"/>
+              <a:t>Cedric Dos Reis - TopRecettes</a:t>
+            </a:r>
+            <a:endParaRPr lang="fr-BE"/>
+          </a:p>
+        </p:txBody>
+      </p:sp>
     </p:spTree>
     <p:extLst>
       <p:ext uri="{BB962C8B-B14F-4D97-AF65-F5344CB8AC3E}">
-        <p14:creationId xmlns:p14="http://schemas.microsoft.com/office/powerpoint/2010/main" val="4015389576"/>
+        <p14:creationId xmlns:p14="http://schemas.microsoft.com/office/powerpoint/2010/main" val="1807323056"/>
       </p:ext>
     </p:extLst>
   </p:cSld>
@@ -5367,10 +5526,10 @@
           <a:lstStyle/>
           <a:p>
             <a:r>
-              <a:rPr lang="fr-CH" sz="4800" dirty="0" smtClean="0"/>
-              <a:t>Comparaison analyse et résolution</a:t>
-            </a:r>
-            <a:endParaRPr lang="fr-CH" sz="4800" dirty="0"/>
+              <a:rPr lang="fr-CH" dirty="0" smtClean="0"/>
+              <a:t>Mes satisfactions</a:t>
+            </a:r>
+            <a:endParaRPr lang="fr-CH" dirty="0"/>
           </a:p>
         </p:txBody>
       </p:sp>
@@ -5384,21 +5543,28 @@
             <p:ph idx="1"/>
           </p:nvPr>
         </p:nvSpPr>
-        <p:spPr>
-          <a:xfrm>
-            <a:off x="539552" y="1628800"/>
-            <a:ext cx="7355160" cy="4493096"/>
-          </a:xfrm>
-        </p:spPr>
-        <p:txBody>
-          <a:bodyPr/>
-          <a:lstStyle/>
-          <a:p>
-            <a:pPr>
-              <a:spcAft>
-                <a:spcPts val="600"/>
-              </a:spcAft>
-            </a:pPr>
+        <p:spPr/>
+        <p:txBody>
+          <a:bodyPr/>
+          <a:lstStyle/>
+          <a:p>
+            <a:r>
+              <a:rPr lang="fr-CH" dirty="0" smtClean="0">
+                <a:solidFill>
+                  <a:schemeClr val="tx1">
+                    <a:lumMod val="75000"/>
+                    <a:lumOff val="25000"/>
+                  </a:schemeClr>
+                </a:solidFill>
+                <a:latin typeface="Arial" panose="020B0604020202020204" pitchFamily="34" charset="0"/>
+                <a:ea typeface="Adobe Heiti Std R" pitchFamily="34" charset="-128"/>
+                <a:cs typeface="Arial" panose="020B0604020202020204" pitchFamily="34" charset="0"/>
+              </a:rPr>
+              <a:t>L’élaboration de mon TPI m’a permis de :</a:t>
+            </a:r>
+          </a:p>
+          <a:p>
+            <a:pPr lvl="1"/>
             <a:endParaRPr lang="fr-CH" dirty="0" smtClean="0">
               <a:solidFill>
                 <a:schemeClr val="tx1">
@@ -5412,11 +5578,7 @@
             </a:endParaRPr>
           </a:p>
           <a:p>
-            <a:pPr>
-              <a:spcAft>
-                <a:spcPts val="600"/>
-              </a:spcAft>
-            </a:pPr>
+            <a:pPr lvl="1"/>
             <a:r>
               <a:rPr lang="fr-CH" dirty="0" smtClean="0">
                 <a:solidFill>
@@ -5429,8 +5591,76 @@
                 <a:ea typeface="Adobe Heiti Std R" pitchFamily="34" charset="-128"/>
                 <a:cs typeface="Arial" panose="020B0604020202020204" pitchFamily="34" charset="0"/>
               </a:rPr>
-              <a:t>Analyse et résolution </a:t>
-            </a:r>
+              <a:t>Mettre en pratique un grande partie des connaissances acquises pendant ma formation en informatique.</a:t>
+            </a:r>
+          </a:p>
+          <a:p>
+            <a:pPr lvl="1"/>
+            <a:endParaRPr lang="fr-CH" dirty="0" smtClean="0">
+              <a:solidFill>
+                <a:schemeClr val="tx1">
+                  <a:lumMod val="75000"/>
+                  <a:lumOff val="25000"/>
+                </a:schemeClr>
+              </a:solidFill>
+              <a:latin typeface="Arial" panose="020B0604020202020204" pitchFamily="34" charset="0"/>
+              <a:ea typeface="Adobe Heiti Std R" pitchFamily="34" charset="-128"/>
+              <a:cs typeface="Arial" panose="020B0604020202020204" pitchFamily="34" charset="0"/>
+            </a:endParaRPr>
+          </a:p>
+          <a:p>
+            <a:pPr lvl="1"/>
+            <a:r>
+              <a:rPr lang="fr-CH" dirty="0" smtClean="0">
+                <a:solidFill>
+                  <a:schemeClr val="tx1">
+                    <a:lumMod val="75000"/>
+                    <a:lumOff val="25000"/>
+                  </a:schemeClr>
+                </a:solidFill>
+                <a:latin typeface="Arial" panose="020B0604020202020204" pitchFamily="34" charset="0"/>
+                <a:ea typeface="Adobe Heiti Std R" pitchFamily="34" charset="-128"/>
+                <a:cs typeface="Arial" panose="020B0604020202020204" pitchFamily="34" charset="0"/>
+              </a:rPr>
+              <a:t>Travailler de manière autonome et de gérer mon temps correctement.</a:t>
+            </a:r>
+          </a:p>
+          <a:p>
+            <a:pPr lvl="1"/>
+            <a:endParaRPr lang="fr-CH" dirty="0" smtClean="0">
+              <a:solidFill>
+                <a:schemeClr val="tx1">
+                  <a:lumMod val="75000"/>
+                  <a:lumOff val="25000"/>
+                </a:schemeClr>
+              </a:solidFill>
+              <a:latin typeface="Arial" panose="020B0604020202020204" pitchFamily="34" charset="0"/>
+              <a:ea typeface="Adobe Heiti Std R" pitchFamily="34" charset="-128"/>
+              <a:cs typeface="Arial" panose="020B0604020202020204" pitchFamily="34" charset="0"/>
+            </a:endParaRPr>
+          </a:p>
+          <a:p>
+            <a:pPr lvl="1"/>
+            <a:r>
+              <a:rPr lang="fr-CH" dirty="0" smtClean="0">
+                <a:solidFill>
+                  <a:schemeClr val="tx1">
+                    <a:lumMod val="75000"/>
+                    <a:lumOff val="25000"/>
+                  </a:schemeClr>
+                </a:solidFill>
+                <a:latin typeface="Arial" panose="020B0604020202020204" pitchFamily="34" charset="0"/>
+                <a:ea typeface="Adobe Heiti Std R" pitchFamily="34" charset="-128"/>
+                <a:cs typeface="Arial" panose="020B0604020202020204" pitchFamily="34" charset="0"/>
+              </a:rPr>
+              <a:t>Gérer mon projet de manière professionnel avec un journal de bord correctement tenu à jours et une planification détaillé du projet.</a:t>
+            </a:r>
+          </a:p>
+          <a:p>
+            <a:pPr marL="0" indent="0">
+              <a:buNone/>
+            </a:pPr>
+            <a:endParaRPr lang="fr-CH" dirty="0"/>
           </a:p>
         </p:txBody>
       </p:sp>
@@ -5464,10 +5694,33 @@
           </a:p>
         </p:txBody>
       </p:sp>
+      <p:sp>
+        <p:nvSpPr>
+          <p:cNvPr id="5" name="Espace réservé du pied de page 4"/>
+          <p:cNvSpPr>
+            <a:spLocks noGrp="1"/>
+          </p:cNvSpPr>
+          <p:nvPr>
+            <p:ph type="ftr" sz="quarter" idx="11"/>
+          </p:nvPr>
+        </p:nvSpPr>
+        <p:spPr/>
+        <p:txBody>
+          <a:bodyPr/>
+          <a:lstStyle/>
+          <a:p>
+            <a:r>
+              <a:rPr lang="fr-BE" smtClean="0"/>
+              <a:t>Cedric Dos Reis - TopRecettes</a:t>
+            </a:r>
+            <a:endParaRPr lang="fr-BE"/>
+          </a:p>
+        </p:txBody>
+      </p:sp>
     </p:spTree>
     <p:extLst>
       <p:ext uri="{BB962C8B-B14F-4D97-AF65-F5344CB8AC3E}">
-        <p14:creationId xmlns:p14="http://schemas.microsoft.com/office/powerpoint/2010/main" val="1807323056"/>
+        <p14:creationId xmlns:p14="http://schemas.microsoft.com/office/powerpoint/2010/main" val="747999738"/>
       </p:ext>
     </p:extLst>
   </p:cSld>
@@ -5518,139 +5771,8 @@
           <a:p>
             <a:r>
               <a:rPr lang="fr-CH" dirty="0" smtClean="0"/>
-              <a:t>Mes satisfactions</a:t>
-            </a:r>
-            <a:endParaRPr lang="fr-CH" dirty="0"/>
-          </a:p>
-        </p:txBody>
-      </p:sp>
-      <p:sp>
-        <p:nvSpPr>
-          <p:cNvPr id="3" name="Espace réservé du contenu 2"/>
-          <p:cNvSpPr>
-            <a:spLocks noGrp="1"/>
-          </p:cNvSpPr>
-          <p:nvPr>
-            <p:ph idx="1"/>
-          </p:nvPr>
-        </p:nvSpPr>
-        <p:spPr/>
-        <p:txBody>
-          <a:bodyPr/>
-          <a:lstStyle/>
-          <a:p>
-            <a:r>
-              <a:rPr lang="fr-CH" dirty="0" smtClean="0">
-                <a:solidFill>
-                  <a:schemeClr val="tx1">
-                    <a:lumMod val="75000"/>
-                    <a:lumOff val="25000"/>
-                  </a:schemeClr>
-                </a:solidFill>
-                <a:latin typeface="Arial" panose="020B0604020202020204" pitchFamily="34" charset="0"/>
-                <a:ea typeface="Adobe Heiti Std R" pitchFamily="34" charset="-128"/>
-                <a:cs typeface="Arial" panose="020B0604020202020204" pitchFamily="34" charset="0"/>
-              </a:rPr>
-              <a:t>L’élaboration de mon TPI m’a permis de :</a:t>
-            </a:r>
-          </a:p>
-          <a:p>
-            <a:pPr lvl="1"/>
-            <a:endParaRPr lang="fr-CH" dirty="0" smtClean="0">
-              <a:solidFill>
-                <a:schemeClr val="tx1">
-                  <a:lumMod val="75000"/>
-                  <a:lumOff val="25000"/>
-                </a:schemeClr>
-              </a:solidFill>
-              <a:latin typeface="Arial" panose="020B0604020202020204" pitchFamily="34" charset="0"/>
-              <a:ea typeface="Adobe Heiti Std R" pitchFamily="34" charset="-128"/>
-              <a:cs typeface="Arial" panose="020B0604020202020204" pitchFamily="34" charset="0"/>
-            </a:endParaRPr>
-          </a:p>
-          <a:p>
-            <a:pPr lvl="1"/>
-            <a:r>
-              <a:rPr lang="fr-CH" dirty="0" smtClean="0">
-                <a:solidFill>
-                  <a:schemeClr val="tx1">
-                    <a:lumMod val="75000"/>
-                    <a:lumOff val="25000"/>
-                  </a:schemeClr>
-                </a:solidFill>
-                <a:latin typeface="Arial" panose="020B0604020202020204" pitchFamily="34" charset="0"/>
-                <a:ea typeface="Adobe Heiti Std R" pitchFamily="34" charset="-128"/>
-                <a:cs typeface="Arial" panose="020B0604020202020204" pitchFamily="34" charset="0"/>
-              </a:rPr>
-              <a:t>Mettre en pratique un grande partie des connaissances acquises pendant ma formation en informatique.</a:t>
-            </a:r>
-          </a:p>
-          <a:p>
-            <a:pPr lvl="1"/>
-            <a:endParaRPr lang="fr-CH" dirty="0" smtClean="0">
-              <a:solidFill>
-                <a:schemeClr val="tx1">
-                  <a:lumMod val="75000"/>
-                  <a:lumOff val="25000"/>
-                </a:schemeClr>
-              </a:solidFill>
-              <a:latin typeface="Arial" panose="020B0604020202020204" pitchFamily="34" charset="0"/>
-              <a:ea typeface="Adobe Heiti Std R" pitchFamily="34" charset="-128"/>
-              <a:cs typeface="Arial" panose="020B0604020202020204" pitchFamily="34" charset="0"/>
-            </a:endParaRPr>
-          </a:p>
-          <a:p>
-            <a:pPr lvl="1"/>
-            <a:r>
-              <a:rPr lang="fr-CH" dirty="0" smtClean="0">
-                <a:solidFill>
-                  <a:schemeClr val="tx1">
-                    <a:lumMod val="75000"/>
-                    <a:lumOff val="25000"/>
-                  </a:schemeClr>
-                </a:solidFill>
-                <a:latin typeface="Arial" panose="020B0604020202020204" pitchFamily="34" charset="0"/>
-                <a:ea typeface="Adobe Heiti Std R" pitchFamily="34" charset="-128"/>
-                <a:cs typeface="Arial" panose="020B0604020202020204" pitchFamily="34" charset="0"/>
-              </a:rPr>
-              <a:t>Travailler de manière autonome et de gérer mon temps correctement.</a:t>
-            </a:r>
-          </a:p>
-          <a:p>
-            <a:pPr lvl="1"/>
-            <a:endParaRPr lang="fr-CH" dirty="0" smtClean="0">
-              <a:solidFill>
-                <a:schemeClr val="tx1">
-                  <a:lumMod val="75000"/>
-                  <a:lumOff val="25000"/>
-                </a:schemeClr>
-              </a:solidFill>
-              <a:latin typeface="Arial" panose="020B0604020202020204" pitchFamily="34" charset="0"/>
-              <a:ea typeface="Adobe Heiti Std R" pitchFamily="34" charset="-128"/>
-              <a:cs typeface="Arial" panose="020B0604020202020204" pitchFamily="34" charset="0"/>
-            </a:endParaRPr>
-          </a:p>
-          <a:p>
-            <a:pPr lvl="1"/>
-            <a:r>
-              <a:rPr lang="fr-CH" dirty="0" smtClean="0">
-                <a:solidFill>
-                  <a:schemeClr val="tx1">
-                    <a:lumMod val="75000"/>
-                    <a:lumOff val="25000"/>
-                  </a:schemeClr>
-                </a:solidFill>
-                <a:latin typeface="Arial" panose="020B0604020202020204" pitchFamily="34" charset="0"/>
-                <a:ea typeface="Adobe Heiti Std R" pitchFamily="34" charset="-128"/>
-                <a:cs typeface="Arial" panose="020B0604020202020204" pitchFamily="34" charset="0"/>
-              </a:rPr>
-              <a:t>Gérer mon projet de manière professionnel avec un journal de bord correctement tenu à jours et une planification détaillé du projet.</a:t>
-            </a:r>
-          </a:p>
-          <a:p>
-            <a:pPr marL="0" indent="0">
-              <a:buNone/>
-            </a:pPr>
+              <a:t>Question</a:t>
+            </a:r>
             <a:endParaRPr lang="fr-CH" dirty="0"/>
           </a:p>
         </p:txBody>
@@ -5680,96 +5802,6 @@
               <a:rPr lang="fr-BE" smtClean="0"/>
               <a:pPr algn="ctr"/>
               <a:t>18</a:t>
-            </a:fld>
-            <a:endParaRPr lang="fr-BE"/>
-          </a:p>
-        </p:txBody>
-      </p:sp>
-    </p:spTree>
-    <p:extLst>
-      <p:ext uri="{BB962C8B-B14F-4D97-AF65-F5344CB8AC3E}">
-        <p14:creationId xmlns:p14="http://schemas.microsoft.com/office/powerpoint/2010/main" val="747999738"/>
-      </p:ext>
-    </p:extLst>
-  </p:cSld>
-  <p:clrMapOvr>
-    <a:masterClrMapping/>
-  </p:clrMapOvr>
-  <p:timing>
-    <p:tnLst>
-      <p:par>
-        <p:cTn id="1" dur="indefinite" restart="never" nodeType="tmRoot"/>
-      </p:par>
-    </p:tnLst>
-  </p:timing>
-</p:sld>
-</file>
-
-<file path=ppt/slides/slide19.xml><?xml version="1.0" encoding="utf-8"?>
-<p:sld xmlns:a="http://schemas.openxmlformats.org/drawingml/2006/main" xmlns:r="http://schemas.openxmlformats.org/officeDocument/2006/relationships" xmlns:p="http://schemas.openxmlformats.org/presentationml/2006/main">
-  <p:cSld>
-    <p:spTree>
-      <p:nvGrpSpPr>
-        <p:cNvPr id="1" name=""/>
-        <p:cNvGrpSpPr/>
-        <p:nvPr/>
-      </p:nvGrpSpPr>
-      <p:grpSpPr>
-        <a:xfrm>
-          <a:off x="0" y="0"/>
-          <a:ext cx="0" cy="0"/>
-          <a:chOff x="0" y="0"/>
-          <a:chExt cx="0" cy="0"/>
-        </a:xfrm>
-      </p:grpSpPr>
-      <p:sp>
-        <p:nvSpPr>
-          <p:cNvPr id="2" name="Titre 1"/>
-          <p:cNvSpPr>
-            <a:spLocks noGrp="1"/>
-          </p:cNvSpPr>
-          <p:nvPr>
-            <p:ph type="title"/>
-          </p:nvPr>
-        </p:nvSpPr>
-        <p:spPr/>
-        <p:txBody>
-          <a:bodyPr/>
-          <a:lstStyle/>
-          <a:p>
-            <a:r>
-              <a:rPr lang="fr-CH" dirty="0" smtClean="0"/>
-              <a:t>Question</a:t>
-            </a:r>
-            <a:endParaRPr lang="fr-CH" dirty="0"/>
-          </a:p>
-        </p:txBody>
-      </p:sp>
-      <p:sp>
-        <p:nvSpPr>
-          <p:cNvPr id="4" name="Espace réservé du numéro de diapositive 3"/>
-          <p:cNvSpPr>
-            <a:spLocks noGrp="1"/>
-          </p:cNvSpPr>
-          <p:nvPr>
-            <p:ph type="sldNum" sz="quarter" idx="12"/>
-          </p:nvPr>
-        </p:nvSpPr>
-        <p:spPr>
-          <a:xfrm>
-            <a:off x="0" y="6356350"/>
-            <a:ext cx="9105253" cy="365125"/>
-          </a:xfrm>
-        </p:spPr>
-        <p:txBody>
-          <a:bodyPr/>
-          <a:lstStyle/>
-          <a:p>
-            <a:pPr algn="ctr"/>
-            <a:fld id="{CF4668DC-857F-487D-BFFA-8C0CA5037977}" type="slidenum">
-              <a:rPr lang="fr-BE" smtClean="0"/>
-              <a:pPr algn="ctr"/>
-              <a:t>19</a:t>
             </a:fld>
             <a:endParaRPr lang="fr-BE" dirty="0"/>
           </a:p>
@@ -5816,6 +5848,29 @@
           </a:extLst>
         </p:spPr>
       </p:pic>
+      <p:sp>
+        <p:nvSpPr>
+          <p:cNvPr id="3" name="Espace réservé du pied de page 2"/>
+          <p:cNvSpPr>
+            <a:spLocks noGrp="1"/>
+          </p:cNvSpPr>
+          <p:nvPr>
+            <p:ph type="ftr" sz="quarter" idx="11"/>
+          </p:nvPr>
+        </p:nvSpPr>
+        <p:spPr/>
+        <p:txBody>
+          <a:bodyPr/>
+          <a:lstStyle/>
+          <a:p>
+            <a:r>
+              <a:rPr lang="fr-BE" smtClean="0"/>
+              <a:t>Cedric Dos Reis - TopRecettes</a:t>
+            </a:r>
+            <a:endParaRPr lang="fr-BE"/>
+          </a:p>
+        </p:txBody>
+      </p:sp>
     </p:spTree>
     <p:extLst>
       <p:ext uri="{BB962C8B-B14F-4D97-AF65-F5344CB8AC3E}">
@@ -6096,6 +6151,29 @@
           </a:p>
         </p:txBody>
       </p:sp>
+      <p:sp>
+        <p:nvSpPr>
+          <p:cNvPr id="5" name="Espace réservé du pied de page 4"/>
+          <p:cNvSpPr>
+            <a:spLocks noGrp="1"/>
+          </p:cNvSpPr>
+          <p:nvPr>
+            <p:ph type="ftr" sz="quarter" idx="11"/>
+          </p:nvPr>
+        </p:nvSpPr>
+        <p:spPr/>
+        <p:txBody>
+          <a:bodyPr/>
+          <a:lstStyle/>
+          <a:p>
+            <a:r>
+              <a:rPr lang="fr-BE" smtClean="0"/>
+              <a:t>Cedric Dos Reis - TopRecettes</a:t>
+            </a:r>
+            <a:endParaRPr lang="fr-BE"/>
+          </a:p>
+        </p:txBody>
+      </p:sp>
     </p:spTree>
     <p:extLst>
       <p:ext uri="{BB962C8B-B14F-4D97-AF65-F5344CB8AC3E}">
@@ -6196,21 +6274,7 @@
                 <a:ea typeface="Adobe Heiti Std R" pitchFamily="34" charset="-128"/>
                 <a:cs typeface="Arial" panose="020B0604020202020204" pitchFamily="34" charset="0"/>
               </a:rPr>
-              <a:t>Qu’est ce que </a:t>
-            </a:r>
-            <a:r>
-              <a:rPr lang="fr-CH" dirty="0" smtClean="0">
-                <a:solidFill>
-                  <a:schemeClr val="tx1">
-                    <a:lumMod val="75000"/>
-                    <a:lumOff val="25000"/>
-                  </a:schemeClr>
-                </a:solidFill>
-                <a:latin typeface="Arial" panose="020B0604020202020204" pitchFamily="34" charset="0"/>
-                <a:ea typeface="Adobe Heiti Std R" pitchFamily="34" charset="-128"/>
-                <a:cs typeface="Arial" panose="020B0604020202020204" pitchFamily="34" charset="0"/>
-              </a:rPr>
-              <a:t>«</a:t>
+              <a:t>Qu’est ce que «</a:t>
             </a:r>
             <a:r>
               <a:rPr lang="fr-CH" dirty="0" err="1" smtClean="0">
@@ -6240,6 +6304,53 @@
               </a:rPr>
               <a:t>»?</a:t>
             </a:r>
+          </a:p>
+          <a:p>
+            <a:pPr lvl="1"/>
+            <a:r>
+              <a:rPr lang="fr-CH" dirty="0" smtClean="0">
+                <a:solidFill>
+                  <a:schemeClr val="tx1">
+                    <a:lumMod val="75000"/>
+                    <a:lumOff val="25000"/>
+                  </a:schemeClr>
+                </a:solidFill>
+                <a:latin typeface="Arial" panose="020B0604020202020204" pitchFamily="34" charset="0"/>
+                <a:ea typeface="Adobe Heiti Std R" pitchFamily="34" charset="-128"/>
+                <a:cs typeface="Arial" panose="020B0604020202020204" pitchFamily="34" charset="0"/>
+              </a:rPr>
+              <a:t>Site web</a:t>
+            </a:r>
+          </a:p>
+          <a:p>
+            <a:pPr lvl="1"/>
+            <a:r>
+              <a:rPr lang="fr-CH" dirty="0" smtClean="0">
+                <a:solidFill>
+                  <a:schemeClr val="tx1">
+                    <a:lumMod val="75000"/>
+                    <a:lumOff val="25000"/>
+                  </a:schemeClr>
+                </a:solidFill>
+                <a:latin typeface="Arial" panose="020B0604020202020204" pitchFamily="34" charset="0"/>
+                <a:ea typeface="Adobe Heiti Std R" pitchFamily="34" charset="-128"/>
+                <a:cs typeface="Arial" panose="020B0604020202020204" pitchFamily="34" charset="0"/>
+              </a:rPr>
+              <a:t>Gestionnaire de recettes</a:t>
+            </a:r>
+            <a:endParaRPr lang="fr-CH" dirty="0">
+              <a:solidFill>
+                <a:schemeClr val="tx1">
+                  <a:lumMod val="75000"/>
+                  <a:lumOff val="25000"/>
+                </a:schemeClr>
+              </a:solidFill>
+              <a:latin typeface="Arial" panose="020B0604020202020204" pitchFamily="34" charset="0"/>
+              <a:ea typeface="Adobe Heiti Std R" pitchFamily="34" charset="-128"/>
+              <a:cs typeface="Arial" panose="020B0604020202020204" pitchFamily="34" charset="0"/>
+            </a:endParaRPr>
+          </a:p>
+          <a:p>
             <a:endParaRPr lang="fr-CH" dirty="0" smtClean="0">
               <a:solidFill>
                 <a:schemeClr val="tx1">
@@ -6253,7 +6364,6 @@
             </a:endParaRPr>
           </a:p>
           <a:p>
-            <a:pPr lvl="1"/>
             <a:r>
               <a:rPr lang="fr-CH" dirty="0" smtClean="0">
                 <a:solidFill>
@@ -6266,7 +6376,7 @@
                 <a:ea typeface="Adobe Heiti Std R" pitchFamily="34" charset="-128"/>
                 <a:cs typeface="Arial" panose="020B0604020202020204" pitchFamily="34" charset="0"/>
               </a:rPr>
-              <a:t>Site web</a:t>
+              <a:t>À quoi ça sert?</a:t>
             </a:r>
           </a:p>
           <a:p>
@@ -6283,8 +6393,122 @@
                 <a:ea typeface="Adobe Heiti Std R" pitchFamily="34" charset="-128"/>
                 <a:cs typeface="Arial" panose="020B0604020202020204" pitchFamily="34" charset="0"/>
               </a:rPr>
-              <a:t>Gestionnaire de recettes</a:t>
-            </a:r>
+              <a:t>Partager des recettes</a:t>
+            </a:r>
+          </a:p>
+          <a:p>
+            <a:pPr lvl="1"/>
+            <a:r>
+              <a:rPr lang="fr-CH" dirty="0" smtClean="0">
+                <a:solidFill>
+                  <a:schemeClr val="tx1">
+                    <a:lumMod val="75000"/>
+                    <a:lumOff val="25000"/>
+                  </a:schemeClr>
+                </a:solidFill>
+                <a:latin typeface="Arial" panose="020B0604020202020204" pitchFamily="34" charset="0"/>
+                <a:ea typeface="Adobe Heiti Std R" pitchFamily="34" charset="-128"/>
+                <a:cs typeface="Arial" panose="020B0604020202020204" pitchFamily="34" charset="0"/>
+              </a:rPr>
+              <a:t>Consulter des recettes</a:t>
+            </a:r>
+            <a:endParaRPr lang="fr-CH" dirty="0" smtClean="0">
+              <a:solidFill>
+                <a:schemeClr val="tx1">
+                  <a:lumMod val="75000"/>
+                  <a:lumOff val="25000"/>
+                </a:schemeClr>
+              </a:solidFill>
+              <a:latin typeface="Arial" panose="020B0604020202020204" pitchFamily="34" charset="0"/>
+              <a:ea typeface="Adobe Heiti Std R" pitchFamily="34" charset="-128"/>
+              <a:cs typeface="Arial" panose="020B0604020202020204" pitchFamily="34" charset="0"/>
+            </a:endParaRPr>
+          </a:p>
+          <a:p>
+            <a:pPr lvl="1"/>
+            <a:r>
+              <a:rPr lang="fr-CH" dirty="0" smtClean="0">
+                <a:solidFill>
+                  <a:schemeClr val="tx1">
+                    <a:lumMod val="75000"/>
+                    <a:lumOff val="25000"/>
+                  </a:schemeClr>
+                </a:solidFill>
+                <a:latin typeface="Arial" panose="020B0604020202020204" pitchFamily="34" charset="0"/>
+                <a:ea typeface="Adobe Heiti Std R" pitchFamily="34" charset="-128"/>
+                <a:cs typeface="Arial" panose="020B0604020202020204" pitchFamily="34" charset="0"/>
+              </a:rPr>
+              <a:t>Commenter et noter des recettes</a:t>
+            </a:r>
+            <a:endParaRPr lang="fr-CH" dirty="0" smtClean="0">
+              <a:solidFill>
+                <a:schemeClr val="tx1">
+                  <a:lumMod val="75000"/>
+                  <a:lumOff val="25000"/>
+                </a:schemeClr>
+              </a:solidFill>
+              <a:latin typeface="Arial" panose="020B0604020202020204" pitchFamily="34" charset="0"/>
+              <a:ea typeface="Adobe Heiti Std R" pitchFamily="34" charset="-128"/>
+              <a:cs typeface="Arial" panose="020B0604020202020204" pitchFamily="34" charset="0"/>
+            </a:endParaRPr>
+          </a:p>
+          <a:p>
+            <a:endParaRPr lang="fr-CH" dirty="0" smtClean="0">
+              <a:solidFill>
+                <a:schemeClr val="tx1">
+                  <a:lumMod val="75000"/>
+                  <a:lumOff val="25000"/>
+                </a:schemeClr>
+              </a:solidFill>
+              <a:latin typeface="Arial" panose="020B0604020202020204" pitchFamily="34" charset="0"/>
+              <a:ea typeface="Adobe Heiti Std R" pitchFamily="34" charset="-128"/>
+              <a:cs typeface="Arial" panose="020B0604020202020204" pitchFamily="34" charset="0"/>
+            </a:endParaRPr>
+          </a:p>
+          <a:p>
+            <a:r>
+              <a:rPr lang="fr-CH" dirty="0" smtClean="0">
+                <a:solidFill>
+                  <a:schemeClr val="tx1">
+                    <a:lumMod val="75000"/>
+                    <a:lumOff val="25000"/>
+                  </a:schemeClr>
+                </a:solidFill>
+                <a:latin typeface="Arial" panose="020B0604020202020204" pitchFamily="34" charset="0"/>
+                <a:ea typeface="Adobe Heiti Std R" pitchFamily="34" charset="-128"/>
+                <a:cs typeface="Arial" panose="020B0604020202020204" pitchFamily="34" charset="0"/>
+              </a:rPr>
+              <a:t>Pourquoi </a:t>
+            </a:r>
+            <a:r>
+              <a:rPr lang="fr-CH" dirty="0" smtClean="0">
+                <a:solidFill>
+                  <a:schemeClr val="tx1">
+                    <a:lumMod val="75000"/>
+                    <a:lumOff val="25000"/>
+                  </a:schemeClr>
+                </a:solidFill>
+                <a:latin typeface="Arial" panose="020B0604020202020204" pitchFamily="34" charset="0"/>
+                <a:ea typeface="Adobe Heiti Std R" pitchFamily="34" charset="-128"/>
+                <a:cs typeface="Arial" panose="020B0604020202020204" pitchFamily="34" charset="0"/>
+              </a:rPr>
+              <a:t>j’ai choisi ce sujet?</a:t>
+            </a:r>
+          </a:p>
+          <a:p>
+            <a:endParaRPr lang="fr-CH" dirty="0" smtClean="0">
+              <a:solidFill>
+                <a:schemeClr val="tx1">
+                  <a:lumMod val="75000"/>
+                  <a:lumOff val="25000"/>
+                </a:schemeClr>
+              </a:solidFill>
+              <a:latin typeface="Arial" panose="020B0604020202020204" pitchFamily="34" charset="0"/>
+              <a:ea typeface="Adobe Heiti Std R" pitchFamily="34" charset="-128"/>
+              <a:cs typeface="Arial" panose="020B0604020202020204" pitchFamily="34" charset="0"/>
+            </a:endParaRPr>
+          </a:p>
+          <a:p>
             <a:endParaRPr lang="fr-CH" dirty="0">
               <a:solidFill>
                 <a:schemeClr val="tx1">
@@ -6311,67 +6535,6 @@
             </a:endParaRPr>
           </a:p>
           <a:p>
-            <a:r>
-              <a:rPr lang="fr-CH" dirty="0" smtClean="0">
-                <a:solidFill>
-                  <a:schemeClr val="tx1">
-                    <a:lumMod val="75000"/>
-                    <a:lumOff val="25000"/>
-                  </a:schemeClr>
-                </a:solidFill>
-                <a:latin typeface="Arial" panose="020B0604020202020204" pitchFamily="34" charset="0"/>
-                <a:ea typeface="Adobe Heiti Std R" pitchFamily="34" charset="-128"/>
-                <a:cs typeface="Arial" panose="020B0604020202020204" pitchFamily="34" charset="0"/>
-              </a:rPr>
-              <a:t>À quoi ça sert?</a:t>
-            </a:r>
-          </a:p>
-          <a:p>
-            <a:pPr lvl="1"/>
-            <a:r>
-              <a:rPr lang="fr-CH" dirty="0" smtClean="0">
-                <a:solidFill>
-                  <a:schemeClr val="tx1">
-                    <a:lumMod val="75000"/>
-                    <a:lumOff val="25000"/>
-                  </a:schemeClr>
-                </a:solidFill>
-                <a:latin typeface="Arial" panose="020B0604020202020204" pitchFamily="34" charset="0"/>
-                <a:ea typeface="Adobe Heiti Std R" pitchFamily="34" charset="-128"/>
-                <a:cs typeface="Arial" panose="020B0604020202020204" pitchFamily="34" charset="0"/>
-              </a:rPr>
-              <a:t>Créer ou participer à des rendez-vous de skate ou de longboard</a:t>
-            </a:r>
-          </a:p>
-          <a:p>
-            <a:pPr lvl="1"/>
-            <a:r>
-              <a:rPr lang="fr-CH" dirty="0" smtClean="0">
-                <a:solidFill>
-                  <a:schemeClr val="tx1">
-                    <a:lumMod val="75000"/>
-                    <a:lumOff val="25000"/>
-                  </a:schemeClr>
-                </a:solidFill>
-                <a:latin typeface="Arial" panose="020B0604020202020204" pitchFamily="34" charset="0"/>
-                <a:ea typeface="Adobe Heiti Std R" pitchFamily="34" charset="-128"/>
-                <a:cs typeface="Arial" panose="020B0604020202020204" pitchFamily="34" charset="0"/>
-              </a:rPr>
-              <a:t>Consulter des lieux où l’on peut pratiquer ces disciplines sur une carte</a:t>
-            </a:r>
-            <a:endParaRPr lang="fr-CH" dirty="0">
-              <a:solidFill>
-                <a:schemeClr val="tx1">
-                  <a:lumMod val="75000"/>
-                  <a:lumOff val="25000"/>
-                </a:schemeClr>
-              </a:solidFill>
-              <a:latin typeface="Arial" panose="020B0604020202020204" pitchFamily="34" charset="0"/>
-              <a:ea typeface="Adobe Heiti Std R" pitchFamily="34" charset="-128"/>
-              <a:cs typeface="Arial" panose="020B0604020202020204" pitchFamily="34" charset="0"/>
-            </a:endParaRPr>
-          </a:p>
-          <a:p>
             <a:endParaRPr lang="fr-CH" dirty="0" smtClean="0">
               <a:solidFill>
                 <a:schemeClr val="tx1">
@@ -6384,74 +6547,6 @@
               <a:cs typeface="Arial" panose="020B0604020202020204" pitchFamily="34" charset="0"/>
             </a:endParaRPr>
           </a:p>
-          <a:p>
-            <a:r>
-              <a:rPr lang="fr-CH" dirty="0" smtClean="0">
-                <a:solidFill>
-                  <a:schemeClr val="tx1">
-                    <a:lumMod val="75000"/>
-                    <a:lumOff val="25000"/>
-                  </a:schemeClr>
-                </a:solidFill>
-                <a:latin typeface="Arial" panose="020B0604020202020204" pitchFamily="34" charset="0"/>
-                <a:ea typeface="Adobe Heiti Std R" pitchFamily="34" charset="-128"/>
-                <a:cs typeface="Arial" panose="020B0604020202020204" pitchFamily="34" charset="0"/>
-              </a:rPr>
-              <a:t>Pourquoi j’ai choisi ce sujet?</a:t>
-            </a:r>
-          </a:p>
-          <a:p>
-            <a:endParaRPr lang="fr-CH" dirty="0" smtClean="0">
-              <a:solidFill>
-                <a:schemeClr val="tx1">
-                  <a:lumMod val="75000"/>
-                  <a:lumOff val="25000"/>
-                </a:schemeClr>
-              </a:solidFill>
-              <a:latin typeface="Arial" panose="020B0604020202020204" pitchFamily="34" charset="0"/>
-              <a:ea typeface="Adobe Heiti Std R" pitchFamily="34" charset="-128"/>
-              <a:cs typeface="Arial" panose="020B0604020202020204" pitchFamily="34" charset="0"/>
-            </a:endParaRPr>
-          </a:p>
-          <a:p>
-            <a:endParaRPr lang="fr-CH" dirty="0">
-              <a:solidFill>
-                <a:schemeClr val="tx1">
-                  <a:lumMod val="75000"/>
-                  <a:lumOff val="25000"/>
-                </a:schemeClr>
-              </a:solidFill>
-              <a:latin typeface="Arial" panose="020B0604020202020204" pitchFamily="34" charset="0"/>
-              <a:ea typeface="Adobe Heiti Std R" pitchFamily="34" charset="-128"/>
-              <a:cs typeface="Arial" panose="020B0604020202020204" pitchFamily="34" charset="0"/>
-            </a:endParaRPr>
-          </a:p>
-          <a:p>
-            <a:endParaRPr lang="fr-CH" dirty="0" smtClean="0">
-              <a:solidFill>
-                <a:schemeClr val="tx1">
-                  <a:lumMod val="75000"/>
-                  <a:lumOff val="25000"/>
-                </a:schemeClr>
-              </a:solidFill>
-              <a:latin typeface="Arial" panose="020B0604020202020204" pitchFamily="34" charset="0"/>
-              <a:ea typeface="Adobe Heiti Std R" pitchFamily="34" charset="-128"/>
-              <a:cs typeface="Arial" panose="020B0604020202020204" pitchFamily="34" charset="0"/>
-            </a:endParaRPr>
-          </a:p>
-          <a:p>
-            <a:endParaRPr lang="fr-CH" dirty="0" smtClean="0">
-              <a:solidFill>
-                <a:schemeClr val="tx1">
-                  <a:lumMod val="75000"/>
-                  <a:lumOff val="25000"/>
-                </a:schemeClr>
-              </a:solidFill>
-              <a:latin typeface="Arial" panose="020B0604020202020204" pitchFamily="34" charset="0"/>
-              <a:ea typeface="Adobe Heiti Std R" pitchFamily="34" charset="-128"/>
-              <a:cs typeface="Arial" panose="020B0604020202020204" pitchFamily="34" charset="0"/>
-            </a:endParaRPr>
-          </a:p>
         </p:txBody>
       </p:sp>
       <p:sp>
@@ -6481,6 +6576,29 @@
               <a:t>3</a:t>
             </a:fld>
             <a:endParaRPr lang="fr-BE" dirty="0"/>
+          </a:p>
+        </p:txBody>
+      </p:sp>
+      <p:sp>
+        <p:nvSpPr>
+          <p:cNvPr id="5" name="Espace réservé du pied de page 4"/>
+          <p:cNvSpPr>
+            <a:spLocks noGrp="1"/>
+          </p:cNvSpPr>
+          <p:nvPr>
+            <p:ph type="ftr" sz="quarter" idx="11"/>
+          </p:nvPr>
+        </p:nvSpPr>
+        <p:spPr/>
+        <p:txBody>
+          <a:bodyPr/>
+          <a:lstStyle/>
+          <a:p>
+            <a:r>
+              <a:rPr lang="fr-BE" smtClean="0"/>
+              <a:t>Cedric Dos Reis - TopRecettes</a:t>
+            </a:r>
+            <a:endParaRPr lang="fr-BE"/>
           </a:p>
         </p:txBody>
       </p:sp>
@@ -6538,7 +6656,7 @@
           <a:p>
             <a:r>
               <a:rPr lang="fr-CH" dirty="0" smtClean="0"/>
-              <a:t>Contexte</a:t>
+              <a:t>Caractéristiques </a:t>
             </a:r>
             <a:endParaRPr lang="fr-CH" dirty="0"/>
           </a:p>
@@ -6571,10 +6689,12 @@
                 <a:ea typeface="Adobe Heiti Std R" pitchFamily="34" charset="-128"/>
                 <a:cs typeface="Arial" panose="020B0604020202020204" pitchFamily="34" charset="0"/>
               </a:rPr>
-              <a:t>Les mots «</a:t>
-            </a:r>
-            <a:r>
-              <a:rPr lang="fr-CH" b="1" dirty="0" smtClean="0">
+              <a:t>S’inscrire et se connecter</a:t>
+            </a:r>
+          </a:p>
+          <a:p>
+            <a:r>
+              <a:rPr lang="fr-CH" dirty="0" smtClean="0">
                 <a:solidFill>
                   <a:schemeClr val="tx1">
                     <a:lumMod val="75000"/>
@@ -6585,8 +6705,11 @@
                 <a:ea typeface="Adobe Heiti Std R" pitchFamily="34" charset="-128"/>
                 <a:cs typeface="Arial" panose="020B0604020202020204" pitchFamily="34" charset="0"/>
               </a:rPr>
-              <a:t>session</a:t>
-            </a:r>
+              <a:t>Consulter :</a:t>
+            </a:r>
+          </a:p>
+          <a:p>
+            <a:pPr lvl="1"/>
             <a:r>
               <a:rPr lang="fr-CH" dirty="0" smtClean="0">
                 <a:solidFill>
@@ -6599,38 +6722,8 @@
                 <a:ea typeface="Adobe Heiti Std R" pitchFamily="34" charset="-128"/>
                 <a:cs typeface="Arial" panose="020B0604020202020204" pitchFamily="34" charset="0"/>
               </a:rPr>
-              <a:t>» et «</a:t>
-            </a:r>
-            <a:r>
-              <a:rPr lang="fr-CH" b="1" dirty="0" smtClean="0">
-                <a:solidFill>
-                  <a:schemeClr val="tx1">
-                    <a:lumMod val="75000"/>
-                    <a:lumOff val="25000"/>
-                  </a:schemeClr>
-                </a:solidFill>
-                <a:latin typeface="Arial" panose="020B0604020202020204" pitchFamily="34" charset="0"/>
-                <a:ea typeface="Adobe Heiti Std R" pitchFamily="34" charset="-128"/>
-                <a:cs typeface="Arial" panose="020B0604020202020204" pitchFamily="34" charset="0"/>
-              </a:rPr>
-              <a:t>spot</a:t>
-            </a:r>
-            <a:r>
-              <a:rPr lang="fr-CH" dirty="0" smtClean="0">
-                <a:solidFill>
-                  <a:schemeClr val="tx1">
-                    <a:lumMod val="75000"/>
-                    <a:lumOff val="25000"/>
-                  </a:schemeClr>
-                </a:solidFill>
-                <a:latin typeface="Arial" panose="020B0604020202020204" pitchFamily="34" charset="0"/>
-                <a:ea typeface="Adobe Heiti Std R" pitchFamily="34" charset="-128"/>
-                <a:cs typeface="Arial" panose="020B0604020202020204" pitchFamily="34" charset="0"/>
-              </a:rPr>
-              <a:t>» sont couramment utilisés dans l’environnement du skate et du longboard</a:t>
-            </a:r>
-          </a:p>
-          <a:p>
+              <a:t>Liste des recettes</a:t>
+            </a:r>
             <a:endParaRPr lang="fr-CH" dirty="0" smtClean="0">
               <a:solidFill>
                 <a:schemeClr val="tx1">
@@ -6644,6 +6737,7 @@
             </a:endParaRPr>
           </a:p>
           <a:p>
+            <a:pPr lvl="1"/>
             <a:r>
               <a:rPr lang="fr-CH" dirty="0" smtClean="0">
                 <a:solidFill>
@@ -6656,59 +6750,9 @@
                 <a:ea typeface="Adobe Heiti Std R" pitchFamily="34" charset="-128"/>
                 <a:cs typeface="Arial" panose="020B0604020202020204" pitchFamily="34" charset="0"/>
               </a:rPr>
-              <a:t>Une «</a:t>
-            </a:r>
-            <a:r>
-              <a:rPr lang="fr-CH" b="1" dirty="0" smtClean="0">
-                <a:solidFill>
-                  <a:schemeClr val="tx1">
-                    <a:lumMod val="75000"/>
-                    <a:lumOff val="25000"/>
-                  </a:schemeClr>
-                </a:solidFill>
-                <a:latin typeface="Arial" panose="020B0604020202020204" pitchFamily="34" charset="0"/>
-                <a:ea typeface="Adobe Heiti Std R" pitchFamily="34" charset="-128"/>
-                <a:cs typeface="Arial" panose="020B0604020202020204" pitchFamily="34" charset="0"/>
-              </a:rPr>
-              <a:t>session</a:t>
-            </a:r>
-            <a:r>
-              <a:rPr lang="fr-CH" dirty="0" smtClean="0">
-                <a:solidFill>
-                  <a:schemeClr val="tx1">
-                    <a:lumMod val="75000"/>
-                    <a:lumOff val="25000"/>
-                  </a:schemeClr>
-                </a:solidFill>
-                <a:latin typeface="Arial" panose="020B0604020202020204" pitchFamily="34" charset="0"/>
-                <a:ea typeface="Adobe Heiti Std R" pitchFamily="34" charset="-128"/>
-                <a:cs typeface="Arial" panose="020B0604020202020204" pitchFamily="34" charset="0"/>
-              </a:rPr>
-              <a:t>» :</a:t>
-            </a:r>
-          </a:p>
-          <a:p>
-            <a:pPr lvl="1"/>
-            <a:r>
-              <a:rPr lang="fr-CH" dirty="0" smtClean="0">
-                <a:solidFill>
-                  <a:schemeClr val="tx1">
-                    <a:lumMod val="75000"/>
-                    <a:lumOff val="25000"/>
-                  </a:schemeClr>
-                </a:solidFill>
-                <a:latin typeface="Arial" panose="020B0604020202020204" pitchFamily="34" charset="0"/>
-                <a:ea typeface="Adobe Heiti Std R" pitchFamily="34" charset="-128"/>
-                <a:cs typeface="Arial" panose="020B0604020202020204" pitchFamily="34" charset="0"/>
-              </a:rPr>
-              <a:t>C’est une période de rencontre (un rendez-vous) entre des pratiquants de ces sports</a:t>
-            </a:r>
-          </a:p>
-          <a:p>
-            <a:pPr marL="457200" lvl="1" indent="0">
-              <a:buNone/>
-            </a:pPr>
-            <a:endParaRPr lang="fr-CH" dirty="0">
+              <a:t>Une recette</a:t>
+            </a:r>
+            <a:endParaRPr lang="fr-CH" dirty="0" smtClean="0">
               <a:solidFill>
                 <a:schemeClr val="tx1">
                   <a:lumMod val="75000"/>
@@ -6721,6 +6765,7 @@
             </a:endParaRPr>
           </a:p>
           <a:p>
+            <a:pPr lvl="1"/>
             <a:r>
               <a:rPr lang="fr-CH" dirty="0" smtClean="0">
                 <a:solidFill>
@@ -6733,102 +6778,9 @@
                 <a:ea typeface="Adobe Heiti Std R" pitchFamily="34" charset="-128"/>
                 <a:cs typeface="Arial" panose="020B0604020202020204" pitchFamily="34" charset="0"/>
               </a:rPr>
-              <a:t>Un «</a:t>
-            </a:r>
-            <a:r>
-              <a:rPr lang="fr-CH" b="1" dirty="0" smtClean="0">
-                <a:solidFill>
-                  <a:schemeClr val="tx1">
-                    <a:lumMod val="75000"/>
-                    <a:lumOff val="25000"/>
-                  </a:schemeClr>
-                </a:solidFill>
-                <a:latin typeface="Arial" panose="020B0604020202020204" pitchFamily="34" charset="0"/>
-                <a:ea typeface="Adobe Heiti Std R" pitchFamily="34" charset="-128"/>
-                <a:cs typeface="Arial" panose="020B0604020202020204" pitchFamily="34" charset="0"/>
-              </a:rPr>
-              <a:t>spot</a:t>
-            </a:r>
-            <a:r>
-              <a:rPr lang="fr-CH" dirty="0" smtClean="0">
-                <a:solidFill>
-                  <a:schemeClr val="tx1">
-                    <a:lumMod val="75000"/>
-                    <a:lumOff val="25000"/>
-                  </a:schemeClr>
-                </a:solidFill>
-                <a:latin typeface="Arial" panose="020B0604020202020204" pitchFamily="34" charset="0"/>
-                <a:ea typeface="Adobe Heiti Std R" pitchFamily="34" charset="-128"/>
-                <a:cs typeface="Arial" panose="020B0604020202020204" pitchFamily="34" charset="0"/>
-              </a:rPr>
-              <a:t>» :</a:t>
-            </a:r>
-          </a:p>
-          <a:p>
-            <a:pPr lvl="1"/>
-            <a:r>
-              <a:rPr lang="fr-CH" dirty="0" smtClean="0">
-                <a:solidFill>
-                  <a:schemeClr val="tx1">
-                    <a:lumMod val="75000"/>
-                    <a:lumOff val="25000"/>
-                  </a:schemeClr>
-                </a:solidFill>
-                <a:latin typeface="Arial" panose="020B0604020202020204" pitchFamily="34" charset="0"/>
-                <a:ea typeface="Adobe Heiti Std R" pitchFamily="34" charset="-128"/>
-                <a:cs typeface="Arial" panose="020B0604020202020204" pitchFamily="34" charset="0"/>
-              </a:rPr>
-              <a:t>C’est un lieu où l’on peut pratiquer ces sports </a:t>
-            </a:r>
-          </a:p>
-          <a:p>
-            <a:pPr lvl="1"/>
-            <a:r>
-              <a:rPr lang="fr-CH" dirty="0" smtClean="0">
-                <a:solidFill>
-                  <a:schemeClr val="tx1">
-                    <a:lumMod val="75000"/>
-                    <a:lumOff val="25000"/>
-                  </a:schemeClr>
-                </a:solidFill>
-                <a:latin typeface="Arial" panose="020B0604020202020204" pitchFamily="34" charset="0"/>
-                <a:ea typeface="Adobe Heiti Std R" pitchFamily="34" charset="-128"/>
-                <a:cs typeface="Arial" panose="020B0604020202020204" pitchFamily="34" charset="0"/>
-              </a:rPr>
-              <a:t>Cela peut être un </a:t>
-            </a:r>
-            <a:r>
-              <a:rPr lang="fr-CH" dirty="0" err="1" smtClean="0">
-                <a:solidFill>
-                  <a:schemeClr val="tx1">
-                    <a:lumMod val="75000"/>
-                    <a:lumOff val="25000"/>
-                  </a:schemeClr>
-                </a:solidFill>
-                <a:latin typeface="Arial" panose="020B0604020202020204" pitchFamily="34" charset="0"/>
-                <a:ea typeface="Adobe Heiti Std R" pitchFamily="34" charset="-128"/>
-                <a:cs typeface="Arial" panose="020B0604020202020204" pitchFamily="34" charset="0"/>
-              </a:rPr>
-              <a:t>skatepark</a:t>
-            </a:r>
-            <a:r>
-              <a:rPr lang="fr-CH" dirty="0" smtClean="0">
-                <a:solidFill>
-                  <a:schemeClr val="tx1">
-                    <a:lumMod val="75000"/>
-                    <a:lumOff val="25000"/>
-                  </a:schemeClr>
-                </a:solidFill>
-                <a:latin typeface="Arial" panose="020B0604020202020204" pitchFamily="34" charset="0"/>
-                <a:ea typeface="Adobe Heiti Std R" pitchFamily="34" charset="-128"/>
-                <a:cs typeface="Arial" panose="020B0604020202020204" pitchFamily="34" charset="0"/>
-              </a:rPr>
-              <a:t>, une descente ou un autre lieu</a:t>
-            </a:r>
-          </a:p>
-          <a:p>
-            <a:pPr lvl="1"/>
-            <a:endParaRPr lang="fr-CH" dirty="0">
+              <a:t>Les commentaires d’un recette</a:t>
+            </a:r>
+            <a:endParaRPr lang="fr-CH" dirty="0" smtClean="0">
               <a:solidFill>
                 <a:schemeClr val="tx1">
                   <a:lumMod val="75000"/>
@@ -6841,6 +6793,7 @@
             </a:endParaRPr>
           </a:p>
           <a:p>
+            <a:pPr lvl="1"/>
             <a:r>
               <a:rPr lang="fr-CH" dirty="0" smtClean="0">
                 <a:solidFill>
@@ -6853,51 +6806,9 @@
                 <a:ea typeface="Adobe Heiti Std R" pitchFamily="34" charset="-128"/>
                 <a:cs typeface="Arial" panose="020B0604020202020204" pitchFamily="34" charset="0"/>
               </a:rPr>
-              <a:t>Une </a:t>
-            </a:r>
-            <a:r>
-              <a:rPr lang="fr-CH" b="1" dirty="0" smtClean="0">
-                <a:solidFill>
-                  <a:schemeClr val="tx1">
-                    <a:lumMod val="75000"/>
-                    <a:lumOff val="25000"/>
-                  </a:schemeClr>
-                </a:solidFill>
-                <a:latin typeface="Arial" panose="020B0604020202020204" pitchFamily="34" charset="0"/>
-                <a:ea typeface="Adobe Heiti Std R" pitchFamily="34" charset="-128"/>
-                <a:cs typeface="Arial" panose="020B0604020202020204" pitchFamily="34" charset="0"/>
-              </a:rPr>
-              <a:t>session</a:t>
-            </a:r>
-            <a:r>
-              <a:rPr lang="fr-CH" dirty="0" smtClean="0">
-                <a:solidFill>
-                  <a:schemeClr val="tx1">
-                    <a:lumMod val="75000"/>
-                    <a:lumOff val="25000"/>
-                  </a:schemeClr>
-                </a:solidFill>
-                <a:latin typeface="Arial" panose="020B0604020202020204" pitchFamily="34" charset="0"/>
-                <a:ea typeface="Adobe Heiti Std R" pitchFamily="34" charset="-128"/>
-                <a:cs typeface="Arial" panose="020B0604020202020204" pitchFamily="34" charset="0"/>
-              </a:rPr>
-              <a:t> se déroule généralement sur un </a:t>
-            </a:r>
-            <a:r>
-              <a:rPr lang="fr-CH" b="1" dirty="0" smtClean="0">
-                <a:solidFill>
-                  <a:schemeClr val="tx1">
-                    <a:lumMod val="75000"/>
-                    <a:lumOff val="25000"/>
-                  </a:schemeClr>
-                </a:solidFill>
-                <a:latin typeface="Arial" panose="020B0604020202020204" pitchFamily="34" charset="0"/>
-                <a:ea typeface="Adobe Heiti Std R" pitchFamily="34" charset="-128"/>
-                <a:cs typeface="Arial" panose="020B0604020202020204" pitchFamily="34" charset="0"/>
-              </a:rPr>
-              <a:t>spot</a:t>
-            </a:r>
-            <a:endParaRPr lang="fr-CH" b="1" dirty="0">
+              <a:t>Liste des utilisateurs</a:t>
+            </a:r>
+            <a:endParaRPr lang="fr-CH" dirty="0" smtClean="0">
               <a:solidFill>
                 <a:schemeClr val="tx1">
                   <a:lumMod val="75000"/>
@@ -6909,6 +6820,109 @@
               <a:cs typeface="Arial" panose="020B0604020202020204" pitchFamily="34" charset="0"/>
             </a:endParaRPr>
           </a:p>
+          <a:p>
+            <a:r>
+              <a:rPr lang="fr-CH" dirty="0" smtClean="0">
+                <a:solidFill>
+                  <a:schemeClr val="tx1">
+                    <a:lumMod val="75000"/>
+                    <a:lumOff val="25000"/>
+                  </a:schemeClr>
+                </a:solidFill>
+                <a:latin typeface="Arial" panose="020B0604020202020204" pitchFamily="34" charset="0"/>
+                <a:ea typeface="Adobe Heiti Std R" pitchFamily="34" charset="-128"/>
+                <a:cs typeface="Arial" panose="020B0604020202020204" pitchFamily="34" charset="0"/>
+              </a:rPr>
+              <a:t>Créer, Modifier et </a:t>
+            </a:r>
+            <a:r>
+              <a:rPr lang="fr-CH" dirty="0" smtClean="0">
+                <a:solidFill>
+                  <a:schemeClr val="tx1">
+                    <a:lumMod val="75000"/>
+                    <a:lumOff val="25000"/>
+                  </a:schemeClr>
+                </a:solidFill>
+                <a:latin typeface="Arial" panose="020B0604020202020204" pitchFamily="34" charset="0"/>
+                <a:ea typeface="Adobe Heiti Std R" pitchFamily="34" charset="-128"/>
+                <a:cs typeface="Arial" panose="020B0604020202020204" pitchFamily="34" charset="0"/>
+              </a:rPr>
+              <a:t>supprimer :</a:t>
+            </a:r>
+          </a:p>
+          <a:p>
+            <a:pPr lvl="1"/>
+            <a:r>
+              <a:rPr lang="fr-CH" dirty="0" smtClean="0">
+                <a:solidFill>
+                  <a:schemeClr val="tx1">
+                    <a:lumMod val="75000"/>
+                    <a:lumOff val="25000"/>
+                  </a:schemeClr>
+                </a:solidFill>
+                <a:latin typeface="Arial" panose="020B0604020202020204" pitchFamily="34" charset="0"/>
+                <a:ea typeface="Adobe Heiti Std R" pitchFamily="34" charset="-128"/>
+                <a:cs typeface="Arial" panose="020B0604020202020204" pitchFamily="34" charset="0"/>
+              </a:rPr>
+              <a:t>Des recettes</a:t>
+            </a:r>
+            <a:endParaRPr lang="fr-CH" dirty="0" smtClean="0">
+              <a:solidFill>
+                <a:schemeClr val="tx1">
+                  <a:lumMod val="75000"/>
+                  <a:lumOff val="25000"/>
+                </a:schemeClr>
+              </a:solidFill>
+              <a:latin typeface="Arial" panose="020B0604020202020204" pitchFamily="34" charset="0"/>
+              <a:ea typeface="Adobe Heiti Std R" pitchFamily="34" charset="-128"/>
+              <a:cs typeface="Arial" panose="020B0604020202020204" pitchFamily="34" charset="0"/>
+            </a:endParaRPr>
+          </a:p>
+          <a:p>
+            <a:pPr lvl="1"/>
+            <a:r>
+              <a:rPr lang="fr-CH" dirty="0" smtClean="0">
+                <a:solidFill>
+                  <a:schemeClr val="tx1">
+                    <a:lumMod val="75000"/>
+                    <a:lumOff val="25000"/>
+                  </a:schemeClr>
+                </a:solidFill>
+                <a:latin typeface="Arial" panose="020B0604020202020204" pitchFamily="34" charset="0"/>
+                <a:ea typeface="Adobe Heiti Std R" pitchFamily="34" charset="-128"/>
+                <a:cs typeface="Arial" panose="020B0604020202020204" pitchFamily="34" charset="0"/>
+              </a:rPr>
+              <a:t>Des commentaires</a:t>
+            </a:r>
+          </a:p>
+          <a:p>
+            <a:pPr lvl="1"/>
+            <a:r>
+              <a:rPr lang="fr-CH" dirty="0" smtClean="0">
+                <a:solidFill>
+                  <a:schemeClr val="tx1">
+                    <a:lumMod val="75000"/>
+                    <a:lumOff val="25000"/>
+                  </a:schemeClr>
+                </a:solidFill>
+                <a:latin typeface="Arial" panose="020B0604020202020204" pitchFamily="34" charset="0"/>
+                <a:ea typeface="Adobe Heiti Std R" pitchFamily="34" charset="-128"/>
+                <a:cs typeface="Arial" panose="020B0604020202020204" pitchFamily="34" charset="0"/>
+              </a:rPr>
+              <a:t>Des utilisateurs</a:t>
+            </a:r>
+            <a:endParaRPr lang="fr-CH" dirty="0" smtClean="0">
+              <a:solidFill>
+                <a:schemeClr val="tx1">
+                  <a:lumMod val="75000"/>
+                  <a:lumOff val="25000"/>
+                </a:schemeClr>
+              </a:solidFill>
+              <a:latin typeface="Arial" panose="020B0604020202020204" pitchFamily="34" charset="0"/>
+              <a:ea typeface="Adobe Heiti Std R" pitchFamily="34" charset="-128"/>
+              <a:cs typeface="Arial" panose="020B0604020202020204" pitchFamily="34" charset="0"/>
+            </a:endParaRPr>
+          </a:p>
         </p:txBody>
       </p:sp>
       <p:sp>
@@ -6941,10 +6955,33 @@
           </a:p>
         </p:txBody>
       </p:sp>
+      <p:sp>
+        <p:nvSpPr>
+          <p:cNvPr id="5" name="Espace réservé du pied de page 4"/>
+          <p:cNvSpPr>
+            <a:spLocks noGrp="1"/>
+          </p:cNvSpPr>
+          <p:nvPr>
+            <p:ph type="ftr" sz="quarter" idx="11"/>
+          </p:nvPr>
+        </p:nvSpPr>
+        <p:spPr/>
+        <p:txBody>
+          <a:bodyPr/>
+          <a:lstStyle/>
+          <a:p>
+            <a:r>
+              <a:rPr lang="fr-BE" smtClean="0"/>
+              <a:t>Cedric Dos Reis - TopRecettes</a:t>
+            </a:r>
+            <a:endParaRPr lang="fr-BE"/>
+          </a:p>
+        </p:txBody>
+      </p:sp>
     </p:spTree>
     <p:extLst>
       <p:ext uri="{BB962C8B-B14F-4D97-AF65-F5344CB8AC3E}">
-        <p14:creationId xmlns:p14="http://schemas.microsoft.com/office/powerpoint/2010/main" val="1529670921"/>
+        <p14:creationId xmlns:p14="http://schemas.microsoft.com/office/powerpoint/2010/main" val="137724576"/>
       </p:ext>
     </p:extLst>
   </p:cSld>
@@ -6994,225 +7031,10 @@
           <a:lstStyle/>
           <a:p>
             <a:r>
-              <a:rPr lang="fr-CH" dirty="0" smtClean="0"/>
-              <a:t>Caractéristiques </a:t>
-            </a:r>
-            <a:endParaRPr lang="fr-CH" dirty="0"/>
-          </a:p>
-        </p:txBody>
-      </p:sp>
-      <p:sp>
-        <p:nvSpPr>
-          <p:cNvPr id="3" name="Espace réservé du contenu 2"/>
-          <p:cNvSpPr>
-            <a:spLocks noGrp="1"/>
-          </p:cNvSpPr>
-          <p:nvPr>
-            <p:ph idx="1"/>
-          </p:nvPr>
-        </p:nvSpPr>
-        <p:spPr/>
-        <p:txBody>
-          <a:bodyPr/>
-          <a:lstStyle/>
-          <a:p>
-            <a:r>
-              <a:rPr lang="fr-CH" dirty="0" smtClean="0">
-                <a:solidFill>
-                  <a:schemeClr val="tx1">
-                    <a:lumMod val="75000"/>
-                    <a:lumOff val="25000"/>
-                  </a:schemeClr>
-                </a:solidFill>
-                <a:latin typeface="Arial" panose="020B0604020202020204" pitchFamily="34" charset="0"/>
-                <a:ea typeface="Adobe Heiti Std R" pitchFamily="34" charset="-128"/>
-                <a:cs typeface="Arial" panose="020B0604020202020204" pitchFamily="34" charset="0"/>
-              </a:rPr>
-              <a:t>S’inscrire et se connecter</a:t>
-            </a:r>
-          </a:p>
-          <a:p>
-            <a:r>
-              <a:rPr lang="fr-CH" dirty="0" smtClean="0">
-                <a:solidFill>
-                  <a:schemeClr val="tx1">
-                    <a:lumMod val="75000"/>
-                    <a:lumOff val="25000"/>
-                  </a:schemeClr>
-                </a:solidFill>
-                <a:latin typeface="Arial" panose="020B0604020202020204" pitchFamily="34" charset="0"/>
-                <a:ea typeface="Adobe Heiti Std R" pitchFamily="34" charset="-128"/>
-                <a:cs typeface="Arial" panose="020B0604020202020204" pitchFamily="34" charset="0"/>
-              </a:rPr>
-              <a:t>Consulter :</a:t>
-            </a:r>
-          </a:p>
-          <a:p>
-            <a:pPr lvl="1"/>
-            <a:r>
-              <a:rPr lang="fr-CH" dirty="0" smtClean="0">
-                <a:solidFill>
-                  <a:schemeClr val="tx1">
-                    <a:lumMod val="75000"/>
-                    <a:lumOff val="25000"/>
-                  </a:schemeClr>
-                </a:solidFill>
-                <a:latin typeface="Arial" panose="020B0604020202020204" pitchFamily="34" charset="0"/>
-                <a:ea typeface="Adobe Heiti Std R" pitchFamily="34" charset="-128"/>
-                <a:cs typeface="Arial" panose="020B0604020202020204" pitchFamily="34" charset="0"/>
-              </a:rPr>
-              <a:t>Liste des sessions</a:t>
-            </a:r>
-          </a:p>
-          <a:p>
-            <a:pPr lvl="1"/>
-            <a:r>
-              <a:rPr lang="fr-CH" dirty="0" smtClean="0">
-                <a:solidFill>
-                  <a:schemeClr val="tx1">
-                    <a:lumMod val="75000"/>
-                    <a:lumOff val="25000"/>
-                  </a:schemeClr>
-                </a:solidFill>
-                <a:latin typeface="Arial" panose="020B0604020202020204" pitchFamily="34" charset="0"/>
-                <a:ea typeface="Adobe Heiti Std R" pitchFamily="34" charset="-128"/>
-                <a:cs typeface="Arial" panose="020B0604020202020204" pitchFamily="34" charset="0"/>
-              </a:rPr>
-              <a:t>Liste des spots</a:t>
-            </a:r>
-          </a:p>
-          <a:p>
-            <a:pPr lvl="1"/>
-            <a:r>
-              <a:rPr lang="fr-CH" dirty="0" smtClean="0">
-                <a:solidFill>
-                  <a:schemeClr val="tx1">
-                    <a:lumMod val="75000"/>
-                    <a:lumOff val="25000"/>
-                  </a:schemeClr>
-                </a:solidFill>
-                <a:latin typeface="Arial" panose="020B0604020202020204" pitchFamily="34" charset="0"/>
-                <a:ea typeface="Adobe Heiti Std R" pitchFamily="34" charset="-128"/>
-                <a:cs typeface="Arial" panose="020B0604020202020204" pitchFamily="34" charset="0"/>
-              </a:rPr>
-              <a:t>Carte des spots</a:t>
-            </a:r>
-          </a:p>
-          <a:p>
-            <a:pPr lvl="1"/>
-            <a:r>
-              <a:rPr lang="fr-CH" dirty="0" smtClean="0">
-                <a:solidFill>
-                  <a:schemeClr val="tx1">
-                    <a:lumMod val="75000"/>
-                    <a:lumOff val="25000"/>
-                  </a:schemeClr>
-                </a:solidFill>
-                <a:latin typeface="Arial" panose="020B0604020202020204" pitchFamily="34" charset="0"/>
-                <a:ea typeface="Adobe Heiti Std R" pitchFamily="34" charset="-128"/>
-                <a:cs typeface="Arial" panose="020B0604020202020204" pitchFamily="34" charset="0"/>
-              </a:rPr>
-              <a:t>Une session détaillée </a:t>
-            </a:r>
-          </a:p>
-          <a:p>
-            <a:pPr lvl="1"/>
-            <a:r>
-              <a:rPr lang="fr-CH" dirty="0" smtClean="0">
-                <a:solidFill>
-                  <a:schemeClr val="tx1">
-                    <a:lumMod val="75000"/>
-                    <a:lumOff val="25000"/>
-                  </a:schemeClr>
-                </a:solidFill>
-                <a:latin typeface="Arial" panose="020B0604020202020204" pitchFamily="34" charset="0"/>
-                <a:ea typeface="Adobe Heiti Std R" pitchFamily="34" charset="-128"/>
-                <a:cs typeface="Arial" panose="020B0604020202020204" pitchFamily="34" charset="0"/>
-              </a:rPr>
-              <a:t>Un spot détaillé</a:t>
-            </a:r>
-          </a:p>
-          <a:p>
-            <a:r>
-              <a:rPr lang="fr-CH" dirty="0" smtClean="0">
-                <a:solidFill>
-                  <a:schemeClr val="tx1">
-                    <a:lumMod val="75000"/>
-                    <a:lumOff val="25000"/>
-                  </a:schemeClr>
-                </a:solidFill>
-                <a:latin typeface="Arial" panose="020B0604020202020204" pitchFamily="34" charset="0"/>
-                <a:ea typeface="Adobe Heiti Std R" pitchFamily="34" charset="-128"/>
-                <a:cs typeface="Arial" panose="020B0604020202020204" pitchFamily="34" charset="0"/>
-              </a:rPr>
-              <a:t>Créer et supprimer :</a:t>
-            </a:r>
-          </a:p>
-          <a:p>
-            <a:pPr lvl="1"/>
-            <a:r>
-              <a:rPr lang="fr-CH" dirty="0" smtClean="0">
-                <a:solidFill>
-                  <a:schemeClr val="tx1">
-                    <a:lumMod val="75000"/>
-                    <a:lumOff val="25000"/>
-                  </a:schemeClr>
-                </a:solidFill>
-                <a:latin typeface="Arial" panose="020B0604020202020204" pitchFamily="34" charset="0"/>
-                <a:ea typeface="Adobe Heiti Std R" pitchFamily="34" charset="-128"/>
-                <a:cs typeface="Arial" panose="020B0604020202020204" pitchFamily="34" charset="0"/>
-              </a:rPr>
-              <a:t>Des sessions</a:t>
-            </a:r>
-          </a:p>
-          <a:p>
-            <a:pPr lvl="1"/>
-            <a:r>
-              <a:rPr lang="fr-CH" dirty="0" smtClean="0">
-                <a:solidFill>
-                  <a:schemeClr val="tx1">
-                    <a:lumMod val="75000"/>
-                    <a:lumOff val="25000"/>
-                  </a:schemeClr>
-                </a:solidFill>
-                <a:latin typeface="Arial" panose="020B0604020202020204" pitchFamily="34" charset="0"/>
-                <a:ea typeface="Adobe Heiti Std R" pitchFamily="34" charset="-128"/>
-                <a:cs typeface="Arial" panose="020B0604020202020204" pitchFamily="34" charset="0"/>
-              </a:rPr>
-              <a:t>Des spots</a:t>
-            </a:r>
-          </a:p>
-          <a:p>
-            <a:r>
-              <a:rPr lang="fr-CH" dirty="0" smtClean="0">
-                <a:solidFill>
-                  <a:schemeClr val="tx1">
-                    <a:lumMod val="75000"/>
-                    <a:lumOff val="25000"/>
-                  </a:schemeClr>
-                </a:solidFill>
-                <a:latin typeface="Arial" panose="020B0604020202020204" pitchFamily="34" charset="0"/>
-                <a:ea typeface="Adobe Heiti Std R" pitchFamily="34" charset="-128"/>
-                <a:cs typeface="Arial" panose="020B0604020202020204" pitchFamily="34" charset="0"/>
-              </a:rPr>
-              <a:t>Gérer et supprimer des utilisateurs</a:t>
-            </a:r>
-          </a:p>
-          <a:p>
-            <a:pPr marL="457200" lvl="1" indent="0">
-              <a:buNone/>
-            </a:pPr>
-            <a:endParaRPr lang="fr-CH" dirty="0">
-              <a:solidFill>
-                <a:schemeClr val="tx1">
-                  <a:lumMod val="75000"/>
-                  <a:lumOff val="25000"/>
-                </a:schemeClr>
-              </a:solidFill>
-              <a:latin typeface="Arial" panose="020B0604020202020204" pitchFamily="34" charset="0"/>
-              <a:ea typeface="Adobe Heiti Std R" pitchFamily="34" charset="-128"/>
-              <a:cs typeface="Arial" panose="020B0604020202020204" pitchFamily="34" charset="0"/>
-            </a:endParaRPr>
+              <a:rPr lang="fr-CH" sz="4800" dirty="0" smtClean="0"/>
+              <a:t>Fonctionnalités</a:t>
+            </a:r>
+            <a:endParaRPr lang="fr-CH" sz="4800" dirty="0"/>
           </a:p>
         </p:txBody>
       </p:sp>
@@ -7246,13 +7068,38 @@
           </a:p>
         </p:txBody>
       </p:sp>
+      <p:sp>
+        <p:nvSpPr>
+          <p:cNvPr id="3" name="Espace réservé du pied de page 2"/>
+          <p:cNvSpPr>
+            <a:spLocks noGrp="1"/>
+          </p:cNvSpPr>
+          <p:nvPr>
+            <p:ph type="ftr" sz="quarter" idx="11"/>
+          </p:nvPr>
+        </p:nvSpPr>
+        <p:spPr/>
+        <p:txBody>
+          <a:bodyPr/>
+          <a:lstStyle/>
+          <a:p>
+            <a:r>
+              <a:rPr lang="fr-BE" smtClean="0"/>
+              <a:t>Cedric Dos Reis - TopRecettes</a:t>
+            </a:r>
+            <a:endParaRPr lang="fr-BE"/>
+          </a:p>
+        </p:txBody>
+      </p:sp>
       <p:pic>
         <p:nvPicPr>
-          <p:cNvPr id="5123" name="Picture 3" descr="C:\Users\PLOJOUXR_INFO\Downloads\iconmonstr-clipboard-5-icon-256.png"/>
+          <p:cNvPr id="7" name="Espace réservé du contenu 6"/>
           <p:cNvPicPr>
-            <a:picLocks noChangeAspect="1" noChangeArrowheads="1"/>
+            <a:picLocks noGrp="1" noChangeAspect="1"/>
           </p:cNvPicPr>
-          <p:nvPr/>
+          <p:nvPr>
+            <p:ph idx="1"/>
+          </p:nvPr>
         </p:nvPicPr>
         <p:blipFill>
           <a:blip r:embed="rId2">
@@ -7262,35 +7109,21 @@
               </a:ext>
             </a:extLst>
           </a:blip>
-          <a:srcRect/>
           <a:stretch>
             <a:fillRect/>
           </a:stretch>
         </p:blipFill>
-        <p:spPr bwMode="auto">
+        <p:spPr>
           <a:xfrm>
-            <a:off x="7236296" y="548680"/>
-            <a:ext cx="1219200" cy="1219200"/>
+            <a:off x="1189438" y="1600200"/>
+            <a:ext cx="6765123" cy="4525963"/>
           </a:xfrm>
-          <a:prstGeom prst="rect">
-            <a:avLst/>
-          </a:prstGeom>
-          <a:noFill/>
-          <a:extLst>
-            <a:ext uri="{909E8E84-426E-40DD-AFC4-6F175D3DCCD1}">
-              <a14:hiddenFill xmlns:a14="http://schemas.microsoft.com/office/drawing/2010/main">
-                <a:solidFill>
-                  <a:srgbClr val="FFFFFF"/>
-                </a:solidFill>
-              </a14:hiddenFill>
-            </a:ext>
-          </a:extLst>
         </p:spPr>
       </p:pic>
     </p:spTree>
     <p:extLst>
       <p:ext uri="{BB962C8B-B14F-4D97-AF65-F5344CB8AC3E}">
-        <p14:creationId xmlns:p14="http://schemas.microsoft.com/office/powerpoint/2010/main" val="137724576"/>
+        <p14:creationId xmlns:p14="http://schemas.microsoft.com/office/powerpoint/2010/main" val="1757963177"/>
       </p:ext>
     </p:extLst>
   </p:cSld>
@@ -7340,10 +7173,10 @@
           <a:lstStyle/>
           <a:p>
             <a:r>
-              <a:rPr lang="fr-CH" sz="4800" dirty="0" smtClean="0"/>
-              <a:t>Plan de navigation</a:t>
-            </a:r>
-            <a:endParaRPr lang="fr-CH" sz="4800" dirty="0"/>
+              <a:rPr lang="fr-CH" dirty="0" smtClean="0"/>
+              <a:t>Analyse</a:t>
+            </a:r>
+            <a:endParaRPr lang="fr-CH" dirty="0"/>
           </a:p>
         </p:txBody>
       </p:sp>
@@ -7377,47 +7210,441 @@
           </a:p>
         </p:txBody>
       </p:sp>
-      <p:pic>
-        <p:nvPicPr>
-          <p:cNvPr id="5" name="Espace réservé du contenu 4" descr="C:\Users\PLOJOUXR_INFO\Downloads\plan_de_nav (4).png"/>
-          <p:cNvPicPr>
-            <a:picLocks noGrp="1"/>
-          </p:cNvPicPr>
+      <p:sp>
+        <p:nvSpPr>
+          <p:cNvPr id="3" name="Espace réservé du contenu 2"/>
+          <p:cNvSpPr>
+            <a:spLocks noGrp="1"/>
+          </p:cNvSpPr>
           <p:nvPr>
             <p:ph idx="1"/>
           </p:nvPr>
-        </p:nvPicPr>
-        <p:blipFill>
-          <a:blip r:embed="rId2" cstate="print">
-            <a:extLst>
-              <a:ext uri="{28A0092B-C50C-407E-A947-70E740481C1C}">
-                <a14:useLocalDpi xmlns:a14="http://schemas.microsoft.com/office/drawing/2010/main" val="0"/>
-              </a:ext>
-            </a:extLst>
-          </a:blip>
-          <a:srcRect/>
-          <a:stretch>
-            <a:fillRect/>
-          </a:stretch>
-        </p:blipFill>
-        <p:spPr bwMode="auto">
-          <a:xfrm>
-            <a:off x="899592" y="1628800"/>
-            <a:ext cx="7704856" cy="4680520"/>
-          </a:xfrm>
-          <a:prstGeom prst="rect">
-            <a:avLst/>
-          </a:prstGeom>
-          <a:noFill/>
-          <a:ln>
-            <a:noFill/>
-          </a:ln>
-        </p:spPr>
-      </p:pic>
+        </p:nvSpPr>
+        <p:spPr/>
+        <p:txBody>
+          <a:bodyPr/>
+          <a:lstStyle/>
+          <a:p>
+            <a:r>
+              <a:rPr lang="fr-CH" dirty="0" smtClean="0">
+                <a:solidFill>
+                  <a:schemeClr val="tx1">
+                    <a:lumMod val="75000"/>
+                    <a:lumOff val="25000"/>
+                  </a:schemeClr>
+                </a:solidFill>
+                <a:latin typeface="Arial" panose="020B0604020202020204" pitchFamily="34" charset="0"/>
+                <a:ea typeface="Adobe Heiti Std R" pitchFamily="34" charset="-128"/>
+                <a:cs typeface="Arial" panose="020B0604020202020204" pitchFamily="34" charset="0"/>
+              </a:rPr>
+              <a:t>Objectif globale du site WEB :</a:t>
+            </a:r>
+          </a:p>
+          <a:p>
+            <a:pPr lvl="1"/>
+            <a:r>
+              <a:rPr lang="fr-CH" dirty="0" smtClean="0">
+                <a:solidFill>
+                  <a:schemeClr val="tx1">
+                    <a:lumMod val="75000"/>
+                    <a:lumOff val="25000"/>
+                  </a:schemeClr>
+                </a:solidFill>
+                <a:latin typeface="Arial" panose="020B0604020202020204" pitchFamily="34" charset="0"/>
+                <a:ea typeface="Adobe Heiti Std R" pitchFamily="34" charset="-128"/>
+                <a:cs typeface="Arial" panose="020B0604020202020204" pitchFamily="34" charset="0"/>
+              </a:rPr>
+              <a:t>La page d’accueil</a:t>
+            </a:r>
+          </a:p>
+          <a:p>
+            <a:pPr lvl="2"/>
+            <a:r>
+              <a:rPr lang="fr-CH" dirty="0" smtClean="0">
+                <a:solidFill>
+                  <a:schemeClr val="tx1">
+                    <a:lumMod val="75000"/>
+                    <a:lumOff val="25000"/>
+                  </a:schemeClr>
+                </a:solidFill>
+                <a:latin typeface="Arial" panose="020B0604020202020204" pitchFamily="34" charset="0"/>
+                <a:ea typeface="Adobe Heiti Std R" pitchFamily="34" charset="-128"/>
+                <a:cs typeface="Arial" panose="020B0604020202020204" pitchFamily="34" charset="0"/>
+              </a:rPr>
+              <a:t>Afficher </a:t>
+            </a:r>
+            <a:r>
+              <a:rPr lang="fr-CH" dirty="0">
+                <a:solidFill>
+                  <a:schemeClr val="tx1">
+                    <a:lumMod val="75000"/>
+                    <a:lumOff val="25000"/>
+                  </a:schemeClr>
+                </a:solidFill>
+                <a:latin typeface="Arial" panose="020B0604020202020204" pitchFamily="34" charset="0"/>
+                <a:ea typeface="Adobe Heiti Std R" pitchFamily="34" charset="-128"/>
+                <a:cs typeface="Arial" panose="020B0604020202020204" pitchFamily="34" charset="0"/>
+              </a:rPr>
+              <a:t>l</a:t>
+            </a:r>
+            <a:r>
+              <a:rPr lang="fr-CH" dirty="0" smtClean="0">
+                <a:solidFill>
+                  <a:schemeClr val="tx1">
+                    <a:lumMod val="75000"/>
+                    <a:lumOff val="25000"/>
+                  </a:schemeClr>
+                </a:solidFill>
+                <a:latin typeface="Arial" panose="020B0604020202020204" pitchFamily="34" charset="0"/>
+                <a:ea typeface="Adobe Heiti Std R" pitchFamily="34" charset="-128"/>
+                <a:cs typeface="Arial" panose="020B0604020202020204" pitchFamily="34" charset="0"/>
+              </a:rPr>
+              <a:t>es meilleures recettes</a:t>
+            </a:r>
+            <a:endParaRPr lang="fr-CH" dirty="0" smtClean="0">
+              <a:solidFill>
+                <a:schemeClr val="tx1">
+                  <a:lumMod val="75000"/>
+                  <a:lumOff val="25000"/>
+                </a:schemeClr>
+              </a:solidFill>
+              <a:latin typeface="Arial" panose="020B0604020202020204" pitchFamily="34" charset="0"/>
+              <a:ea typeface="Adobe Heiti Std R" pitchFamily="34" charset="-128"/>
+              <a:cs typeface="Arial" panose="020B0604020202020204" pitchFamily="34" charset="0"/>
+            </a:endParaRPr>
+          </a:p>
+          <a:p>
+            <a:pPr lvl="2"/>
+            <a:r>
+              <a:rPr lang="fr-CH" dirty="0">
+                <a:solidFill>
+                  <a:schemeClr val="tx1">
+                    <a:lumMod val="75000"/>
+                    <a:lumOff val="25000"/>
+                  </a:schemeClr>
+                </a:solidFill>
+                <a:latin typeface="Arial" panose="020B0604020202020204" pitchFamily="34" charset="0"/>
+                <a:ea typeface="Adobe Heiti Std R" pitchFamily="34" charset="-128"/>
+                <a:cs typeface="Arial" panose="020B0604020202020204" pitchFamily="34" charset="0"/>
+              </a:rPr>
+              <a:t>Afficher les </a:t>
+            </a:r>
+            <a:r>
+              <a:rPr lang="fr-CH" dirty="0" err="1" smtClean="0">
+                <a:solidFill>
+                  <a:schemeClr val="tx1">
+                    <a:lumMod val="75000"/>
+                    <a:lumOff val="25000"/>
+                  </a:schemeClr>
+                </a:solidFill>
+                <a:latin typeface="Arial" panose="020B0604020202020204" pitchFamily="34" charset="0"/>
+                <a:ea typeface="Adobe Heiti Std R" pitchFamily="34" charset="-128"/>
+                <a:cs typeface="Arial" panose="020B0604020202020204" pitchFamily="34" charset="0"/>
+              </a:rPr>
+              <a:t>derniere</a:t>
+            </a:r>
+            <a:r>
+              <a:rPr lang="fr-CH" dirty="0" smtClean="0">
+                <a:solidFill>
+                  <a:schemeClr val="tx1">
+                    <a:lumMod val="75000"/>
+                    <a:lumOff val="25000"/>
+                  </a:schemeClr>
+                </a:solidFill>
+                <a:latin typeface="Arial" panose="020B0604020202020204" pitchFamily="34" charset="0"/>
+                <a:ea typeface="Adobe Heiti Std R" pitchFamily="34" charset="-128"/>
+                <a:cs typeface="Arial" panose="020B0604020202020204" pitchFamily="34" charset="0"/>
+              </a:rPr>
+              <a:t> recettes</a:t>
+            </a:r>
+            <a:endParaRPr lang="fr-CH" dirty="0" smtClean="0">
+              <a:solidFill>
+                <a:schemeClr val="tx1">
+                  <a:lumMod val="75000"/>
+                  <a:lumOff val="25000"/>
+                </a:schemeClr>
+              </a:solidFill>
+              <a:latin typeface="Arial" panose="020B0604020202020204" pitchFamily="34" charset="0"/>
+              <a:ea typeface="Adobe Heiti Std R" pitchFamily="34" charset="-128"/>
+              <a:cs typeface="Arial" panose="020B0604020202020204" pitchFamily="34" charset="0"/>
+            </a:endParaRPr>
+          </a:p>
+          <a:p>
+            <a:pPr lvl="2"/>
+            <a:r>
+              <a:rPr lang="fr-CH" dirty="0" smtClean="0">
+                <a:solidFill>
+                  <a:schemeClr val="tx1">
+                    <a:lumMod val="75000"/>
+                    <a:lumOff val="25000"/>
+                  </a:schemeClr>
+                </a:solidFill>
+                <a:latin typeface="Arial" panose="020B0604020202020204" pitchFamily="34" charset="0"/>
+                <a:ea typeface="Adobe Heiti Std R" pitchFamily="34" charset="-128"/>
+                <a:cs typeface="Arial" panose="020B0604020202020204" pitchFamily="34" charset="0"/>
+              </a:rPr>
+              <a:t>Inciter </a:t>
+            </a:r>
+            <a:r>
+              <a:rPr lang="fr-CH" dirty="0" smtClean="0">
+                <a:solidFill>
+                  <a:schemeClr val="tx1">
+                    <a:lumMod val="75000"/>
+                    <a:lumOff val="25000"/>
+                  </a:schemeClr>
+                </a:solidFill>
+                <a:latin typeface="Arial" panose="020B0604020202020204" pitchFamily="34" charset="0"/>
+                <a:ea typeface="Adobe Heiti Std R" pitchFamily="34" charset="-128"/>
+                <a:cs typeface="Arial" panose="020B0604020202020204" pitchFamily="34" charset="0"/>
+              </a:rPr>
+              <a:t>l’utilisateur à s’inscrire</a:t>
+            </a:r>
+          </a:p>
+          <a:p>
+            <a:pPr lvl="1"/>
+            <a:r>
+              <a:rPr lang="fr-CH" dirty="0" smtClean="0">
+                <a:solidFill>
+                  <a:schemeClr val="tx1">
+                    <a:lumMod val="75000"/>
+                    <a:lumOff val="25000"/>
+                  </a:schemeClr>
+                </a:solidFill>
+                <a:latin typeface="Arial" panose="020B0604020202020204" pitchFamily="34" charset="0"/>
+                <a:ea typeface="Adobe Heiti Std R" pitchFamily="34" charset="-128"/>
+                <a:cs typeface="Arial" panose="020B0604020202020204" pitchFamily="34" charset="0"/>
+              </a:rPr>
+              <a:t>L’affichage des sessions et des spots</a:t>
+            </a:r>
+          </a:p>
+          <a:p>
+            <a:pPr lvl="2"/>
+            <a:r>
+              <a:rPr lang="fr-CH" dirty="0" smtClean="0">
+                <a:solidFill>
+                  <a:schemeClr val="tx1">
+                    <a:lumMod val="75000"/>
+                    <a:lumOff val="25000"/>
+                  </a:schemeClr>
+                </a:solidFill>
+                <a:latin typeface="Arial" panose="020B0604020202020204" pitchFamily="34" charset="0"/>
+                <a:ea typeface="Adobe Heiti Std R" pitchFamily="34" charset="-128"/>
+                <a:cs typeface="Arial" panose="020B0604020202020204" pitchFamily="34" charset="0"/>
+              </a:rPr>
+              <a:t>Afficher les sessions et les spots sous forme de liste</a:t>
+            </a:r>
+          </a:p>
+          <a:p>
+            <a:pPr lvl="2"/>
+            <a:r>
+              <a:rPr lang="fr-CH" dirty="0" smtClean="0">
+                <a:solidFill>
+                  <a:schemeClr val="tx1">
+                    <a:lumMod val="75000"/>
+                    <a:lumOff val="25000"/>
+                  </a:schemeClr>
+                </a:solidFill>
+                <a:latin typeface="Arial" panose="020B0604020202020204" pitchFamily="34" charset="0"/>
+                <a:ea typeface="Adobe Heiti Std R" pitchFamily="34" charset="-128"/>
+                <a:cs typeface="Arial" panose="020B0604020202020204" pitchFamily="34" charset="0"/>
+              </a:rPr>
+              <a:t>Simplifier la navigation</a:t>
+            </a:r>
+          </a:p>
+          <a:p>
+            <a:pPr lvl="1"/>
+            <a:r>
+              <a:rPr lang="fr-CH" dirty="0" smtClean="0">
+                <a:solidFill>
+                  <a:schemeClr val="tx1">
+                    <a:lumMod val="75000"/>
+                    <a:lumOff val="25000"/>
+                  </a:schemeClr>
+                </a:solidFill>
+                <a:latin typeface="Arial" panose="020B0604020202020204" pitchFamily="34" charset="0"/>
+                <a:ea typeface="Adobe Heiti Std R" pitchFamily="34" charset="-128"/>
+                <a:cs typeface="Arial" panose="020B0604020202020204" pitchFamily="34" charset="0"/>
+              </a:rPr>
+              <a:t>La carte des spots</a:t>
+            </a:r>
+          </a:p>
+          <a:p>
+            <a:pPr lvl="2"/>
+            <a:r>
+              <a:rPr lang="fr-CH" dirty="0" smtClean="0">
+                <a:solidFill>
+                  <a:schemeClr val="tx1">
+                    <a:lumMod val="75000"/>
+                    <a:lumOff val="25000"/>
+                  </a:schemeClr>
+                </a:solidFill>
+                <a:latin typeface="Arial" panose="020B0604020202020204" pitchFamily="34" charset="0"/>
+                <a:ea typeface="Adobe Heiti Std R" pitchFamily="34" charset="-128"/>
+                <a:cs typeface="Arial" panose="020B0604020202020204" pitchFamily="34" charset="0"/>
+              </a:rPr>
+              <a:t>Affiche les spots sous forme de marqueurs sur une carte Google </a:t>
+            </a:r>
+            <a:r>
+              <a:rPr lang="fr-CH" dirty="0" err="1" smtClean="0">
+                <a:solidFill>
+                  <a:schemeClr val="tx1">
+                    <a:lumMod val="75000"/>
+                    <a:lumOff val="25000"/>
+                  </a:schemeClr>
+                </a:solidFill>
+                <a:latin typeface="Arial" panose="020B0604020202020204" pitchFamily="34" charset="0"/>
+                <a:ea typeface="Adobe Heiti Std R" pitchFamily="34" charset="-128"/>
+                <a:cs typeface="Arial" panose="020B0604020202020204" pitchFamily="34" charset="0"/>
+              </a:rPr>
+              <a:t>Maps</a:t>
+            </a:r>
+            <a:endParaRPr lang="fr-CH" dirty="0" smtClean="0">
+              <a:solidFill>
+                <a:schemeClr val="tx1">
+                  <a:lumMod val="75000"/>
+                  <a:lumOff val="25000"/>
+                </a:schemeClr>
+              </a:solidFill>
+              <a:latin typeface="Arial" panose="020B0604020202020204" pitchFamily="34" charset="0"/>
+              <a:ea typeface="Adobe Heiti Std R" pitchFamily="34" charset="-128"/>
+              <a:cs typeface="Arial" panose="020B0604020202020204" pitchFamily="34" charset="0"/>
+            </a:endParaRPr>
+          </a:p>
+          <a:p>
+            <a:pPr lvl="1"/>
+            <a:r>
+              <a:rPr lang="fr-CH" dirty="0" smtClean="0">
+                <a:solidFill>
+                  <a:schemeClr val="tx1">
+                    <a:lumMod val="75000"/>
+                    <a:lumOff val="25000"/>
+                  </a:schemeClr>
+                </a:solidFill>
+                <a:latin typeface="Arial" panose="020B0604020202020204" pitchFamily="34" charset="0"/>
+                <a:ea typeface="Adobe Heiti Std R" pitchFamily="34" charset="-128"/>
+                <a:cs typeface="Arial" panose="020B0604020202020204" pitchFamily="34" charset="0"/>
+              </a:rPr>
+              <a:t>Administration </a:t>
+            </a:r>
+          </a:p>
+          <a:p>
+            <a:pPr lvl="2"/>
+            <a:r>
+              <a:rPr lang="fr-CH" dirty="0" smtClean="0">
+                <a:solidFill>
+                  <a:schemeClr val="tx1">
+                    <a:lumMod val="75000"/>
+                    <a:lumOff val="25000"/>
+                  </a:schemeClr>
+                </a:solidFill>
+                <a:latin typeface="Arial" panose="020B0604020202020204" pitchFamily="34" charset="0"/>
+                <a:ea typeface="Adobe Heiti Std R" pitchFamily="34" charset="-128"/>
+                <a:cs typeface="Arial" panose="020B0604020202020204" pitchFamily="34" charset="0"/>
+              </a:rPr>
+              <a:t>Gérer </a:t>
+            </a:r>
+            <a:r>
+              <a:rPr lang="fr-CH" dirty="0">
+                <a:solidFill>
+                  <a:schemeClr val="tx1">
+                    <a:lumMod val="75000"/>
+                    <a:lumOff val="25000"/>
+                  </a:schemeClr>
+                </a:solidFill>
+                <a:latin typeface="Arial" panose="020B0604020202020204" pitchFamily="34" charset="0"/>
+                <a:ea typeface="Adobe Heiti Std R" pitchFamily="34" charset="-128"/>
+                <a:cs typeface="Arial" panose="020B0604020202020204" pitchFamily="34" charset="0"/>
+              </a:rPr>
+              <a:t>l</a:t>
+            </a:r>
+            <a:r>
+              <a:rPr lang="fr-CH" dirty="0" smtClean="0">
+                <a:solidFill>
+                  <a:schemeClr val="tx1">
+                    <a:lumMod val="75000"/>
+                    <a:lumOff val="25000"/>
+                  </a:schemeClr>
+                </a:solidFill>
+                <a:latin typeface="Arial" panose="020B0604020202020204" pitchFamily="34" charset="0"/>
+                <a:ea typeface="Adobe Heiti Std R" pitchFamily="34" charset="-128"/>
+                <a:cs typeface="Arial" panose="020B0604020202020204" pitchFamily="34" charset="0"/>
+              </a:rPr>
+              <a:t>es utilisateurs, les sessions et les spots</a:t>
+            </a:r>
+          </a:p>
+          <a:p>
+            <a:pPr lvl="2"/>
+            <a:endParaRPr lang="fr-CH" dirty="0" smtClean="0">
+              <a:solidFill>
+                <a:schemeClr val="tx1">
+                  <a:lumMod val="75000"/>
+                  <a:lumOff val="25000"/>
+                </a:schemeClr>
+              </a:solidFill>
+              <a:latin typeface="Arial" panose="020B0604020202020204" pitchFamily="34" charset="0"/>
+              <a:ea typeface="Adobe Heiti Std R" pitchFamily="34" charset="-128"/>
+              <a:cs typeface="Arial" panose="020B0604020202020204" pitchFamily="34" charset="0"/>
+            </a:endParaRPr>
+          </a:p>
+          <a:p>
+            <a:pPr marL="457200" lvl="1" indent="0">
+              <a:buNone/>
+            </a:pPr>
+            <a:endParaRPr lang="fr-CH" dirty="0" smtClean="0">
+              <a:solidFill>
+                <a:schemeClr val="tx1">
+                  <a:lumMod val="75000"/>
+                  <a:lumOff val="25000"/>
+                </a:schemeClr>
+              </a:solidFill>
+              <a:latin typeface="Arial" panose="020B0604020202020204" pitchFamily="34" charset="0"/>
+              <a:ea typeface="Adobe Heiti Std R" pitchFamily="34" charset="-128"/>
+              <a:cs typeface="Arial" panose="020B0604020202020204" pitchFamily="34" charset="0"/>
+            </a:endParaRPr>
+          </a:p>
+          <a:p>
+            <a:pPr lvl="1"/>
+            <a:endParaRPr lang="fr-CH" dirty="0">
+              <a:solidFill>
+                <a:schemeClr val="tx1">
+                  <a:lumMod val="75000"/>
+                  <a:lumOff val="25000"/>
+                </a:schemeClr>
+              </a:solidFill>
+              <a:latin typeface="Arial" panose="020B0604020202020204" pitchFamily="34" charset="0"/>
+              <a:ea typeface="Adobe Heiti Std R" pitchFamily="34" charset="-128"/>
+              <a:cs typeface="Arial" panose="020B0604020202020204" pitchFamily="34" charset="0"/>
+            </a:endParaRPr>
+          </a:p>
+        </p:txBody>
+      </p:sp>
+      <p:sp>
+        <p:nvSpPr>
+          <p:cNvPr id="5" name="Espace réservé du pied de page 4"/>
+          <p:cNvSpPr>
+            <a:spLocks noGrp="1"/>
+          </p:cNvSpPr>
+          <p:nvPr>
+            <p:ph type="ftr" sz="quarter" idx="11"/>
+          </p:nvPr>
+        </p:nvSpPr>
+        <p:spPr/>
+        <p:txBody>
+          <a:bodyPr/>
+          <a:lstStyle/>
+          <a:p>
+            <a:r>
+              <a:rPr lang="fr-BE" smtClean="0"/>
+              <a:t>Cedric Dos Reis - TopRecettes</a:t>
+            </a:r>
+            <a:endParaRPr lang="fr-BE"/>
+          </a:p>
+        </p:txBody>
+      </p:sp>
     </p:spTree>
     <p:extLst>
       <p:ext uri="{BB962C8B-B14F-4D97-AF65-F5344CB8AC3E}">
-        <p14:creationId xmlns:p14="http://schemas.microsoft.com/office/powerpoint/2010/main" val="1757963177"/>
+        <p14:creationId xmlns:p14="http://schemas.microsoft.com/office/powerpoint/2010/main" val="2585740278"/>
       </p:ext>
     </p:extLst>
   </p:cSld>
@@ -7468,7 +7695,7 @@
           <a:p>
             <a:r>
               <a:rPr lang="fr-CH" dirty="0" smtClean="0"/>
-              <a:t>Analyse</a:t>
+              <a:t>Page d’accueil</a:t>
             </a:r>
             <a:endParaRPr lang="fr-CH" dirty="0"/>
           </a:p>
@@ -7531,45 +7758,10 @@
                 <a:ea typeface="Adobe Heiti Std R" pitchFamily="34" charset="-128"/>
                 <a:cs typeface="Arial" panose="020B0604020202020204" pitchFamily="34" charset="0"/>
               </a:rPr>
-              <a:t>Objectif globale du site WEB :</a:t>
-            </a:r>
-          </a:p>
-          <a:p>
-            <a:pPr lvl="1"/>
-            <a:r>
-              <a:rPr lang="fr-CH" dirty="0" smtClean="0">
-                <a:solidFill>
-                  <a:schemeClr val="tx1">
-                    <a:lumMod val="75000"/>
-                    <a:lumOff val="25000"/>
-                  </a:schemeClr>
-                </a:solidFill>
-                <a:latin typeface="Arial" panose="020B0604020202020204" pitchFamily="34" charset="0"/>
-                <a:ea typeface="Adobe Heiti Std R" pitchFamily="34" charset="-128"/>
-                <a:cs typeface="Arial" panose="020B0604020202020204" pitchFamily="34" charset="0"/>
-              </a:rPr>
-              <a:t>La page d’accueil</a:t>
-            </a:r>
-          </a:p>
-          <a:p>
-            <a:pPr lvl="2"/>
-            <a:r>
-              <a:rPr lang="fr-CH" dirty="0" smtClean="0">
-                <a:solidFill>
-                  <a:schemeClr val="tx1">
-                    <a:lumMod val="75000"/>
-                    <a:lumOff val="25000"/>
-                  </a:schemeClr>
-                </a:solidFill>
-                <a:latin typeface="Arial" panose="020B0604020202020204" pitchFamily="34" charset="0"/>
-                <a:ea typeface="Adobe Heiti Std R" pitchFamily="34" charset="-128"/>
-                <a:cs typeface="Arial" panose="020B0604020202020204" pitchFamily="34" charset="0"/>
-              </a:rPr>
               <a:t>Afficher les sessions à venir </a:t>
             </a:r>
           </a:p>
           <a:p>
-            <a:pPr lvl="2"/>
             <a:r>
               <a:rPr lang="fr-CH" dirty="0" smtClean="0">
                 <a:solidFill>
@@ -7599,177 +7791,8 @@
                 <a:ea typeface="Adobe Heiti Std R" pitchFamily="34" charset="-128"/>
                 <a:cs typeface="Arial" panose="020B0604020202020204" pitchFamily="34" charset="0"/>
               </a:rPr>
-              <a:t>L’affichage des sessions et des spots</a:t>
-            </a:r>
-          </a:p>
-          <a:p>
-            <a:pPr lvl="2"/>
-            <a:r>
-              <a:rPr lang="fr-CH" dirty="0" smtClean="0">
-                <a:solidFill>
-                  <a:schemeClr val="tx1">
-                    <a:lumMod val="75000"/>
-                    <a:lumOff val="25000"/>
-                  </a:schemeClr>
-                </a:solidFill>
-                <a:latin typeface="Arial" panose="020B0604020202020204" pitchFamily="34" charset="0"/>
-                <a:ea typeface="Adobe Heiti Std R" pitchFamily="34" charset="-128"/>
-                <a:cs typeface="Arial" panose="020B0604020202020204" pitchFamily="34" charset="0"/>
-              </a:rPr>
-              <a:t>Afficher les sessions et les spots sous forme de liste</a:t>
-            </a:r>
-          </a:p>
-          <a:p>
-            <a:pPr lvl="2"/>
-            <a:r>
-              <a:rPr lang="fr-CH" dirty="0" smtClean="0">
-                <a:solidFill>
-                  <a:schemeClr val="tx1">
-                    <a:lumMod val="75000"/>
-                    <a:lumOff val="25000"/>
-                  </a:schemeClr>
-                </a:solidFill>
-                <a:latin typeface="Arial" panose="020B0604020202020204" pitchFamily="34" charset="0"/>
-                <a:ea typeface="Adobe Heiti Std R" pitchFamily="34" charset="-128"/>
-                <a:cs typeface="Arial" panose="020B0604020202020204" pitchFamily="34" charset="0"/>
-              </a:rPr>
-              <a:t>Simplifier la navigation</a:t>
-            </a:r>
-          </a:p>
-          <a:p>
-            <a:pPr lvl="1"/>
-            <a:r>
-              <a:rPr lang="fr-CH" dirty="0" smtClean="0">
-                <a:solidFill>
-                  <a:schemeClr val="tx1">
-                    <a:lumMod val="75000"/>
-                    <a:lumOff val="25000"/>
-                  </a:schemeClr>
-                </a:solidFill>
-                <a:latin typeface="Arial" panose="020B0604020202020204" pitchFamily="34" charset="0"/>
-                <a:ea typeface="Adobe Heiti Std R" pitchFamily="34" charset="-128"/>
-                <a:cs typeface="Arial" panose="020B0604020202020204" pitchFamily="34" charset="0"/>
-              </a:rPr>
-              <a:t>La carte des spots</a:t>
-            </a:r>
-          </a:p>
-          <a:p>
-            <a:pPr lvl="2"/>
-            <a:r>
-              <a:rPr lang="fr-CH" dirty="0" smtClean="0">
-                <a:solidFill>
-                  <a:schemeClr val="tx1">
-                    <a:lumMod val="75000"/>
-                    <a:lumOff val="25000"/>
-                  </a:schemeClr>
-                </a:solidFill>
-                <a:latin typeface="Arial" panose="020B0604020202020204" pitchFamily="34" charset="0"/>
-                <a:ea typeface="Adobe Heiti Std R" pitchFamily="34" charset="-128"/>
-                <a:cs typeface="Arial" panose="020B0604020202020204" pitchFamily="34" charset="0"/>
-              </a:rPr>
-              <a:t>Affiche les spots sous forme de marqueurs sur une carte Google </a:t>
-            </a:r>
-            <a:r>
-              <a:rPr lang="fr-CH" dirty="0" err="1" smtClean="0">
-                <a:solidFill>
-                  <a:schemeClr val="tx1">
-                    <a:lumMod val="75000"/>
-                    <a:lumOff val="25000"/>
-                  </a:schemeClr>
-                </a:solidFill>
-                <a:latin typeface="Arial" panose="020B0604020202020204" pitchFamily="34" charset="0"/>
-                <a:ea typeface="Adobe Heiti Std R" pitchFamily="34" charset="-128"/>
-                <a:cs typeface="Arial" panose="020B0604020202020204" pitchFamily="34" charset="0"/>
-              </a:rPr>
-              <a:t>Maps</a:t>
-            </a:r>
-            <a:endParaRPr lang="fr-CH" dirty="0" smtClean="0">
-              <a:solidFill>
-                <a:schemeClr val="tx1">
-                  <a:lumMod val="75000"/>
-                  <a:lumOff val="25000"/>
-                </a:schemeClr>
-              </a:solidFill>
-              <a:latin typeface="Arial" panose="020B0604020202020204" pitchFamily="34" charset="0"/>
-              <a:ea typeface="Adobe Heiti Std R" pitchFamily="34" charset="-128"/>
-              <a:cs typeface="Arial" panose="020B0604020202020204" pitchFamily="34" charset="0"/>
-            </a:endParaRPr>
-          </a:p>
-          <a:p>
-            <a:pPr lvl="1"/>
-            <a:r>
-              <a:rPr lang="fr-CH" dirty="0" smtClean="0">
-                <a:solidFill>
-                  <a:schemeClr val="tx1">
-                    <a:lumMod val="75000"/>
-                    <a:lumOff val="25000"/>
-                  </a:schemeClr>
-                </a:solidFill>
-                <a:latin typeface="Arial" panose="020B0604020202020204" pitchFamily="34" charset="0"/>
-                <a:ea typeface="Adobe Heiti Std R" pitchFamily="34" charset="-128"/>
-                <a:cs typeface="Arial" panose="020B0604020202020204" pitchFamily="34" charset="0"/>
-              </a:rPr>
-              <a:t>Administration </a:t>
-            </a:r>
-          </a:p>
-          <a:p>
-            <a:pPr lvl="2"/>
-            <a:r>
-              <a:rPr lang="fr-CH" dirty="0" smtClean="0">
-                <a:solidFill>
-                  <a:schemeClr val="tx1">
-                    <a:lumMod val="75000"/>
-                    <a:lumOff val="25000"/>
-                  </a:schemeClr>
-                </a:solidFill>
-                <a:latin typeface="Arial" panose="020B0604020202020204" pitchFamily="34" charset="0"/>
-                <a:ea typeface="Adobe Heiti Std R" pitchFamily="34" charset="-128"/>
-                <a:cs typeface="Arial" panose="020B0604020202020204" pitchFamily="34" charset="0"/>
-              </a:rPr>
-              <a:t>Gérer </a:t>
-            </a:r>
-            <a:r>
-              <a:rPr lang="fr-CH" dirty="0">
-                <a:solidFill>
-                  <a:schemeClr val="tx1">
-                    <a:lumMod val="75000"/>
-                    <a:lumOff val="25000"/>
-                  </a:schemeClr>
-                </a:solidFill>
-                <a:latin typeface="Arial" panose="020B0604020202020204" pitchFamily="34" charset="0"/>
-                <a:ea typeface="Adobe Heiti Std R" pitchFamily="34" charset="-128"/>
-                <a:cs typeface="Arial" panose="020B0604020202020204" pitchFamily="34" charset="0"/>
-              </a:rPr>
-              <a:t>l</a:t>
-            </a:r>
-            <a:r>
-              <a:rPr lang="fr-CH" dirty="0" smtClean="0">
-                <a:solidFill>
-                  <a:schemeClr val="tx1">
-                    <a:lumMod val="75000"/>
-                    <a:lumOff val="25000"/>
-                  </a:schemeClr>
-                </a:solidFill>
-                <a:latin typeface="Arial" panose="020B0604020202020204" pitchFamily="34" charset="0"/>
-                <a:ea typeface="Adobe Heiti Std R" pitchFamily="34" charset="-128"/>
-                <a:cs typeface="Arial" panose="020B0604020202020204" pitchFamily="34" charset="0"/>
-              </a:rPr>
-              <a:t>es utilisateurs, les sessions et les spots</a:t>
-            </a:r>
-          </a:p>
-          <a:p>
-            <a:pPr lvl="2"/>
-            <a:endParaRPr lang="fr-CH" dirty="0" smtClean="0">
-              <a:solidFill>
-                <a:schemeClr val="tx1">
-                  <a:lumMod val="75000"/>
-                  <a:lumOff val="25000"/>
-                </a:schemeClr>
-              </a:solidFill>
-              <a:latin typeface="Arial" panose="020B0604020202020204" pitchFamily="34" charset="0"/>
-              <a:ea typeface="Adobe Heiti Std R" pitchFamily="34" charset="-128"/>
-              <a:cs typeface="Arial" panose="020B0604020202020204" pitchFamily="34" charset="0"/>
-            </a:endParaRPr>
+              <a:t>Donner envie à l’utilisateur de s’inscrire</a:t>
+            </a:r>
           </a:p>
           <a:p>
             <a:pPr marL="457200" lvl="1" indent="0">
@@ -7803,10 +7826,33 @@
           </a:p>
         </p:txBody>
       </p:sp>
+      <p:sp>
+        <p:nvSpPr>
+          <p:cNvPr id="5" name="Espace réservé du pied de page 4"/>
+          <p:cNvSpPr>
+            <a:spLocks noGrp="1"/>
+          </p:cNvSpPr>
+          <p:nvPr>
+            <p:ph type="ftr" sz="quarter" idx="11"/>
+          </p:nvPr>
+        </p:nvSpPr>
+        <p:spPr/>
+        <p:txBody>
+          <a:bodyPr/>
+          <a:lstStyle/>
+          <a:p>
+            <a:r>
+              <a:rPr lang="fr-BE" smtClean="0"/>
+              <a:t>Cedric Dos Reis - TopRecettes</a:t>
+            </a:r>
+            <a:endParaRPr lang="fr-BE"/>
+          </a:p>
+        </p:txBody>
+      </p:sp>
     </p:spTree>
     <p:extLst>
       <p:ext uri="{BB962C8B-B14F-4D97-AF65-F5344CB8AC3E}">
-        <p14:creationId xmlns:p14="http://schemas.microsoft.com/office/powerpoint/2010/main" val="2585740278"/>
+        <p14:creationId xmlns:p14="http://schemas.microsoft.com/office/powerpoint/2010/main" val="4156643172"/>
       </p:ext>
     </p:extLst>
   </p:cSld>
@@ -7856,10 +7902,9 @@
           <a:lstStyle/>
           <a:p>
             <a:r>
-              <a:rPr lang="fr-CH" dirty="0" smtClean="0"/>
-              <a:t>Page d’accueil</a:t>
-            </a:r>
-            <a:endParaRPr lang="fr-CH" dirty="0"/>
+              <a:rPr lang="fr-CH" dirty="0"/>
+              <a:t>L’affichage des sessions et des spots</a:t>
+            </a:r>
           </a:p>
         </p:txBody>
       </p:sp>
@@ -7908,6 +7953,9 @@
           <a:bodyPr/>
           <a:lstStyle/>
           <a:p>
+            <a:pPr marL="457200" lvl="1" indent="0">
+              <a:buNone/>
+            </a:pPr>
             <a:r>
               <a:rPr lang="fr-CH" dirty="0" smtClean="0">
                 <a:solidFill>
@@ -7920,10 +7968,13 @@
                 <a:ea typeface="Adobe Heiti Std R" pitchFamily="34" charset="-128"/>
                 <a:cs typeface="Arial" panose="020B0604020202020204" pitchFamily="34" charset="0"/>
               </a:rPr>
-              <a:t>Afficher les sessions à venir </a:t>
-            </a:r>
-          </a:p>
-          <a:p>
+              <a:t>Fonction SQL</a:t>
+            </a:r>
+          </a:p>
+          <a:p>
+            <a:pPr marL="457200" lvl="1" indent="0">
+              <a:buNone/>
+            </a:pPr>
             <a:r>
               <a:rPr lang="fr-CH" dirty="0" smtClean="0">
                 <a:solidFill>
@@ -7936,41 +7987,8 @@
                 <a:ea typeface="Adobe Heiti Std R" pitchFamily="34" charset="-128"/>
                 <a:cs typeface="Arial" panose="020B0604020202020204" pitchFamily="34" charset="0"/>
               </a:rPr>
-              <a:t>Inciter l’utilisateur à s’inscrire</a:t>
-            </a:r>
-          </a:p>
-          <a:p>
-            <a:pPr lvl="1"/>
-            <a:r>
-              <a:rPr lang="fr-CH" dirty="0" smtClean="0">
-                <a:solidFill>
-                  <a:schemeClr val="tx1">
-                    <a:lumMod val="75000"/>
-                    <a:lumOff val="25000"/>
-                  </a:schemeClr>
-                </a:solidFill>
-                <a:latin typeface="Arial" panose="020B0604020202020204" pitchFamily="34" charset="0"/>
-                <a:ea typeface="Adobe Heiti Std R" pitchFamily="34" charset="-128"/>
-                <a:cs typeface="Arial" panose="020B0604020202020204" pitchFamily="34" charset="0"/>
-              </a:rPr>
-              <a:t>Donner envie à l’utilisateur de s’inscrire</a:t>
-            </a:r>
-          </a:p>
-          <a:p>
-            <a:pPr marL="457200" lvl="1" indent="0">
-              <a:buNone/>
-            </a:pPr>
-            <a:endParaRPr lang="fr-CH" dirty="0" smtClean="0">
-              <a:solidFill>
-                <a:schemeClr val="tx1">
-                  <a:lumMod val="75000"/>
-                  <a:lumOff val="25000"/>
-                </a:schemeClr>
-              </a:solidFill>
-              <a:latin typeface="Arial" panose="020B0604020202020204" pitchFamily="34" charset="0"/>
-              <a:ea typeface="Adobe Heiti Std R" pitchFamily="34" charset="-128"/>
-              <a:cs typeface="Arial" panose="020B0604020202020204" pitchFamily="34" charset="0"/>
-            </a:endParaRPr>
+              <a:t>Fonction affichage</a:t>
+            </a:r>
           </a:p>
           <a:p>
             <a:pPr lvl="1"/>
@@ -7988,10 +8006,33 @@
           </a:p>
         </p:txBody>
       </p:sp>
+      <p:sp>
+        <p:nvSpPr>
+          <p:cNvPr id="5" name="Espace réservé du pied de page 4"/>
+          <p:cNvSpPr>
+            <a:spLocks noGrp="1"/>
+          </p:cNvSpPr>
+          <p:nvPr>
+            <p:ph type="ftr" sz="quarter" idx="11"/>
+          </p:nvPr>
+        </p:nvSpPr>
+        <p:spPr/>
+        <p:txBody>
+          <a:bodyPr/>
+          <a:lstStyle/>
+          <a:p>
+            <a:r>
+              <a:rPr lang="fr-BE" smtClean="0"/>
+              <a:t>Cedric Dos Reis - TopRecettes</a:t>
+            </a:r>
+            <a:endParaRPr lang="fr-BE"/>
+          </a:p>
+        </p:txBody>
+      </p:sp>
     </p:spTree>
     <p:extLst>
       <p:ext uri="{BB962C8B-B14F-4D97-AF65-F5344CB8AC3E}">
-        <p14:creationId xmlns:p14="http://schemas.microsoft.com/office/powerpoint/2010/main" val="4156643172"/>
+        <p14:creationId xmlns:p14="http://schemas.microsoft.com/office/powerpoint/2010/main" val="395183128"/>
       </p:ext>
     </p:extLst>
   </p:cSld>
@@ -8042,7 +8083,7 @@
           <a:p>
             <a:r>
               <a:rPr lang="fr-CH" dirty="0"/>
-              <a:t>L’affichage des sessions et des spots</a:t>
+              <a:t>La carte des spots</a:t>
             </a:r>
           </a:p>
         </p:txBody>
@@ -8092,7 +8133,7 @@
           <a:bodyPr/>
           <a:lstStyle/>
           <a:p>
-            <a:pPr marL="457200" lvl="1" indent="0">
+            <a:pPr marL="0" indent="0">
               <a:buNone/>
             </a:pPr>
             <a:r>
@@ -8107,15 +8148,10 @@
                 <a:ea typeface="Adobe Heiti Std R" pitchFamily="34" charset="-128"/>
                 <a:cs typeface="Arial" panose="020B0604020202020204" pitchFamily="34" charset="0"/>
               </a:rPr>
-              <a:t>Fonction SQL</a:t>
-            </a:r>
-          </a:p>
-          <a:p>
-            <a:pPr marL="457200" lvl="1" indent="0">
-              <a:buNone/>
-            </a:pPr>
-            <a:r>
-              <a:rPr lang="fr-CH" dirty="0" smtClean="0">
+              <a:t>Input type </a:t>
+            </a:r>
+            <a:r>
+              <a:rPr lang="fr-CH" dirty="0" err="1" smtClean="0">
                 <a:solidFill>
                   <a:schemeClr val="tx1">
                     <a:lumMod val="75000"/>
@@ -8126,8 +8162,54 @@
                 <a:ea typeface="Adobe Heiti Std R" pitchFamily="34" charset="-128"/>
                 <a:cs typeface="Arial" panose="020B0604020202020204" pitchFamily="34" charset="0"/>
               </a:rPr>
-              <a:t>Fonction affichage</a:t>
-            </a:r>
+              <a:t>hidden</a:t>
+            </a:r>
+            <a:endParaRPr lang="fr-CH" dirty="0" smtClean="0">
+              <a:solidFill>
+                <a:schemeClr val="tx1">
+                  <a:lumMod val="75000"/>
+                  <a:lumOff val="25000"/>
+                </a:schemeClr>
+              </a:solidFill>
+              <a:latin typeface="Arial" panose="020B0604020202020204" pitchFamily="34" charset="0"/>
+              <a:ea typeface="Adobe Heiti Std R" pitchFamily="34" charset="-128"/>
+              <a:cs typeface="Arial" panose="020B0604020202020204" pitchFamily="34" charset="0"/>
+            </a:endParaRPr>
+          </a:p>
+          <a:p>
+            <a:pPr marL="0" indent="0">
+              <a:buNone/>
+            </a:pPr>
+            <a:r>
+              <a:rPr lang="fr-CH" dirty="0" smtClean="0">
+                <a:solidFill>
+                  <a:schemeClr val="tx1">
+                    <a:lumMod val="75000"/>
+                    <a:lumOff val="25000"/>
+                  </a:schemeClr>
+                </a:solidFill>
+                <a:latin typeface="Arial" panose="020B0604020202020204" pitchFamily="34" charset="0"/>
+                <a:ea typeface="Adobe Heiti Std R" pitchFamily="34" charset="-128"/>
+                <a:cs typeface="Arial" panose="020B0604020202020204" pitchFamily="34" charset="0"/>
+              </a:rPr>
+              <a:t>Création des marqueurs</a:t>
+            </a:r>
+          </a:p>
+          <a:p>
+            <a:pPr marL="457200" lvl="1" indent="0">
+              <a:buNone/>
+            </a:pPr>
+            <a:endParaRPr lang="fr-CH" dirty="0" smtClean="0">
+              <a:solidFill>
+                <a:schemeClr val="tx1">
+                  <a:lumMod val="75000"/>
+                  <a:lumOff val="25000"/>
+                </a:schemeClr>
+              </a:solidFill>
+              <a:latin typeface="Arial" panose="020B0604020202020204" pitchFamily="34" charset="0"/>
+              <a:ea typeface="Adobe Heiti Std R" pitchFamily="34" charset="-128"/>
+              <a:cs typeface="Arial" panose="020B0604020202020204" pitchFamily="34" charset="0"/>
+            </a:endParaRPr>
           </a:p>
           <a:p>
             <a:pPr lvl="1"/>
@@ -8142,6 +8224,29 @@
               <a:ea typeface="Adobe Heiti Std R" pitchFamily="34" charset="-128"/>
               <a:cs typeface="Arial" panose="020B0604020202020204" pitchFamily="34" charset="0"/>
             </a:endParaRPr>
+          </a:p>
+        </p:txBody>
+      </p:sp>
+      <p:sp>
+        <p:nvSpPr>
+          <p:cNvPr id="5" name="Espace réservé du pied de page 4"/>
+          <p:cNvSpPr>
+            <a:spLocks noGrp="1"/>
+          </p:cNvSpPr>
+          <p:nvPr>
+            <p:ph type="ftr" sz="quarter" idx="11"/>
+          </p:nvPr>
+        </p:nvSpPr>
+        <p:spPr/>
+        <p:txBody>
+          <a:bodyPr/>
+          <a:lstStyle/>
+          <a:p>
+            <a:r>
+              <a:rPr lang="fr-BE" smtClean="0"/>
+              <a:t>Cedric Dos Reis - TopRecettes</a:t>
+            </a:r>
+            <a:endParaRPr lang="fr-BE"/>
           </a:p>
         </p:txBody>
       </p:sp>

--- a/Rendu final/PrésentationTPI2015_TopRecette.pptx
+++ b/Rendu final/PrésentationTPI2015_TopRecette.pptx
@@ -19,7 +19,7 @@
     <p:sldId id="272" r:id="rId10"/>
     <p:sldId id="273" r:id="rId11"/>
     <p:sldId id="260" r:id="rId12"/>
-    <p:sldId id="267" r:id="rId13"/>
+    <p:sldId id="275" r:id="rId13"/>
     <p:sldId id="261" r:id="rId14"/>
     <p:sldId id="262" r:id="rId15"/>
     <p:sldId id="268" r:id="rId16"/>
@@ -209,7 +209,7 @@
           <a:p>
             <a:fld id="{03A2DCB8-0C0F-4F66-B0B7-BB187AA33170}" type="datetimeFigureOut">
               <a:rPr lang="fr-CH" smtClean="0"/>
-              <a:t>21.05.2015</a:t>
+              <a:t>22.05.2015</a:t>
             </a:fld>
             <a:endParaRPr lang="fr-CH"/>
           </a:p>
@@ -753,7 +753,7 @@
           <a:p>
             <a:fld id="{AFF0AA51-D641-4F32-808C-7A0A7074D3B9}" type="datetime1">
               <a:rPr lang="fr-FR" smtClean="0"/>
-              <a:t>21/05/2015</a:t>
+              <a:t>22/05/2015</a:t>
             </a:fld>
             <a:endParaRPr lang="fr-BE"/>
           </a:p>
@@ -922,7 +922,7 @@
           <a:p>
             <a:fld id="{AFC3ABFC-0302-4417-9FD2-87825C1344C2}" type="datetime1">
               <a:rPr lang="fr-FR" smtClean="0"/>
-              <a:t>21/05/2015</a:t>
+              <a:t>22/05/2015</a:t>
             </a:fld>
             <a:endParaRPr lang="fr-BE"/>
           </a:p>
@@ -1101,7 +1101,7 @@
           <a:p>
             <a:fld id="{AD081C7E-3A94-4059-A27F-D314FE61EE88}" type="datetime1">
               <a:rPr lang="fr-FR" smtClean="0"/>
-              <a:t>21/05/2015</a:t>
+              <a:t>22/05/2015</a:t>
             </a:fld>
             <a:endParaRPr lang="fr-BE"/>
           </a:p>
@@ -1288,7 +1288,7 @@
           <a:p>
             <a:fld id="{55E7AD39-9493-4054-89E8-AFB8FFBF66A0}" type="datetime1">
               <a:rPr lang="fr-FR" smtClean="0"/>
-              <a:t>21/05/2015</a:t>
+              <a:t>22/05/2015</a:t>
             </a:fld>
             <a:endParaRPr lang="fr-BE"/>
           </a:p>
@@ -1554,7 +1554,7 @@
           <a:p>
             <a:fld id="{663506B8-2F32-4AA1-9048-BA5FDADCBAB6}" type="datetime1">
               <a:rPr lang="fr-FR" smtClean="0"/>
-              <a:t>21/05/2015</a:t>
+              <a:t>22/05/2015</a:t>
             </a:fld>
             <a:endParaRPr lang="fr-BE"/>
           </a:p>
@@ -1906,7 +1906,7 @@
           <a:p>
             <a:fld id="{99866C27-4B01-4EB6-8B4F-F7E2C1D5C926}" type="datetime1">
               <a:rPr lang="fr-FR" smtClean="0"/>
-              <a:t>21/05/2015</a:t>
+              <a:t>22/05/2015</a:t>
             </a:fld>
             <a:endParaRPr lang="fr-BE"/>
           </a:p>
@@ -2218,7 +2218,7 @@
           <a:p>
             <a:fld id="{7D20E62D-E6EE-4BD4-AF3F-18C75E8ECA92}" type="datetime1">
               <a:rPr lang="fr-FR" smtClean="0"/>
-              <a:t>21/05/2015</a:t>
+              <a:t>22/05/2015</a:t>
             </a:fld>
             <a:endParaRPr lang="fr-BE"/>
           </a:p>
@@ -2449,7 +2449,7 @@
           <a:p>
             <a:fld id="{C19B4676-7778-439F-9EBE-7810804EE59A}" type="datetime1">
               <a:rPr lang="fr-FR" smtClean="0"/>
-              <a:t>21/05/2015</a:t>
+              <a:t>22/05/2015</a:t>
             </a:fld>
             <a:endParaRPr lang="fr-BE"/>
           </a:p>
@@ -2543,7 +2543,7 @@
           <a:p>
             <a:fld id="{0D13451E-0A73-4869-970E-FC17F6A65AB2}" type="datetime1">
               <a:rPr lang="fr-FR" smtClean="0"/>
-              <a:t>21/05/2015</a:t>
+              <a:t>22/05/2015</a:t>
             </a:fld>
             <a:endParaRPr lang="fr-BE"/>
           </a:p>
@@ -2835,7 +2835,7 @@
           <a:p>
             <a:fld id="{47476F51-12A6-4829-8BF3-9925253E7548}" type="datetime1">
               <a:rPr lang="fr-FR" smtClean="0"/>
-              <a:t>21/05/2015</a:t>
+              <a:t>22/05/2015</a:t>
             </a:fld>
             <a:endParaRPr lang="fr-BE"/>
           </a:p>
@@ -3108,7 +3108,7 @@
           <a:p>
             <a:fld id="{2EE727AD-7395-4D93-BC0E-945E8EDFCDE3}" type="datetime1">
               <a:rPr lang="fr-FR" smtClean="0"/>
-              <a:t>21/05/2015</a:t>
+              <a:t>22/05/2015</a:t>
             </a:fld>
             <a:endParaRPr lang="fr-BE"/>
           </a:p>
@@ -3322,7 +3322,7 @@
           <a:p>
             <a:fld id="{C79B0D29-AE0D-42E2-8495-21D9747BA860}" type="datetime1">
               <a:rPr lang="fr-FR" smtClean="0"/>
-              <a:t>21/05/2015</a:t>
+              <a:t>22/05/2015</a:t>
             </a:fld>
             <a:endParaRPr lang="fr-BE"/>
           </a:p>
@@ -4471,79 +4471,51 @@
             <p:ph type="title"/>
           </p:nvPr>
         </p:nvSpPr>
-        <p:spPr>
-          <a:xfrm>
-            <a:off x="457200" y="0"/>
-            <a:ext cx="8229600" cy="1600200"/>
-          </a:xfrm>
-        </p:spPr>
-        <p:txBody>
-          <a:bodyPr/>
-          <a:lstStyle/>
-          <a:p>
-            <a:r>
-              <a:rPr lang="fr-CH" sz="4400" dirty="0" smtClean="0"/>
-              <a:t>Modèle relationnel de données</a:t>
-            </a:r>
-            <a:endParaRPr lang="fr-CH" sz="4400" dirty="0"/>
-          </a:p>
-        </p:txBody>
-      </p:sp>
-      <p:sp>
-        <p:nvSpPr>
-          <p:cNvPr id="4" name="Espace réservé du numéro de diapositive 3"/>
-          <p:cNvSpPr>
-            <a:spLocks noGrp="1"/>
-          </p:cNvSpPr>
-          <p:nvPr>
-            <p:ph type="sldNum" sz="quarter" idx="12"/>
-          </p:nvPr>
-        </p:nvSpPr>
-        <p:spPr>
-          <a:xfrm>
-            <a:off x="0" y="6356350"/>
-            <a:ext cx="9105253" cy="365125"/>
-          </a:xfrm>
-        </p:spPr>
-        <p:txBody>
-          <a:bodyPr/>
-          <a:lstStyle/>
-          <a:p>
-            <a:pPr algn="ctr"/>
-            <a:fld id="{CF4668DC-857F-487D-BFFA-8C0CA5037977}" type="slidenum">
-              <a:rPr lang="fr-BE" smtClean="0"/>
-              <a:pPr algn="ctr"/>
-              <a:t>12</a:t>
-            </a:fld>
-            <a:endParaRPr lang="fr-BE" dirty="0"/>
+        <p:spPr/>
+        <p:txBody>
+          <a:bodyPr/>
+          <a:lstStyle/>
+          <a:p>
+            <a:r>
+              <a:rPr lang="fr-CH" dirty="0" smtClean="0"/>
+              <a:t>Modèle conceptuel de données</a:t>
+            </a:r>
+            <a:endParaRPr lang="fr-CH" dirty="0"/>
           </a:p>
         </p:txBody>
       </p:sp>
       <p:pic>
         <p:nvPicPr>
-          <p:cNvPr id="6" name="Image 5"/>
-          <p:cNvPicPr/>
-          <p:nvPr/>
+          <p:cNvPr id="6" name="Espace réservé du contenu 5"/>
+          <p:cNvPicPr>
+            <a:picLocks noGrp="1" noChangeAspect="1"/>
+          </p:cNvPicPr>
+          <p:nvPr>
+            <p:ph idx="1"/>
+          </p:nvPr>
         </p:nvPicPr>
         <p:blipFill>
-          <a:blip r:embed="rId2"/>
+          <a:blip r:embed="rId2">
+            <a:extLst>
+              <a:ext uri="{28A0092B-C50C-407E-A947-70E740481C1C}">
+                <a14:useLocalDpi xmlns:a14="http://schemas.microsoft.com/office/drawing/2010/main" val="0"/>
+              </a:ext>
+            </a:extLst>
+          </a:blip>
           <a:stretch>
             <a:fillRect/>
           </a:stretch>
         </p:blipFill>
         <p:spPr>
           <a:xfrm>
-            <a:off x="2167643" y="1772816"/>
-            <a:ext cx="4716780" cy="4362450"/>
+            <a:off x="457200" y="1917933"/>
+            <a:ext cx="8229600" cy="3890497"/>
           </a:xfrm>
-          <a:prstGeom prst="rect">
-            <a:avLst/>
-          </a:prstGeom>
         </p:spPr>
       </p:pic>
       <p:sp>
         <p:nvSpPr>
-          <p:cNvPr id="3" name="Espace réservé du pied de page 2"/>
+          <p:cNvPr id="4" name="Espace réservé du pied de page 3"/>
           <p:cNvSpPr>
             <a:spLocks noGrp="1"/>
           </p:cNvSpPr>
@@ -4560,6 +4532,29 @@
               <a:rPr lang="fr-BE" smtClean="0"/>
               <a:t>Cedric Dos Reis - TopRecettes</a:t>
             </a:r>
+            <a:endParaRPr lang="fr-BE"/>
+          </a:p>
+        </p:txBody>
+      </p:sp>
+      <p:sp>
+        <p:nvSpPr>
+          <p:cNvPr id="5" name="Espace réservé du numéro de diapositive 4"/>
+          <p:cNvSpPr>
+            <a:spLocks noGrp="1"/>
+          </p:cNvSpPr>
+          <p:nvPr>
+            <p:ph type="sldNum" sz="quarter" idx="12"/>
+          </p:nvPr>
+        </p:nvSpPr>
+        <p:spPr/>
+        <p:txBody>
+          <a:bodyPr/>
+          <a:lstStyle/>
+          <a:p>
+            <a:fld id="{CF4668DC-857F-487D-BFFA-8C0CA5037977}" type="slidenum">
+              <a:rPr lang="fr-BE" smtClean="0"/>
+              <a:t>12</a:t>
+            </a:fld>
             <a:endParaRPr lang="fr-BE"/>
           </a:p>
         </p:txBody>
@@ -4567,20 +4562,13 @@
     </p:spTree>
     <p:extLst>
       <p:ext uri="{BB962C8B-B14F-4D97-AF65-F5344CB8AC3E}">
-        <p14:creationId xmlns:p14="http://schemas.microsoft.com/office/powerpoint/2010/main" val="3328342497"/>
+        <p14:creationId xmlns:p14="http://schemas.microsoft.com/office/powerpoint/2010/main" val="1106144300"/>
       </p:ext>
     </p:extLst>
   </p:cSld>
   <p:clrMapOvr>
     <a:masterClrMapping/>
   </p:clrMapOvr>
-  <p:timing>
-    <p:tnLst>
-      <p:par>
-        <p:cTn id="1" dur="indefinite" restart="never" nodeType="tmRoot"/>
-      </p:par>
-    </p:tnLst>
-  </p:timing>
 </p:sld>
 </file>
 
@@ -4905,8 +4893,33 @@
                 <a:ea typeface="Adobe Heiti Std R" pitchFamily="34" charset="-128"/>
                 <a:cs typeface="Arial" panose="020B0604020202020204" pitchFamily="34" charset="0"/>
               </a:rPr>
-              <a:t>Gérer mon projet de manière professionnel avec un journal de bord correctement tenu à jours et une planification détaillé du projet.</a:t>
-            </a:r>
+              <a:t>Gérer mon projet de manière professionnel avec un journal de bord correctement tenu à </a:t>
+            </a:r>
+            <a:r>
+              <a:rPr lang="fr-CH" dirty="0" smtClean="0">
+                <a:solidFill>
+                  <a:schemeClr val="tx1">
+                    <a:lumMod val="75000"/>
+                    <a:lumOff val="25000"/>
+                  </a:schemeClr>
+                </a:solidFill>
+                <a:latin typeface="Arial" panose="020B0604020202020204" pitchFamily="34" charset="0"/>
+                <a:ea typeface="Adobe Heiti Std R" pitchFamily="34" charset="-128"/>
+                <a:cs typeface="Arial" panose="020B0604020202020204" pitchFamily="34" charset="0"/>
+              </a:rPr>
+              <a:t>jour.</a:t>
+            </a:r>
+            <a:endParaRPr lang="fr-CH" dirty="0" smtClean="0">
+              <a:solidFill>
+                <a:schemeClr val="tx1">
+                  <a:lumMod val="75000"/>
+                  <a:lumOff val="25000"/>
+                </a:schemeClr>
+              </a:solidFill>
+              <a:latin typeface="Arial" panose="020B0604020202020204" pitchFamily="34" charset="0"/>
+              <a:ea typeface="Adobe Heiti Std R" pitchFamily="34" charset="-128"/>
+              <a:cs typeface="Arial" panose="020B0604020202020204" pitchFamily="34" charset="0"/>
+            </a:endParaRPr>
           </a:p>
           <a:p>
             <a:pPr marL="0" indent="0">
@@ -5054,7 +5067,189 @@
                 <a:spcPts val="600"/>
               </a:spcAft>
             </a:pPr>
-            <a:endParaRPr lang="fr-CH" dirty="0" smtClean="0">
+            <a:r>
+              <a:rPr lang="fr-CH" dirty="0" smtClean="0">
+                <a:solidFill>
+                  <a:schemeClr val="tx1">
+                    <a:lumMod val="75000"/>
+                    <a:lumOff val="25000"/>
+                  </a:schemeClr>
+                </a:solidFill>
+                <a:latin typeface="Arial" panose="020B0604020202020204" pitchFamily="34" charset="0"/>
+                <a:ea typeface="Adobe Heiti Std R" pitchFamily="34" charset="-128"/>
+                <a:cs typeface="Arial" panose="020B0604020202020204" pitchFamily="34" charset="0"/>
+              </a:rPr>
+              <a:t>Ajouter la gestion des favoris</a:t>
+            </a:r>
+          </a:p>
+          <a:p>
+            <a:pPr>
+              <a:spcAft>
+                <a:spcPts val="600"/>
+              </a:spcAft>
+            </a:pPr>
+            <a:r>
+              <a:rPr lang="fr-CH" dirty="0">
+                <a:solidFill>
+                  <a:schemeClr val="tx1">
+                    <a:lumMod val="75000"/>
+                    <a:lumOff val="25000"/>
+                  </a:schemeClr>
+                </a:solidFill>
+                <a:latin typeface="Arial" panose="020B0604020202020204" pitchFamily="34" charset="0"/>
+                <a:ea typeface="Adobe Heiti Std R" pitchFamily="34" charset="-128"/>
+                <a:cs typeface="Arial" panose="020B0604020202020204" pitchFamily="34" charset="0"/>
+              </a:rPr>
+              <a:t>Ajouté l</a:t>
+            </a:r>
+            <a:r>
+              <a:rPr lang="fr-CH" dirty="0" smtClean="0">
+                <a:solidFill>
+                  <a:schemeClr val="tx1">
+                    <a:lumMod val="75000"/>
+                    <a:lumOff val="25000"/>
+                  </a:schemeClr>
+                </a:solidFill>
+                <a:latin typeface="Arial" panose="020B0604020202020204" pitchFamily="34" charset="0"/>
+                <a:ea typeface="Adobe Heiti Std R" pitchFamily="34" charset="-128"/>
+                <a:cs typeface="Arial" panose="020B0604020202020204" pitchFamily="34" charset="0"/>
+              </a:rPr>
+              <a:t>es </a:t>
+            </a:r>
+            <a:r>
+              <a:rPr lang="fr-CH" dirty="0">
+                <a:solidFill>
+                  <a:schemeClr val="tx1">
+                    <a:lumMod val="75000"/>
+                    <a:lumOff val="25000"/>
+                  </a:schemeClr>
+                </a:solidFill>
+                <a:latin typeface="Arial" panose="020B0604020202020204" pitchFamily="34" charset="0"/>
+                <a:ea typeface="Adobe Heiti Std R" pitchFamily="34" charset="-128"/>
+                <a:cs typeface="Arial" panose="020B0604020202020204" pitchFamily="34" charset="0"/>
+              </a:rPr>
+              <a:t>champs suivant à une recette </a:t>
+            </a:r>
+            <a:r>
+              <a:rPr lang="fr-CH" dirty="0" smtClean="0">
+                <a:solidFill>
+                  <a:schemeClr val="tx1">
+                    <a:lumMod val="75000"/>
+                    <a:lumOff val="25000"/>
+                  </a:schemeClr>
+                </a:solidFill>
+                <a:latin typeface="Arial" panose="020B0604020202020204" pitchFamily="34" charset="0"/>
+                <a:ea typeface="Adobe Heiti Std R" pitchFamily="34" charset="-128"/>
+                <a:cs typeface="Arial" panose="020B0604020202020204" pitchFamily="34" charset="0"/>
+              </a:rPr>
+              <a:t>: </a:t>
+            </a:r>
+            <a:r>
+              <a:rPr lang="fr-CH" dirty="0">
+                <a:solidFill>
+                  <a:schemeClr val="tx1">
+                    <a:lumMod val="75000"/>
+                    <a:lumOff val="25000"/>
+                  </a:schemeClr>
+                </a:solidFill>
+                <a:latin typeface="Arial" panose="020B0604020202020204" pitchFamily="34" charset="0"/>
+                <a:ea typeface="Adobe Heiti Std R" pitchFamily="34" charset="-128"/>
+                <a:cs typeface="Arial" panose="020B0604020202020204" pitchFamily="34" charset="0"/>
+              </a:rPr>
+              <a:t>temps de cuisson</a:t>
+            </a:r>
+            <a:r>
+              <a:rPr lang="fr-CH" dirty="0" smtClean="0">
+                <a:solidFill>
+                  <a:schemeClr val="tx1">
+                    <a:lumMod val="75000"/>
+                    <a:lumOff val="25000"/>
+                  </a:schemeClr>
+                </a:solidFill>
+                <a:latin typeface="Arial" panose="020B0604020202020204" pitchFamily="34" charset="0"/>
+                <a:ea typeface="Adobe Heiti Std R" pitchFamily="34" charset="-128"/>
+                <a:cs typeface="Arial" panose="020B0604020202020204" pitchFamily="34" charset="0"/>
+              </a:rPr>
+              <a:t>, temps de </a:t>
+            </a:r>
+            <a:r>
+              <a:rPr lang="fr-CH" dirty="0">
+                <a:solidFill>
+                  <a:schemeClr val="tx1">
+                    <a:lumMod val="75000"/>
+                    <a:lumOff val="25000"/>
+                  </a:schemeClr>
+                </a:solidFill>
+                <a:latin typeface="Arial" panose="020B0604020202020204" pitchFamily="34" charset="0"/>
+                <a:ea typeface="Adobe Heiti Std R" pitchFamily="34" charset="-128"/>
+                <a:cs typeface="Arial" panose="020B0604020202020204" pitchFamily="34" charset="0"/>
+              </a:rPr>
+              <a:t>préparation </a:t>
+            </a:r>
+            <a:r>
+              <a:rPr lang="fr-CH" dirty="0" smtClean="0">
+                <a:solidFill>
+                  <a:schemeClr val="tx1">
+                    <a:lumMod val="75000"/>
+                    <a:lumOff val="25000"/>
+                  </a:schemeClr>
+                </a:solidFill>
+                <a:latin typeface="Arial" panose="020B0604020202020204" pitchFamily="34" charset="0"/>
+                <a:ea typeface="Adobe Heiti Std R" pitchFamily="34" charset="-128"/>
+                <a:cs typeface="Arial" panose="020B0604020202020204" pitchFamily="34" charset="0"/>
+              </a:rPr>
+              <a:t>et </a:t>
+            </a:r>
+            <a:r>
+              <a:rPr lang="fr-CH" dirty="0">
+                <a:solidFill>
+                  <a:schemeClr val="tx1">
+                    <a:lumMod val="75000"/>
+                    <a:lumOff val="25000"/>
+                  </a:schemeClr>
+                </a:solidFill>
+                <a:latin typeface="Arial" panose="020B0604020202020204" pitchFamily="34" charset="0"/>
+                <a:ea typeface="Adobe Heiti Std R" pitchFamily="34" charset="-128"/>
+                <a:cs typeface="Arial" panose="020B0604020202020204" pitchFamily="34" charset="0"/>
+              </a:rPr>
+              <a:t>nombre de </a:t>
+            </a:r>
+            <a:r>
+              <a:rPr lang="fr-CH" dirty="0" smtClean="0">
+                <a:solidFill>
+                  <a:schemeClr val="tx1">
+                    <a:lumMod val="75000"/>
+                    <a:lumOff val="25000"/>
+                  </a:schemeClr>
+                </a:solidFill>
+                <a:latin typeface="Arial" panose="020B0604020202020204" pitchFamily="34" charset="0"/>
+                <a:ea typeface="Adobe Heiti Std R" pitchFamily="34" charset="-128"/>
+                <a:cs typeface="Arial" panose="020B0604020202020204" pitchFamily="34" charset="0"/>
+              </a:rPr>
+              <a:t>portions.</a:t>
+            </a:r>
+          </a:p>
+          <a:p>
+            <a:pPr>
+              <a:spcAft>
+                <a:spcPts val="600"/>
+              </a:spcAft>
+            </a:pPr>
+            <a:r>
+              <a:rPr lang="fr-CH" dirty="0" smtClean="0">
+                <a:solidFill>
+                  <a:schemeClr val="tx1">
+                    <a:lumMod val="75000"/>
+                    <a:lumOff val="25000"/>
+                  </a:schemeClr>
+                </a:solidFill>
+                <a:latin typeface="Arial" panose="020B0604020202020204" pitchFamily="34" charset="0"/>
+                <a:ea typeface="Adobe Heiti Std R" pitchFamily="34" charset="-128"/>
+                <a:cs typeface="Arial" panose="020B0604020202020204" pitchFamily="34" charset="0"/>
+              </a:rPr>
+              <a:t>Séparer et le commentaire et la note</a:t>
+            </a:r>
+            <a:endParaRPr lang="fr-CH" dirty="0">
               <a:solidFill>
                 <a:schemeClr val="tx1">
                   <a:lumMod val="75000"/>
@@ -5065,125 +5260,6 @@
               <a:ea typeface="Adobe Heiti Std R" pitchFamily="34" charset="-128"/>
               <a:cs typeface="Arial" panose="020B0604020202020204" pitchFamily="34" charset="0"/>
             </a:endParaRPr>
-          </a:p>
-          <a:p>
-            <a:pPr>
-              <a:spcAft>
-                <a:spcPts val="600"/>
-              </a:spcAft>
-            </a:pPr>
-            <a:r>
-              <a:rPr lang="fr-CH" dirty="0" smtClean="0">
-                <a:solidFill>
-                  <a:schemeClr val="tx1">
-                    <a:lumMod val="75000"/>
-                    <a:lumOff val="25000"/>
-                  </a:schemeClr>
-                </a:solidFill>
-                <a:latin typeface="Arial" panose="020B0604020202020204" pitchFamily="34" charset="0"/>
-                <a:ea typeface="Adobe Heiti Std R" pitchFamily="34" charset="-128"/>
-                <a:cs typeface="Arial" panose="020B0604020202020204" pitchFamily="34" charset="0"/>
-              </a:rPr>
-              <a:t>Ajouter </a:t>
-            </a:r>
-            <a:r>
-              <a:rPr lang="fr-CH" dirty="0">
-                <a:solidFill>
-                  <a:schemeClr val="tx1">
-                    <a:lumMod val="75000"/>
-                    <a:lumOff val="25000"/>
-                  </a:schemeClr>
-                </a:solidFill>
-                <a:latin typeface="Arial" panose="020B0604020202020204" pitchFamily="34" charset="0"/>
-                <a:ea typeface="Adobe Heiti Std R" pitchFamily="34" charset="-128"/>
-                <a:cs typeface="Arial" panose="020B0604020202020204" pitchFamily="34" charset="0"/>
-              </a:rPr>
-              <a:t>un itinéraire pour affiche </a:t>
-            </a:r>
-            <a:r>
-              <a:rPr lang="fr-CH" dirty="0" smtClean="0">
-                <a:solidFill>
-                  <a:schemeClr val="tx1">
-                    <a:lumMod val="75000"/>
-                    <a:lumOff val="25000"/>
-                  </a:schemeClr>
-                </a:solidFill>
-                <a:latin typeface="Arial" panose="020B0604020202020204" pitchFamily="34" charset="0"/>
-                <a:ea typeface="Adobe Heiti Std R" pitchFamily="34" charset="-128"/>
-                <a:cs typeface="Arial" panose="020B0604020202020204" pitchFamily="34" charset="0"/>
-              </a:rPr>
-              <a:t>une décente</a:t>
-            </a:r>
-          </a:p>
-          <a:p>
-            <a:pPr>
-              <a:spcAft>
-                <a:spcPts val="600"/>
-              </a:spcAft>
-            </a:pPr>
-            <a:r>
-              <a:rPr lang="fr-CH" dirty="0" smtClean="0">
-                <a:solidFill>
-                  <a:schemeClr val="tx1">
-                    <a:lumMod val="75000"/>
-                    <a:lumOff val="25000"/>
-                  </a:schemeClr>
-                </a:solidFill>
-                <a:latin typeface="Arial" panose="020B0604020202020204" pitchFamily="34" charset="0"/>
-                <a:ea typeface="Adobe Heiti Std R" pitchFamily="34" charset="-128"/>
-                <a:cs typeface="Arial" panose="020B0604020202020204" pitchFamily="34" charset="0"/>
-              </a:rPr>
-              <a:t>Afficher sur la page détaillée d’un spot la liste des sessions </a:t>
-            </a:r>
-            <a:r>
-              <a:rPr lang="fr-CH" dirty="0">
-                <a:solidFill>
-                  <a:schemeClr val="tx1">
-                    <a:lumMod val="75000"/>
-                    <a:lumOff val="25000"/>
-                  </a:schemeClr>
-                </a:solidFill>
-                <a:latin typeface="Arial" panose="020B0604020202020204" pitchFamily="34" charset="0"/>
-                <a:ea typeface="Adobe Heiti Std R" pitchFamily="34" charset="-128"/>
-                <a:cs typeface="Arial" panose="020B0604020202020204" pitchFamily="34" charset="0"/>
-              </a:rPr>
-              <a:t>où </a:t>
-            </a:r>
-            <a:r>
-              <a:rPr lang="fr-CH" dirty="0" smtClean="0">
-                <a:solidFill>
-                  <a:schemeClr val="tx1">
-                    <a:lumMod val="75000"/>
-                    <a:lumOff val="25000"/>
-                  </a:schemeClr>
-                </a:solidFill>
-                <a:latin typeface="Arial" panose="020B0604020202020204" pitchFamily="34" charset="0"/>
-                <a:ea typeface="Adobe Heiti Std R" pitchFamily="34" charset="-128"/>
-                <a:cs typeface="Arial" panose="020B0604020202020204" pitchFamily="34" charset="0"/>
-              </a:rPr>
-              <a:t>celui-ci est associé</a:t>
-            </a:r>
-          </a:p>
-          <a:p>
-            <a:pPr>
-              <a:spcAft>
-                <a:spcPts val="600"/>
-              </a:spcAft>
-            </a:pPr>
-            <a:r>
-              <a:rPr lang="fr-CH" dirty="0" smtClean="0">
-                <a:solidFill>
-                  <a:schemeClr val="tx1">
-                    <a:lumMod val="75000"/>
-                    <a:lumOff val="25000"/>
-                  </a:schemeClr>
-                </a:solidFill>
-                <a:latin typeface="Arial" panose="020B0604020202020204" pitchFamily="34" charset="0"/>
-                <a:ea typeface="Adobe Heiti Std R" pitchFamily="34" charset="-128"/>
-                <a:cs typeface="Arial" panose="020B0604020202020204" pitchFamily="34" charset="0"/>
-              </a:rPr>
-              <a:t>Suppression des sessions expiré via un script SQL</a:t>
-            </a:r>
           </a:p>
           <a:p>
             <a:pPr marL="0" indent="0">
@@ -5236,47 +5312,6 @@
           </a:p>
         </p:txBody>
       </p:sp>
-      <p:pic>
-        <p:nvPicPr>
-          <p:cNvPr id="5" name="Picture 2" descr="C:\Users\PLOJOUXR_INFO\Downloads\iconmonstr-check-mark-4-icon-256.png"/>
-          <p:cNvPicPr>
-            <a:picLocks noChangeAspect="1" noChangeArrowheads="1"/>
-          </p:cNvPicPr>
-          <p:nvPr/>
-        </p:nvPicPr>
-        <p:blipFill>
-          <a:blip r:embed="rId2">
-            <a:extLst>
-              <a:ext uri="{28A0092B-C50C-407E-A947-70E740481C1C}">
-                <a14:useLocalDpi xmlns:a14="http://schemas.microsoft.com/office/drawing/2010/main" val="0"/>
-              </a:ext>
-            </a:extLst>
-          </a:blip>
-          <a:srcRect/>
-          <a:stretch>
-            <a:fillRect/>
-          </a:stretch>
-        </p:blipFill>
-        <p:spPr bwMode="auto">
-          <a:xfrm>
-            <a:off x="3707904" y="4365104"/>
-            <a:ext cx="1502296" cy="1502296"/>
-          </a:xfrm>
-          <a:prstGeom prst="rect">
-            <a:avLst/>
-          </a:prstGeom>
-          <a:noFill/>
-          <a:extLst>
-            <a:ext uri="{909E8E84-426E-40DD-AFC4-6F175D3DCCD1}">
-              <a14:hiddenFill xmlns:a14="http://schemas.microsoft.com/office/drawing/2010/main">
-                <a:solidFill>
-                  <a:srgbClr val="FFFFFF"/>
-                </a:solidFill>
-              </a14:hiddenFill>
-            </a:ext>
-          </a:extLst>
-        </p:spPr>
-      </p:pic>
       <p:sp>
         <p:nvSpPr>
           <p:cNvPr id="6" name="Espace réservé du pied de page 5"/>
@@ -5354,7 +5389,11 @@
           <a:p>
             <a:r>
               <a:rPr lang="fr-CH" sz="4800" dirty="0" smtClean="0"/>
-              <a:t>Comparaison analyse et résolution</a:t>
+              <a:t>Comparaison analyse et </a:t>
+            </a:r>
+            <a:r>
+              <a:rPr lang="fr-CH" sz="4800" dirty="0" smtClean="0"/>
+              <a:t>réalisation</a:t>
             </a:r>
             <a:endParaRPr lang="fr-CH" sz="4800" dirty="0"/>
           </a:p>
@@ -5415,8 +5454,89 @@
                 <a:ea typeface="Adobe Heiti Std R" pitchFamily="34" charset="-128"/>
                 <a:cs typeface="Arial" panose="020B0604020202020204" pitchFamily="34" charset="0"/>
               </a:rPr>
-              <a:t>Analyse et résolution </a:t>
-            </a:r>
+              <a:t>Correspond </a:t>
+            </a:r>
+            <a:r>
+              <a:rPr lang="fr-CH" dirty="0">
+                <a:solidFill>
+                  <a:schemeClr val="tx1">
+                    <a:lumMod val="75000"/>
+                    <a:lumOff val="25000"/>
+                  </a:schemeClr>
+                </a:solidFill>
+                <a:latin typeface="Arial" panose="020B0604020202020204" pitchFamily="34" charset="0"/>
+                <a:ea typeface="Adobe Heiti Std R" pitchFamily="34" charset="-128"/>
+                <a:cs typeface="Arial" panose="020B0604020202020204" pitchFamily="34" charset="0"/>
+              </a:rPr>
+              <a:t>au cahier des </a:t>
+            </a:r>
+            <a:r>
+              <a:rPr lang="fr-CH" dirty="0" smtClean="0">
+                <a:solidFill>
+                  <a:schemeClr val="tx1">
+                    <a:lumMod val="75000"/>
+                    <a:lumOff val="25000"/>
+                  </a:schemeClr>
+                </a:solidFill>
+                <a:latin typeface="Arial" panose="020B0604020202020204" pitchFamily="34" charset="0"/>
+                <a:ea typeface="Adobe Heiti Std R" pitchFamily="34" charset="-128"/>
+                <a:cs typeface="Arial" panose="020B0604020202020204" pitchFamily="34" charset="0"/>
+              </a:rPr>
+              <a:t>charges</a:t>
+            </a:r>
+          </a:p>
+          <a:p>
+            <a:pPr>
+              <a:spcAft>
+                <a:spcPts val="600"/>
+              </a:spcAft>
+            </a:pPr>
+            <a:r>
+              <a:rPr lang="fr-CH" dirty="0" smtClean="0">
+                <a:solidFill>
+                  <a:schemeClr val="tx1">
+                    <a:lumMod val="75000"/>
+                    <a:lumOff val="25000"/>
+                  </a:schemeClr>
+                </a:solidFill>
+                <a:latin typeface="Arial" panose="020B0604020202020204" pitchFamily="34" charset="0"/>
+                <a:ea typeface="Adobe Heiti Std R" pitchFamily="34" charset="-128"/>
+                <a:cs typeface="Arial" panose="020B0604020202020204" pitchFamily="34" charset="0"/>
+              </a:rPr>
+              <a:t>Les droits sont respectés</a:t>
+            </a:r>
+          </a:p>
+          <a:p>
+            <a:pPr>
+              <a:spcAft>
+                <a:spcPts val="600"/>
+              </a:spcAft>
+            </a:pPr>
+            <a:r>
+              <a:rPr lang="fr-CH" dirty="0" smtClean="0">
+                <a:solidFill>
+                  <a:schemeClr val="tx1">
+                    <a:lumMod val="75000"/>
+                    <a:lumOff val="25000"/>
+                  </a:schemeClr>
+                </a:solidFill>
+                <a:latin typeface="Arial" panose="020B0604020202020204" pitchFamily="34" charset="0"/>
+                <a:ea typeface="Adobe Heiti Std R" pitchFamily="34" charset="-128"/>
+                <a:cs typeface="Arial" panose="020B0604020202020204" pitchFamily="34" charset="0"/>
+              </a:rPr>
+              <a:t>Modification de la base</a:t>
+            </a:r>
+            <a:endParaRPr lang="fr-CH" dirty="0" smtClean="0">
+              <a:solidFill>
+                <a:schemeClr val="tx1">
+                  <a:lumMod val="75000"/>
+                  <a:lumOff val="25000"/>
+                </a:schemeClr>
+              </a:solidFill>
+              <a:latin typeface="Arial" panose="020B0604020202020204" pitchFamily="34" charset="0"/>
+              <a:ea typeface="Adobe Heiti Std R" pitchFamily="34" charset="-128"/>
+              <a:cs typeface="Arial" panose="020B0604020202020204" pitchFamily="34" charset="0"/>
+            </a:endParaRPr>
           </a:p>
         </p:txBody>
       </p:sp>
@@ -5473,6 +5593,54 @@
           </a:p>
         </p:txBody>
       </p:sp>
+      <p:pic>
+        <p:nvPicPr>
+          <p:cNvPr id="6" name="Picture 2" descr="C:\Users\PLOJOUXR_INFO\Downloads\iconmonstr-check-mark-4-icon-256.png"/>
+          <p:cNvPicPr>
+            <a:picLocks noChangeAspect="1" noChangeArrowheads="1"/>
+          </p:cNvPicPr>
+          <p:nvPr/>
+        </p:nvPicPr>
+        <p:blipFill>
+          <a:blip r:embed="rId2">
+            <a:duotone>
+              <a:schemeClr val="accent2">
+                <a:shade val="45000"/>
+                <a:satMod val="135000"/>
+              </a:schemeClr>
+              <a:prstClr val="white"/>
+            </a:duotone>
+            <a:extLst>
+              <a:ext uri="{28A0092B-C50C-407E-A947-70E740481C1C}">
+                <a14:useLocalDpi xmlns:a14="http://schemas.microsoft.com/office/drawing/2010/main" val="0"/>
+              </a:ext>
+            </a:extLst>
+          </a:blip>
+          <a:srcRect/>
+          <a:stretch>
+            <a:fillRect/>
+          </a:stretch>
+        </p:blipFill>
+        <p:spPr bwMode="auto">
+          <a:xfrm>
+            <a:off x="3707904" y="4365104"/>
+            <a:ext cx="1502296" cy="1502296"/>
+          </a:xfrm>
+          <a:prstGeom prst="rect">
+            <a:avLst/>
+          </a:prstGeom>
+          <a:noFill/>
+          <a:extLst>
+            <a:ext uri="{909E8E84-426E-40DD-AFC4-6F175D3DCCD1}">
+              <a14:hiddenFill xmlns:a14="http://schemas.microsoft.com/office/drawing/2010/main">
+                <a:solidFill>
+                  <a:srgbClr val="FFFFFF"/>
+                </a:solidFill>
+              </a14:hiddenFill>
+            </a:ext>
+          </a:extLst>
+        </p:spPr>
+      </p:pic>
     </p:spTree>
     <p:extLst>
       <p:ext uri="{BB962C8B-B14F-4D97-AF65-F5344CB8AC3E}">
@@ -5771,7 +5939,7 @@
           <a:p>
             <a:r>
               <a:rPr lang="fr-CH" dirty="0" smtClean="0"/>
-              <a:t>Question</a:t>
+              <a:t>Questions</a:t>
             </a:r>
             <a:endParaRPr lang="fr-CH" dirty="0"/>
           </a:p>
@@ -5817,6 +5985,13 @@
         </p:nvPicPr>
         <p:blipFill>
           <a:blip r:embed="rId2">
+            <a:duotone>
+              <a:schemeClr val="accent2">
+                <a:shade val="45000"/>
+                <a:satMod val="135000"/>
+              </a:schemeClr>
+              <a:prstClr val="white"/>
+            </a:duotone>
             <a:extLst>
               <a:ext uri="{28A0092B-C50C-407E-A947-70E740481C1C}">
                 <a14:useLocalDpi xmlns:a14="http://schemas.microsoft.com/office/drawing/2010/main" val="0"/>
@@ -5946,154 +6121,6 @@
           <a:bodyPr/>
           <a:lstStyle/>
           <a:p>
-            <a:pPr>
-              <a:spcAft>
-                <a:spcPts val="600"/>
-              </a:spcAft>
-            </a:pPr>
-            <a:r>
-              <a:rPr lang="fr-CH" dirty="0" smtClean="0">
-                <a:solidFill>
-                  <a:schemeClr val="tx1">
-                    <a:lumMod val="75000"/>
-                    <a:lumOff val="25000"/>
-                  </a:schemeClr>
-                </a:solidFill>
-                <a:latin typeface="Arial" panose="020B0604020202020204" pitchFamily="34" charset="0"/>
-                <a:ea typeface="Adobe Heiti Std R" pitchFamily="34" charset="-128"/>
-                <a:cs typeface="Arial" panose="020B0604020202020204" pitchFamily="34" charset="0"/>
-              </a:rPr>
-              <a:t>Introduction</a:t>
-            </a:r>
-          </a:p>
-          <a:p>
-            <a:pPr>
-              <a:spcAft>
-                <a:spcPts val="600"/>
-              </a:spcAft>
-            </a:pPr>
-            <a:r>
-              <a:rPr lang="fr-CH" dirty="0" smtClean="0">
-                <a:solidFill>
-                  <a:schemeClr val="tx1">
-                    <a:lumMod val="75000"/>
-                    <a:lumOff val="25000"/>
-                  </a:schemeClr>
-                </a:solidFill>
-                <a:latin typeface="Arial" panose="020B0604020202020204" pitchFamily="34" charset="0"/>
-                <a:ea typeface="Adobe Heiti Std R" pitchFamily="34" charset="-128"/>
-                <a:cs typeface="Arial" panose="020B0604020202020204" pitchFamily="34" charset="0"/>
-              </a:rPr>
-              <a:t>Caractéristique</a:t>
-            </a:r>
-          </a:p>
-          <a:p>
-            <a:pPr>
-              <a:spcAft>
-                <a:spcPts val="600"/>
-              </a:spcAft>
-            </a:pPr>
-            <a:r>
-              <a:rPr lang="fr-CH" dirty="0" smtClean="0">
-                <a:solidFill>
-                  <a:schemeClr val="tx1">
-                    <a:lumMod val="75000"/>
-                    <a:lumOff val="25000"/>
-                  </a:schemeClr>
-                </a:solidFill>
-                <a:latin typeface="Arial" panose="020B0604020202020204" pitchFamily="34" charset="0"/>
-                <a:ea typeface="Adobe Heiti Std R" pitchFamily="34" charset="-128"/>
-                <a:cs typeface="Arial" panose="020B0604020202020204" pitchFamily="34" charset="0"/>
-              </a:rPr>
-              <a:t>Analyse</a:t>
-            </a:r>
-            <a:endParaRPr lang="fr-CH" dirty="0" smtClean="0"/>
-          </a:p>
-          <a:p>
-            <a:pPr>
-              <a:spcAft>
-                <a:spcPts val="600"/>
-              </a:spcAft>
-            </a:pPr>
-            <a:r>
-              <a:rPr lang="fr-CH" dirty="0" smtClean="0">
-                <a:solidFill>
-                  <a:schemeClr val="tx1">
-                    <a:lumMod val="75000"/>
-                    <a:lumOff val="25000"/>
-                  </a:schemeClr>
-                </a:solidFill>
-                <a:latin typeface="Arial" panose="020B0604020202020204" pitchFamily="34" charset="0"/>
-                <a:ea typeface="Adobe Heiti Std R" pitchFamily="34" charset="-128"/>
-                <a:cs typeface="Arial" panose="020B0604020202020204" pitchFamily="34" charset="0"/>
-              </a:rPr>
-              <a:t>Réalisation</a:t>
-            </a:r>
-          </a:p>
-          <a:p>
-            <a:pPr>
-              <a:spcAft>
-                <a:spcPts val="600"/>
-              </a:spcAft>
-            </a:pPr>
-            <a:r>
-              <a:rPr lang="fr-CH" dirty="0" smtClean="0">
-                <a:solidFill>
-                  <a:schemeClr val="tx1">
-                    <a:lumMod val="75000"/>
-                    <a:lumOff val="25000"/>
-                  </a:schemeClr>
-                </a:solidFill>
-                <a:latin typeface="Arial" panose="020B0604020202020204" pitchFamily="34" charset="0"/>
-                <a:ea typeface="Adobe Heiti Std R" pitchFamily="34" charset="-128"/>
-                <a:cs typeface="Arial" panose="020B0604020202020204" pitchFamily="34" charset="0"/>
-              </a:rPr>
-              <a:t>Démonstration</a:t>
-            </a:r>
-          </a:p>
-          <a:p>
-            <a:pPr>
-              <a:spcAft>
-                <a:spcPts val="600"/>
-              </a:spcAft>
-            </a:pPr>
-            <a:r>
-              <a:rPr lang="fr-CH" dirty="0" smtClean="0">
-                <a:solidFill>
-                  <a:schemeClr val="tx1">
-                    <a:lumMod val="75000"/>
-                    <a:lumOff val="25000"/>
-                  </a:schemeClr>
-                </a:solidFill>
-                <a:latin typeface="Arial" panose="020B0604020202020204" pitchFamily="34" charset="0"/>
-                <a:ea typeface="Adobe Heiti Std R" pitchFamily="34" charset="-128"/>
-                <a:cs typeface="Arial" panose="020B0604020202020204" pitchFamily="34" charset="0"/>
-              </a:rPr>
-              <a:t>Conclusion</a:t>
-            </a:r>
-          </a:p>
-          <a:p>
-            <a:pPr>
-              <a:spcAft>
-                <a:spcPts val="600"/>
-              </a:spcAft>
-            </a:pPr>
-            <a:r>
-              <a:rPr lang="fr-CH" dirty="0" smtClean="0">
-                <a:solidFill>
-                  <a:schemeClr val="tx1">
-                    <a:lumMod val="75000"/>
-                    <a:lumOff val="25000"/>
-                  </a:schemeClr>
-                </a:solidFill>
-                <a:latin typeface="Arial" panose="020B0604020202020204" pitchFamily="34" charset="0"/>
-                <a:ea typeface="Adobe Heiti Std R" pitchFamily="34" charset="-128"/>
-                <a:cs typeface="Arial" panose="020B0604020202020204" pitchFamily="34" charset="0"/>
-              </a:rPr>
-              <a:t>Questions</a:t>
-            </a:r>
-          </a:p>
-          <a:p>
             <a:endParaRPr lang="fr-CH" dirty="0" smtClean="0">
               <a:solidFill>
                 <a:schemeClr val="tx1">
@@ -6249,6 +6276,109 @@
           <a:bodyPr/>
           <a:lstStyle/>
           <a:p>
+            <a:r>
+              <a:rPr lang="fr-CH" dirty="0" smtClean="0">
+                <a:solidFill>
+                  <a:schemeClr val="tx1">
+                    <a:lumMod val="75000"/>
+                    <a:lumOff val="25000"/>
+                  </a:schemeClr>
+                </a:solidFill>
+                <a:latin typeface="Arial" panose="020B0604020202020204" pitchFamily="34" charset="0"/>
+                <a:ea typeface="Adobe Heiti Std R" pitchFamily="34" charset="-128"/>
+                <a:cs typeface="Arial" panose="020B0604020202020204" pitchFamily="34" charset="0"/>
+              </a:rPr>
+              <a:t>Qu’est </a:t>
+            </a:r>
+            <a:r>
+              <a:rPr lang="fr-CH" dirty="0" smtClean="0">
+                <a:solidFill>
+                  <a:schemeClr val="tx1">
+                    <a:lumMod val="75000"/>
+                    <a:lumOff val="25000"/>
+                  </a:schemeClr>
+                </a:solidFill>
+                <a:latin typeface="Arial" panose="020B0604020202020204" pitchFamily="34" charset="0"/>
+                <a:ea typeface="Adobe Heiti Std R" pitchFamily="34" charset="-128"/>
+                <a:cs typeface="Arial" panose="020B0604020202020204" pitchFamily="34" charset="0"/>
+              </a:rPr>
+              <a:t>ce que «</a:t>
+            </a:r>
+            <a:r>
+              <a:rPr lang="fr-CH" dirty="0" err="1" smtClean="0">
+                <a:solidFill>
+                  <a:schemeClr val="tx1">
+                    <a:lumMod val="75000"/>
+                    <a:lumOff val="25000"/>
+                  </a:schemeClr>
+                </a:solidFill>
+                <a:latin typeface="Arial" panose="020B0604020202020204" pitchFamily="34" charset="0"/>
+                <a:ea typeface="Adobe Heiti Std R" pitchFamily="34" charset="-128"/>
+                <a:cs typeface="Arial" panose="020B0604020202020204" pitchFamily="34" charset="0"/>
+              </a:rPr>
+              <a:t>TopRecettes</a:t>
+            </a:r>
+            <a:r>
+              <a:rPr lang="fr-CH" dirty="0" smtClean="0">
+                <a:solidFill>
+                  <a:schemeClr val="tx1">
+                    <a:lumMod val="75000"/>
+                    <a:lumOff val="25000"/>
+                  </a:schemeClr>
+                </a:solidFill>
+                <a:latin typeface="Arial" panose="020B0604020202020204" pitchFamily="34" charset="0"/>
+                <a:ea typeface="Adobe Heiti Std R" pitchFamily="34" charset="-128"/>
+                <a:cs typeface="Arial" panose="020B0604020202020204" pitchFamily="34" charset="0"/>
+              </a:rPr>
+              <a:t>»?</a:t>
+            </a:r>
+          </a:p>
+          <a:p>
+            <a:pPr lvl="1"/>
+            <a:r>
+              <a:rPr lang="fr-CH" dirty="0" smtClean="0">
+                <a:solidFill>
+                  <a:schemeClr val="tx1">
+                    <a:lumMod val="75000"/>
+                    <a:lumOff val="25000"/>
+                  </a:schemeClr>
+                </a:solidFill>
+                <a:latin typeface="Arial" panose="020B0604020202020204" pitchFamily="34" charset="0"/>
+                <a:ea typeface="Adobe Heiti Std R" pitchFamily="34" charset="-128"/>
+                <a:cs typeface="Arial" panose="020B0604020202020204" pitchFamily="34" charset="0"/>
+              </a:rPr>
+              <a:t>Site web</a:t>
+            </a:r>
+          </a:p>
+          <a:p>
+            <a:pPr lvl="1"/>
+            <a:r>
+              <a:rPr lang="fr-CH" dirty="0" smtClean="0">
+                <a:solidFill>
+                  <a:schemeClr val="tx1">
+                    <a:lumMod val="75000"/>
+                    <a:lumOff val="25000"/>
+                  </a:schemeClr>
+                </a:solidFill>
+                <a:latin typeface="Arial" panose="020B0604020202020204" pitchFamily="34" charset="0"/>
+                <a:ea typeface="Adobe Heiti Std R" pitchFamily="34" charset="-128"/>
+                <a:cs typeface="Arial" panose="020B0604020202020204" pitchFamily="34" charset="0"/>
+              </a:rPr>
+              <a:t>Gestionnaire de recettes</a:t>
+            </a:r>
+            <a:endParaRPr lang="fr-CH" dirty="0">
+              <a:solidFill>
+                <a:schemeClr val="tx1">
+                  <a:lumMod val="75000"/>
+                  <a:lumOff val="25000"/>
+                </a:schemeClr>
+              </a:solidFill>
+              <a:latin typeface="Arial" panose="020B0604020202020204" pitchFamily="34" charset="0"/>
+              <a:ea typeface="Adobe Heiti Std R" pitchFamily="34" charset="-128"/>
+              <a:cs typeface="Arial" panose="020B0604020202020204" pitchFamily="34" charset="0"/>
+            </a:endParaRPr>
+          </a:p>
+          <a:p>
             <a:endParaRPr lang="fr-CH" dirty="0" smtClean="0">
               <a:solidFill>
                 <a:schemeClr val="tx1">
@@ -6274,10 +6404,13 @@
                 <a:ea typeface="Adobe Heiti Std R" pitchFamily="34" charset="-128"/>
                 <a:cs typeface="Arial" panose="020B0604020202020204" pitchFamily="34" charset="0"/>
               </a:rPr>
-              <a:t>Qu’est ce que «</a:t>
-            </a:r>
-            <a:r>
-              <a:rPr lang="fr-CH" dirty="0" err="1" smtClean="0">
+              <a:t>À quoi ça sert?</a:t>
+            </a:r>
+          </a:p>
+          <a:p>
+            <a:pPr lvl="1"/>
+            <a:r>
+              <a:rPr lang="fr-CH" dirty="0" smtClean="0">
                 <a:solidFill>
                   <a:schemeClr val="tx1">
                     <a:lumMod val="75000"/>
@@ -6288,8 +6421,11 @@
                 <a:ea typeface="Adobe Heiti Std R" pitchFamily="34" charset="-128"/>
                 <a:cs typeface="Arial" panose="020B0604020202020204" pitchFamily="34" charset="0"/>
               </a:rPr>
-              <a:t>TopRecettes</a:t>
-            </a:r>
+              <a:t>Partager des recettes</a:t>
+            </a:r>
+          </a:p>
+          <a:p>
+            <a:pPr lvl="1"/>
             <a:r>
               <a:rPr lang="fr-CH" dirty="0" smtClean="0">
                 <a:solidFill>
@@ -6302,7 +6438,7 @@
                 <a:ea typeface="Adobe Heiti Std R" pitchFamily="34" charset="-128"/>
                 <a:cs typeface="Arial" panose="020B0604020202020204" pitchFamily="34" charset="0"/>
               </a:rPr>
-              <a:t>»?</a:t>
+              <a:t>Consulter des recettes</a:t>
             </a:r>
           </a:p>
           <a:p>
@@ -6319,36 +6455,8 @@
                 <a:ea typeface="Adobe Heiti Std R" pitchFamily="34" charset="-128"/>
                 <a:cs typeface="Arial" panose="020B0604020202020204" pitchFamily="34" charset="0"/>
               </a:rPr>
-              <a:t>Site web</a:t>
-            </a:r>
-          </a:p>
-          <a:p>
-            <a:pPr lvl="1"/>
-            <a:r>
-              <a:rPr lang="fr-CH" dirty="0" smtClean="0">
-                <a:solidFill>
-                  <a:schemeClr val="tx1">
-                    <a:lumMod val="75000"/>
-                    <a:lumOff val="25000"/>
-                  </a:schemeClr>
-                </a:solidFill>
-                <a:latin typeface="Arial" panose="020B0604020202020204" pitchFamily="34" charset="0"/>
-                <a:ea typeface="Adobe Heiti Std R" pitchFamily="34" charset="-128"/>
-                <a:cs typeface="Arial" panose="020B0604020202020204" pitchFamily="34" charset="0"/>
-              </a:rPr>
-              <a:t>Gestionnaire de recettes</a:t>
-            </a:r>
-            <a:endParaRPr lang="fr-CH" dirty="0">
-              <a:solidFill>
-                <a:schemeClr val="tx1">
-                  <a:lumMod val="75000"/>
-                  <a:lumOff val="25000"/>
-                </a:schemeClr>
-              </a:solidFill>
-              <a:latin typeface="Arial" panose="020B0604020202020204" pitchFamily="34" charset="0"/>
-              <a:ea typeface="Adobe Heiti Std R" pitchFamily="34" charset="-128"/>
-              <a:cs typeface="Arial" panose="020B0604020202020204" pitchFamily="34" charset="0"/>
-            </a:endParaRPr>
+              <a:t>Commenter et noter des recettes</a:t>
+            </a:r>
           </a:p>
           <a:p>
             <a:endParaRPr lang="fr-CH" dirty="0" smtClean="0">
@@ -6376,123 +6484,7 @@
                 <a:ea typeface="Adobe Heiti Std R" pitchFamily="34" charset="-128"/>
                 <a:cs typeface="Arial" panose="020B0604020202020204" pitchFamily="34" charset="0"/>
               </a:rPr>
-              <a:t>À quoi ça sert?</a:t>
-            </a:r>
-          </a:p>
-          <a:p>
-            <a:pPr lvl="1"/>
-            <a:r>
-              <a:rPr lang="fr-CH" dirty="0" smtClean="0">
-                <a:solidFill>
-                  <a:schemeClr val="tx1">
-                    <a:lumMod val="75000"/>
-                    <a:lumOff val="25000"/>
-                  </a:schemeClr>
-                </a:solidFill>
-                <a:latin typeface="Arial" panose="020B0604020202020204" pitchFamily="34" charset="0"/>
-                <a:ea typeface="Adobe Heiti Std R" pitchFamily="34" charset="-128"/>
-                <a:cs typeface="Arial" panose="020B0604020202020204" pitchFamily="34" charset="0"/>
-              </a:rPr>
-              <a:t>Partager des recettes</a:t>
-            </a:r>
-          </a:p>
-          <a:p>
-            <a:pPr lvl="1"/>
-            <a:r>
-              <a:rPr lang="fr-CH" dirty="0" smtClean="0">
-                <a:solidFill>
-                  <a:schemeClr val="tx1">
-                    <a:lumMod val="75000"/>
-                    <a:lumOff val="25000"/>
-                  </a:schemeClr>
-                </a:solidFill>
-                <a:latin typeface="Arial" panose="020B0604020202020204" pitchFamily="34" charset="0"/>
-                <a:ea typeface="Adobe Heiti Std R" pitchFamily="34" charset="-128"/>
-                <a:cs typeface="Arial" panose="020B0604020202020204" pitchFamily="34" charset="0"/>
-              </a:rPr>
-              <a:t>Consulter des recettes</a:t>
-            </a:r>
-            <a:endParaRPr lang="fr-CH" dirty="0" smtClean="0">
-              <a:solidFill>
-                <a:schemeClr val="tx1">
-                  <a:lumMod val="75000"/>
-                  <a:lumOff val="25000"/>
-                </a:schemeClr>
-              </a:solidFill>
-              <a:latin typeface="Arial" panose="020B0604020202020204" pitchFamily="34" charset="0"/>
-              <a:ea typeface="Adobe Heiti Std R" pitchFamily="34" charset="-128"/>
-              <a:cs typeface="Arial" panose="020B0604020202020204" pitchFamily="34" charset="0"/>
-            </a:endParaRPr>
-          </a:p>
-          <a:p>
-            <a:pPr lvl="1"/>
-            <a:r>
-              <a:rPr lang="fr-CH" dirty="0" smtClean="0">
-                <a:solidFill>
-                  <a:schemeClr val="tx1">
-                    <a:lumMod val="75000"/>
-                    <a:lumOff val="25000"/>
-                  </a:schemeClr>
-                </a:solidFill>
-                <a:latin typeface="Arial" panose="020B0604020202020204" pitchFamily="34" charset="0"/>
-                <a:ea typeface="Adobe Heiti Std R" pitchFamily="34" charset="-128"/>
-                <a:cs typeface="Arial" panose="020B0604020202020204" pitchFamily="34" charset="0"/>
-              </a:rPr>
-              <a:t>Commenter et noter des recettes</a:t>
-            </a:r>
-            <a:endParaRPr lang="fr-CH" dirty="0" smtClean="0">
-              <a:solidFill>
-                <a:schemeClr val="tx1">
-                  <a:lumMod val="75000"/>
-                  <a:lumOff val="25000"/>
-                </a:schemeClr>
-              </a:solidFill>
-              <a:latin typeface="Arial" panose="020B0604020202020204" pitchFamily="34" charset="0"/>
-              <a:ea typeface="Adobe Heiti Std R" pitchFamily="34" charset="-128"/>
-              <a:cs typeface="Arial" panose="020B0604020202020204" pitchFamily="34" charset="0"/>
-            </a:endParaRPr>
-          </a:p>
-          <a:p>
-            <a:endParaRPr lang="fr-CH" dirty="0" smtClean="0">
-              <a:solidFill>
-                <a:schemeClr val="tx1">
-                  <a:lumMod val="75000"/>
-                  <a:lumOff val="25000"/>
-                </a:schemeClr>
-              </a:solidFill>
-              <a:latin typeface="Arial" panose="020B0604020202020204" pitchFamily="34" charset="0"/>
-              <a:ea typeface="Adobe Heiti Std R" pitchFamily="34" charset="-128"/>
-              <a:cs typeface="Arial" panose="020B0604020202020204" pitchFamily="34" charset="0"/>
-            </a:endParaRPr>
-          </a:p>
-          <a:p>
-            <a:r>
-              <a:rPr lang="fr-CH" dirty="0" smtClean="0">
-                <a:solidFill>
-                  <a:schemeClr val="tx1">
-                    <a:lumMod val="75000"/>
-                    <a:lumOff val="25000"/>
-                  </a:schemeClr>
-                </a:solidFill>
-                <a:latin typeface="Arial" panose="020B0604020202020204" pitchFamily="34" charset="0"/>
-                <a:ea typeface="Adobe Heiti Std R" pitchFamily="34" charset="-128"/>
-                <a:cs typeface="Arial" panose="020B0604020202020204" pitchFamily="34" charset="0"/>
-              </a:rPr>
-              <a:t>Pourquoi </a:t>
-            </a:r>
-            <a:r>
-              <a:rPr lang="fr-CH" dirty="0" smtClean="0">
-                <a:solidFill>
-                  <a:schemeClr val="tx1">
-                    <a:lumMod val="75000"/>
-                    <a:lumOff val="25000"/>
-                  </a:schemeClr>
-                </a:solidFill>
-                <a:latin typeface="Arial" panose="020B0604020202020204" pitchFamily="34" charset="0"/>
-                <a:ea typeface="Adobe Heiti Std R" pitchFamily="34" charset="-128"/>
-                <a:cs typeface="Arial" panose="020B0604020202020204" pitchFamily="34" charset="0"/>
-              </a:rPr>
-              <a:t>j’ai choisi ce sujet?</a:t>
+              <a:t>Pourquoi j’ai choisi ce sujet?</a:t>
             </a:r>
           </a:p>
           <a:p>
@@ -6724,17 +6716,6 @@
               </a:rPr>
               <a:t>Liste des recettes</a:t>
             </a:r>
-            <a:endParaRPr lang="fr-CH" dirty="0" smtClean="0">
-              <a:solidFill>
-                <a:schemeClr val="tx1">
-                  <a:lumMod val="75000"/>
-                  <a:lumOff val="25000"/>
-                </a:schemeClr>
-              </a:solidFill>
-              <a:latin typeface="Arial" panose="020B0604020202020204" pitchFamily="34" charset="0"/>
-              <a:ea typeface="Adobe Heiti Std R" pitchFamily="34" charset="-128"/>
-              <a:cs typeface="Arial" panose="020B0604020202020204" pitchFamily="34" charset="0"/>
-            </a:endParaRPr>
           </a:p>
           <a:p>
             <a:pPr lvl="1"/>
@@ -6752,17 +6733,6 @@
               </a:rPr>
               <a:t>Une recette</a:t>
             </a:r>
-            <a:endParaRPr lang="fr-CH" dirty="0" smtClean="0">
-              <a:solidFill>
-                <a:schemeClr val="tx1">
-                  <a:lumMod val="75000"/>
-                  <a:lumOff val="25000"/>
-                </a:schemeClr>
-              </a:solidFill>
-              <a:latin typeface="Arial" panose="020B0604020202020204" pitchFamily="34" charset="0"/>
-              <a:ea typeface="Adobe Heiti Std R" pitchFamily="34" charset="-128"/>
-              <a:cs typeface="Arial" panose="020B0604020202020204" pitchFamily="34" charset="0"/>
-            </a:endParaRPr>
           </a:p>
           <a:p>
             <a:pPr lvl="1"/>
@@ -6780,17 +6750,6 @@
               </a:rPr>
               <a:t>Les commentaires d’un recette</a:t>
             </a:r>
-            <a:endParaRPr lang="fr-CH" dirty="0" smtClean="0">
-              <a:solidFill>
-                <a:schemeClr val="tx1">
-                  <a:lumMod val="75000"/>
-                  <a:lumOff val="25000"/>
-                </a:schemeClr>
-              </a:solidFill>
-              <a:latin typeface="Arial" panose="020B0604020202020204" pitchFamily="34" charset="0"/>
-              <a:ea typeface="Adobe Heiti Std R" pitchFamily="34" charset="-128"/>
-              <a:cs typeface="Arial" panose="020B0604020202020204" pitchFamily="34" charset="0"/>
-            </a:endParaRPr>
           </a:p>
           <a:p>
             <a:pPr lvl="1"/>
@@ -6808,17 +6767,6 @@
               </a:rPr>
               <a:t>Liste des utilisateurs</a:t>
             </a:r>
-            <a:endParaRPr lang="fr-CH" dirty="0" smtClean="0">
-              <a:solidFill>
-                <a:schemeClr val="tx1">
-                  <a:lumMod val="75000"/>
-                  <a:lumOff val="25000"/>
-                </a:schemeClr>
-              </a:solidFill>
-              <a:latin typeface="Arial" panose="020B0604020202020204" pitchFamily="34" charset="0"/>
-              <a:ea typeface="Adobe Heiti Std R" pitchFamily="34" charset="-128"/>
-              <a:cs typeface="Arial" panose="020B0604020202020204" pitchFamily="34" charset="0"/>
-            </a:endParaRPr>
           </a:p>
           <a:p>
             <a:r>
@@ -6833,8 +6781,11 @@
                 <a:ea typeface="Adobe Heiti Std R" pitchFamily="34" charset="-128"/>
                 <a:cs typeface="Arial" panose="020B0604020202020204" pitchFamily="34" charset="0"/>
               </a:rPr>
-              <a:t>Créer, Modifier et </a:t>
-            </a:r>
+              <a:t>Créer, Modifier et supprimer :</a:t>
+            </a:r>
+          </a:p>
+          <a:p>
+            <a:pPr lvl="1"/>
             <a:r>
               <a:rPr lang="fr-CH" dirty="0" smtClean="0">
                 <a:solidFill>
@@ -6847,7 +6798,7 @@
                 <a:ea typeface="Adobe Heiti Std R" pitchFamily="34" charset="-128"/>
                 <a:cs typeface="Arial" panose="020B0604020202020204" pitchFamily="34" charset="0"/>
               </a:rPr>
-              <a:t>supprimer :</a:t>
+              <a:t>Des recettes</a:t>
             </a:r>
           </a:p>
           <a:p>
@@ -6864,19 +6815,8 @@
                 <a:ea typeface="Adobe Heiti Std R" pitchFamily="34" charset="-128"/>
                 <a:cs typeface="Arial" panose="020B0604020202020204" pitchFamily="34" charset="0"/>
               </a:rPr>
-              <a:t>Des recettes</a:t>
-            </a:r>
-            <a:endParaRPr lang="fr-CH" dirty="0" smtClean="0">
-              <a:solidFill>
-                <a:schemeClr val="tx1">
-                  <a:lumMod val="75000"/>
-                  <a:lumOff val="25000"/>
-                </a:schemeClr>
-              </a:solidFill>
-              <a:latin typeface="Arial" panose="020B0604020202020204" pitchFamily="34" charset="0"/>
-              <a:ea typeface="Adobe Heiti Std R" pitchFamily="34" charset="-128"/>
-              <a:cs typeface="Arial" panose="020B0604020202020204" pitchFamily="34" charset="0"/>
-            </a:endParaRPr>
+              <a:t>Des commentaires</a:t>
+            </a:r>
           </a:p>
           <a:p>
             <a:pPr lvl="1"/>
@@ -6892,36 +6832,8 @@
                 <a:ea typeface="Adobe Heiti Std R" pitchFamily="34" charset="-128"/>
                 <a:cs typeface="Arial" panose="020B0604020202020204" pitchFamily="34" charset="0"/>
               </a:rPr>
-              <a:t>Des commentaires</a:t>
-            </a:r>
-          </a:p>
-          <a:p>
-            <a:pPr lvl="1"/>
-            <a:r>
-              <a:rPr lang="fr-CH" dirty="0" smtClean="0">
-                <a:solidFill>
-                  <a:schemeClr val="tx1">
-                    <a:lumMod val="75000"/>
-                    <a:lumOff val="25000"/>
-                  </a:schemeClr>
-                </a:solidFill>
-                <a:latin typeface="Arial" panose="020B0604020202020204" pitchFamily="34" charset="0"/>
-                <a:ea typeface="Adobe Heiti Std R" pitchFamily="34" charset="-128"/>
-                <a:cs typeface="Arial" panose="020B0604020202020204" pitchFamily="34" charset="0"/>
-              </a:rPr>
               <a:t>Des utilisateurs</a:t>
             </a:r>
-            <a:endParaRPr lang="fr-CH" dirty="0" smtClean="0">
-              <a:solidFill>
-                <a:schemeClr val="tx1">
-                  <a:lumMod val="75000"/>
-                  <a:lumOff val="25000"/>
-                </a:schemeClr>
-              </a:solidFill>
-              <a:latin typeface="Arial" panose="020B0604020202020204" pitchFamily="34" charset="0"/>
-              <a:ea typeface="Adobe Heiti Std R" pitchFamily="34" charset="-128"/>
-              <a:cs typeface="Arial" panose="020B0604020202020204" pitchFamily="34" charset="0"/>
-            </a:endParaRPr>
           </a:p>
         </p:txBody>
       </p:sp>
@@ -7031,10 +6943,10 @@
           <a:lstStyle/>
           <a:p>
             <a:r>
-              <a:rPr lang="fr-CH" sz="4800" dirty="0" smtClean="0"/>
-              <a:t>Fonctionnalités</a:t>
-            </a:r>
-            <a:endParaRPr lang="fr-CH" sz="4800" dirty="0"/>
+              <a:rPr lang="fr-CH" dirty="0"/>
+              <a:t>Caractéristiques</a:t>
+            </a:r>
+            <a:endParaRPr lang="fr-CH" dirty="0"/>
           </a:p>
         </p:txBody>
       </p:sp>
@@ -7301,6 +7213,68 @@
               </a:rPr>
               <a:t>es meilleures recettes</a:t>
             </a:r>
+          </a:p>
+          <a:p>
+            <a:pPr lvl="2"/>
+            <a:r>
+              <a:rPr lang="fr-CH" dirty="0">
+                <a:solidFill>
+                  <a:schemeClr val="tx1">
+                    <a:lumMod val="75000"/>
+                    <a:lumOff val="25000"/>
+                  </a:schemeClr>
+                </a:solidFill>
+                <a:latin typeface="Arial" panose="020B0604020202020204" pitchFamily="34" charset="0"/>
+                <a:ea typeface="Adobe Heiti Std R" pitchFamily="34" charset="-128"/>
+                <a:cs typeface="Arial" panose="020B0604020202020204" pitchFamily="34" charset="0"/>
+              </a:rPr>
+              <a:t>Afficher les </a:t>
+            </a:r>
+            <a:r>
+              <a:rPr lang="fr-CH" dirty="0" smtClean="0">
+                <a:solidFill>
+                  <a:schemeClr val="tx1">
+                    <a:lumMod val="75000"/>
+                    <a:lumOff val="25000"/>
+                  </a:schemeClr>
+                </a:solidFill>
+                <a:latin typeface="Arial" panose="020B0604020202020204" pitchFamily="34" charset="0"/>
+                <a:ea typeface="Adobe Heiti Std R" pitchFamily="34" charset="-128"/>
+                <a:cs typeface="Arial" panose="020B0604020202020204" pitchFamily="34" charset="0"/>
+              </a:rPr>
+              <a:t>dernières </a:t>
+            </a:r>
+            <a:r>
+              <a:rPr lang="fr-CH" dirty="0" smtClean="0">
+                <a:solidFill>
+                  <a:schemeClr val="tx1">
+                    <a:lumMod val="75000"/>
+                    <a:lumOff val="25000"/>
+                  </a:schemeClr>
+                </a:solidFill>
+                <a:latin typeface="Arial" panose="020B0604020202020204" pitchFamily="34" charset="0"/>
+                <a:ea typeface="Adobe Heiti Std R" pitchFamily="34" charset="-128"/>
+                <a:cs typeface="Arial" panose="020B0604020202020204" pitchFamily="34" charset="0"/>
+              </a:rPr>
+              <a:t>recettes</a:t>
+            </a:r>
+          </a:p>
+          <a:p>
+            <a:pPr lvl="1"/>
+            <a:r>
+              <a:rPr lang="fr-CH" dirty="0" smtClean="0">
+                <a:solidFill>
+                  <a:schemeClr val="tx1">
+                    <a:lumMod val="75000"/>
+                    <a:lumOff val="25000"/>
+                  </a:schemeClr>
+                </a:solidFill>
+                <a:latin typeface="Arial" panose="020B0604020202020204" pitchFamily="34" charset="0"/>
+                <a:ea typeface="Adobe Heiti Std R" pitchFamily="34" charset="-128"/>
+                <a:cs typeface="Arial" panose="020B0604020202020204" pitchFamily="34" charset="0"/>
+              </a:rPr>
+              <a:t>La liste des recettes</a:t>
+            </a:r>
             <a:endParaRPr lang="fr-CH" dirty="0" smtClean="0">
               <a:solidFill>
                 <a:schemeClr val="tx1">
@@ -7316,7 +7290,7 @@
           <a:p>
             <a:pPr lvl="2"/>
             <a:r>
-              <a:rPr lang="fr-CH" dirty="0">
+              <a:rPr lang="fr-CH" dirty="0" smtClean="0">
                 <a:solidFill>
                   <a:schemeClr val="tx1">
                     <a:lumMod val="75000"/>
@@ -7327,10 +7301,10 @@
                 <a:ea typeface="Adobe Heiti Std R" pitchFamily="34" charset="-128"/>
                 <a:cs typeface="Arial" panose="020B0604020202020204" pitchFamily="34" charset="0"/>
               </a:rPr>
-              <a:t>Afficher les </a:t>
-            </a:r>
-            <a:r>
-              <a:rPr lang="fr-CH" dirty="0" err="1" smtClean="0">
+              <a:t>Afficher </a:t>
+            </a:r>
+            <a:r>
+              <a:rPr lang="fr-CH" dirty="0" smtClean="0">
                 <a:solidFill>
                   <a:schemeClr val="tx1">
                     <a:lumMod val="75000"/>
@@ -7341,21 +7315,7 @@
                 <a:ea typeface="Adobe Heiti Std R" pitchFamily="34" charset="-128"/>
                 <a:cs typeface="Arial" panose="020B0604020202020204" pitchFamily="34" charset="0"/>
               </a:rPr>
-              <a:t>derniere</a:t>
-            </a:r>
-            <a:r>
-              <a:rPr lang="fr-CH" dirty="0" smtClean="0">
-                <a:solidFill>
-                  <a:schemeClr val="tx1">
-                    <a:lumMod val="75000"/>
-                    <a:lumOff val="25000"/>
-                  </a:schemeClr>
-                </a:solidFill>
-                <a:latin typeface="Arial" panose="020B0604020202020204" pitchFamily="34" charset="0"/>
-                <a:ea typeface="Adobe Heiti Std R" pitchFamily="34" charset="-128"/>
-                <a:cs typeface="Arial" panose="020B0604020202020204" pitchFamily="34" charset="0"/>
-              </a:rPr>
-              <a:t> recettes</a:t>
+              <a:t>toutes les recettes</a:t>
             </a:r>
             <a:endParaRPr lang="fr-CH" dirty="0" smtClean="0">
               <a:solidFill>
@@ -7372,7 +7332,7 @@
           <a:p>
             <a:pPr lvl="2"/>
             <a:r>
-              <a:rPr lang="fr-CH" dirty="0" smtClean="0">
+              <a:rPr lang="fr-CH" smtClean="0">
                 <a:solidFill>
                   <a:schemeClr val="tx1">
                     <a:lumMod val="75000"/>
@@ -7383,73 +7343,19 @@
                 <a:ea typeface="Adobe Heiti Std R" pitchFamily="34" charset="-128"/>
                 <a:cs typeface="Arial" panose="020B0604020202020204" pitchFamily="34" charset="0"/>
               </a:rPr>
-              <a:t>Inciter </a:t>
-            </a:r>
-            <a:r>
-              <a:rPr lang="fr-CH" dirty="0" smtClean="0">
-                <a:solidFill>
-                  <a:schemeClr val="tx1">
-                    <a:lumMod val="75000"/>
-                    <a:lumOff val="25000"/>
-                  </a:schemeClr>
-                </a:solidFill>
-                <a:latin typeface="Arial" panose="020B0604020202020204" pitchFamily="34" charset="0"/>
-                <a:ea typeface="Adobe Heiti Std R" pitchFamily="34" charset="-128"/>
-                <a:cs typeface="Arial" panose="020B0604020202020204" pitchFamily="34" charset="0"/>
-              </a:rPr>
-              <a:t>l’utilisateur à s’inscrire</a:t>
-            </a:r>
-          </a:p>
-          <a:p>
-            <a:pPr lvl="1"/>
-            <a:r>
-              <a:rPr lang="fr-CH" dirty="0" smtClean="0">
-                <a:solidFill>
-                  <a:schemeClr val="tx1">
-                    <a:lumMod val="75000"/>
-                    <a:lumOff val="25000"/>
-                  </a:schemeClr>
-                </a:solidFill>
-                <a:latin typeface="Arial" panose="020B0604020202020204" pitchFamily="34" charset="0"/>
-                <a:ea typeface="Adobe Heiti Std R" pitchFamily="34" charset="-128"/>
-                <a:cs typeface="Arial" panose="020B0604020202020204" pitchFamily="34" charset="0"/>
-              </a:rPr>
-              <a:t>L’affichage des sessions et des spots</a:t>
-            </a:r>
-          </a:p>
-          <a:p>
-            <a:pPr lvl="2"/>
-            <a:r>
-              <a:rPr lang="fr-CH" dirty="0" smtClean="0">
-                <a:solidFill>
-                  <a:schemeClr val="tx1">
-                    <a:lumMod val="75000"/>
-                    <a:lumOff val="25000"/>
-                  </a:schemeClr>
-                </a:solidFill>
-                <a:latin typeface="Arial" panose="020B0604020202020204" pitchFamily="34" charset="0"/>
-                <a:ea typeface="Adobe Heiti Std R" pitchFamily="34" charset="-128"/>
-                <a:cs typeface="Arial" panose="020B0604020202020204" pitchFamily="34" charset="0"/>
-              </a:rPr>
-              <a:t>Afficher les sessions et les spots sous forme de liste</a:t>
-            </a:r>
-          </a:p>
-          <a:p>
-            <a:pPr lvl="2"/>
-            <a:r>
-              <a:rPr lang="fr-CH" dirty="0" smtClean="0">
-                <a:solidFill>
-                  <a:schemeClr val="tx1">
-                    <a:lumMod val="75000"/>
-                    <a:lumOff val="25000"/>
-                  </a:schemeClr>
-                </a:solidFill>
-                <a:latin typeface="Arial" panose="020B0604020202020204" pitchFamily="34" charset="0"/>
-                <a:ea typeface="Adobe Heiti Std R" pitchFamily="34" charset="-128"/>
-                <a:cs typeface="Arial" panose="020B0604020202020204" pitchFamily="34" charset="0"/>
-              </a:rPr>
-              <a:t>Simplifier la navigation</a:t>
-            </a:r>
+              <a:t>Rechercher et trier </a:t>
+            </a:r>
+            <a:endParaRPr lang="fr-CH" dirty="0" smtClean="0">
+              <a:solidFill>
+                <a:schemeClr val="tx1">
+                  <a:lumMod val="75000"/>
+                  <a:lumOff val="25000"/>
+                </a:schemeClr>
+              </a:solidFill>
+              <a:latin typeface="Arial" panose="020B0604020202020204" pitchFamily="34" charset="0"/>
+              <a:ea typeface="Adobe Heiti Std R" pitchFamily="34" charset="-128"/>
+              <a:cs typeface="Arial" panose="020B0604020202020204" pitchFamily="34" charset="0"/>
+            </a:endParaRPr>
           </a:p>
           <a:p>
             <a:pPr lvl="1"/>
